--- a/ppt/ckb_v2.pptx
+++ b/ppt/ckb_v2.pptx
@@ -1,29 +1,30 @@
 
 <file path=ppt/presentation.xml><?xml version="1.0" encoding="utf-8"?>
-<p:presentation xmlns:a="http://schemas.openxmlformats.org/drawingml/2006/main" xmlns:r="http://schemas.openxmlformats.org/officeDocument/2006/relationships" xmlns:p="http://schemas.openxmlformats.org/presentationml/2006/main" saveSubsetFonts="1">
+<p:presentation xmlns:a="http://schemas.openxmlformats.org/drawingml/2006/main" xmlns:r="http://schemas.openxmlformats.org/officeDocument/2006/relationships" xmlns:p="http://schemas.openxmlformats.org/presentationml/2006/main">
   <p:sldMasterIdLst>
     <p:sldMasterId id="2147483648" r:id="rId1"/>
   </p:sldMasterIdLst>
   <p:notesMasterIdLst>
-    <p:notesMasterId r:id="rId15"/>
+    <p:notesMasterId r:id="rId4"/>
   </p:notesMasterIdLst>
   <p:sldIdLst>
-    <p:sldId id="353" r:id="rId2"/>
-    <p:sldId id="269" r:id="rId3"/>
-    <p:sldId id="310" r:id="rId4"/>
-    <p:sldId id="309" r:id="rId5"/>
-    <p:sldId id="304" r:id="rId6"/>
-    <p:sldId id="359" r:id="rId7"/>
-    <p:sldId id="313" r:id="rId8"/>
-    <p:sldId id="368" r:id="rId9"/>
-    <p:sldId id="369" r:id="rId10"/>
-    <p:sldId id="298" r:id="rId11"/>
-    <p:sldId id="281" r:id="rId12"/>
-    <p:sldId id="366" r:id="rId13"/>
-    <p:sldId id="354" r:id="rId14"/>
+    <p:sldId id="353" r:id="rId3"/>
+    <p:sldId id="269" r:id="rId5"/>
+    <p:sldId id="310" r:id="rId6"/>
+    <p:sldId id="309" r:id="rId7"/>
+    <p:sldId id="304" r:id="rId8"/>
+    <p:sldId id="359" r:id="rId9"/>
+    <p:sldId id="313" r:id="rId10"/>
+    <p:sldId id="368" r:id="rId11"/>
+    <p:sldId id="369" r:id="rId12"/>
+    <p:sldId id="374" r:id="rId13"/>
+    <p:sldId id="298" r:id="rId14"/>
+    <p:sldId id="281" r:id="rId15"/>
+    <p:sldId id="366" r:id="rId16"/>
+    <p:sldId id="354" r:id="rId17"/>
   </p:sldIdLst>
   <p:sldSz cx="12192000" cy="6858000"/>
-  <p:notesSz cx="7104063" cy="10234613"/>
+  <p:notesSz cx="7103745" cy="10234295"/>
   <p:defaultTextStyle>
     <a:defPPr>
       <a:defRPr lang="en-US"/>
@@ -119,14 +120,6 @@
       </a:defRPr>
     </a:lvl9pPr>
   </p:defaultTextStyle>
-  <p:extLst>
-    <p:ext uri="{EFAFB233-063F-42B5-8137-9DF3F51BA10A}">
-      <p15:sldGuideLst xmlns:p15="http://schemas.microsoft.com/office/powerpoint/2012/main"/>
-    </p:ext>
-    <p:ext uri="{2D200454-40CA-4A62-9FC3-DE9A4176ACB9}">
-      <p15:notesGuideLst xmlns:p15="http://schemas.microsoft.com/office/powerpoint/2012/main"/>
-    </p:ext>
-  </p:extLst>
 </p:presentation>
 </file>
 
@@ -139,7 +132,7 @@
 <file path=ppt/charts/chart1.xml><?xml version="1.0" encoding="utf-8"?>
 <c:chartSpace xmlns:c="http://schemas.openxmlformats.org/drawingml/2006/chart" xmlns:a="http://schemas.openxmlformats.org/drawingml/2006/main" xmlns:r="http://schemas.openxmlformats.org/officeDocument/2006/relationships">
   <c:date1904 val="0"/>
-  <c:lang val="en-US"/>
+  <c:lang val="zh-CN"/>
   <c:roundedCorners val="0"/>
   <mc:AlternateContent xmlns:mc="http://schemas.openxmlformats.org/markup-compatibility/2006">
     <mc:Choice xmlns:c14="http://schemas.microsoft.com/office/drawing/2007/8/2/chart" Requires="c14">
@@ -187,7 +180,11 @@
             </a:r>
             <a:r>
               <a:rPr lang="zh-CN" altLang="en-US" sz="2400" dirty="0" smtClean="0"/>
-              <a:t>历史发行总数</a:t>
+              <a:t>历史累计</a:t>
+            </a:r>
+            <a:r>
+              <a:rPr lang="zh-CN" altLang="en-US" sz="2400" dirty="0" smtClean="0"/>
+              <a:t>发行总数</a:t>
             </a:r>
             <a:r>
               <a:rPr lang="en-US" altLang="zh-CN" sz="2400" dirty="0" smtClean="0"/>
@@ -209,6 +206,7 @@
               <a:rPr lang="en-US" altLang="zh-CN" sz="2400" dirty="0" smtClean="0"/>
               <a:t>)</a:t>
             </a:r>
+            <a:endParaRPr lang="en-US" altLang="zh-CN" sz="2400" dirty="0" smtClean="0"/>
           </a:p>
         </c:rich>
       </c:tx>
@@ -216,7 +214,7 @@
         <c:manualLayout>
           <c:xMode val="edge"/>
           <c:yMode val="edge"/>
-          <c:x val="0.22671698134125"/>
+          <c:x val="0.150065338752004"/>
           <c:y val="0.00473178597722185"/>
         </c:manualLayout>
       </c:layout>
@@ -228,26 +226,6 @@
         </a:ln>
         <a:effectLst/>
       </c:spPr>
-      <c:txPr>
-        <a:bodyPr rot="0" spcFirstLastPara="1" vertOverflow="ellipsis" vert="horz" wrap="square" anchor="ctr" anchorCtr="1"/>
-        <a:lstStyle/>
-        <a:p>
-          <a:pPr algn="l">
-            <a:defRPr lang="en-US" sz="2400" b="0" i="0" u="none" strike="noStrike" kern="1200" spc="0" baseline="0">
-              <a:solidFill>
-                <a:schemeClr val="tx1">
-                  <a:lumMod val="65000"/>
-                  <a:lumOff val="35000"/>
-                </a:schemeClr>
-              </a:solidFill>
-              <a:latin typeface="+mn-lt"/>
-              <a:ea typeface="+mn-ea"/>
-              <a:cs typeface="+mn-cs"/>
-            </a:defRPr>
-          </a:pPr>
-          <a:endParaRPr lang="en-US"/>
-        </a:p>
-      </c:txPr>
     </c:title>
     <c:autoTitleDeleted val="0"/>
     <c:plotArea>
@@ -279,6 +257,9 @@
             <a:effectLst/>
           </c:spPr>
           <c:invertIfNegative val="0"/>
+          <c:dLbls>
+            <c:delete val="1"/>
+          </c:dLbls>
           <c:val>
             <c:numRef>
               <c:f>Sheet3!$C$2:$C$51</c:f>
@@ -286,154 +267,154 @@
                 <c:formatCode>General</c:formatCode>
                 <c:ptCount val="50"/>
                 <c:pt idx="0">
-                  <c:v>252.0</c:v>
+                  <c:v>252</c:v>
                 </c:pt>
                 <c:pt idx="1">
-                  <c:v>252.0</c:v>
+                  <c:v>252</c:v>
                 </c:pt>
                 <c:pt idx="2">
-                  <c:v>252.0</c:v>
+                  <c:v>252</c:v>
                 </c:pt>
                 <c:pt idx="3">
-                  <c:v>252.0</c:v>
+                  <c:v>252</c:v>
                 </c:pt>
                 <c:pt idx="4">
-                  <c:v>252.0</c:v>
+                  <c:v>252</c:v>
                 </c:pt>
                 <c:pt idx="5">
-                  <c:v>252.0</c:v>
+                  <c:v>252</c:v>
                 </c:pt>
                 <c:pt idx="6">
-                  <c:v>252.0</c:v>
+                  <c:v>252</c:v>
                 </c:pt>
                 <c:pt idx="7">
-                  <c:v>252.0</c:v>
+                  <c:v>252</c:v>
                 </c:pt>
                 <c:pt idx="8">
-                  <c:v>252.0</c:v>
+                  <c:v>252</c:v>
                 </c:pt>
                 <c:pt idx="9">
-                  <c:v>252.0</c:v>
+                  <c:v>252</c:v>
                 </c:pt>
                 <c:pt idx="10">
-                  <c:v>252.0</c:v>
+                  <c:v>252</c:v>
                 </c:pt>
                 <c:pt idx="11">
-                  <c:v>252.0</c:v>
+                  <c:v>252</c:v>
                 </c:pt>
                 <c:pt idx="12">
-                  <c:v>252.0</c:v>
+                  <c:v>252</c:v>
                 </c:pt>
                 <c:pt idx="13">
-                  <c:v>252.0</c:v>
+                  <c:v>252</c:v>
                 </c:pt>
                 <c:pt idx="14">
-                  <c:v>252.0</c:v>
+                  <c:v>252</c:v>
                 </c:pt>
                 <c:pt idx="15">
-                  <c:v>252.0</c:v>
+                  <c:v>252</c:v>
                 </c:pt>
                 <c:pt idx="16">
-                  <c:v>252.0</c:v>
+                  <c:v>252</c:v>
                 </c:pt>
                 <c:pt idx="17">
-                  <c:v>252.0</c:v>
+                  <c:v>252</c:v>
                 </c:pt>
                 <c:pt idx="18">
-                  <c:v>252.0</c:v>
+                  <c:v>252</c:v>
                 </c:pt>
                 <c:pt idx="19">
-                  <c:v>252.0</c:v>
+                  <c:v>252</c:v>
                 </c:pt>
                 <c:pt idx="20">
-                  <c:v>252.0</c:v>
+                  <c:v>252</c:v>
                 </c:pt>
                 <c:pt idx="21">
-                  <c:v>252.0</c:v>
+                  <c:v>252</c:v>
                 </c:pt>
                 <c:pt idx="22">
-                  <c:v>252.0</c:v>
+                  <c:v>252</c:v>
                 </c:pt>
                 <c:pt idx="23">
-                  <c:v>252.0</c:v>
+                  <c:v>252</c:v>
                 </c:pt>
                 <c:pt idx="24">
-                  <c:v>252.0</c:v>
+                  <c:v>252</c:v>
                 </c:pt>
                 <c:pt idx="25">
-                  <c:v>252.0</c:v>
+                  <c:v>252</c:v>
                 </c:pt>
                 <c:pt idx="26">
-                  <c:v>252.0</c:v>
+                  <c:v>252</c:v>
                 </c:pt>
                 <c:pt idx="27">
-                  <c:v>252.0</c:v>
+                  <c:v>252</c:v>
                 </c:pt>
                 <c:pt idx="28">
-                  <c:v>252.0</c:v>
+                  <c:v>252</c:v>
                 </c:pt>
                 <c:pt idx="29">
-                  <c:v>252.0</c:v>
+                  <c:v>252</c:v>
                 </c:pt>
                 <c:pt idx="30">
-                  <c:v>252.0</c:v>
+                  <c:v>252</c:v>
                 </c:pt>
                 <c:pt idx="31">
-                  <c:v>252.0</c:v>
+                  <c:v>252</c:v>
                 </c:pt>
                 <c:pt idx="32">
-                  <c:v>252.0</c:v>
+                  <c:v>252</c:v>
                 </c:pt>
                 <c:pt idx="33">
-                  <c:v>252.0</c:v>
+                  <c:v>252</c:v>
                 </c:pt>
                 <c:pt idx="34">
-                  <c:v>252.0</c:v>
+                  <c:v>252</c:v>
                 </c:pt>
                 <c:pt idx="35">
-                  <c:v>252.0</c:v>
+                  <c:v>252</c:v>
                 </c:pt>
                 <c:pt idx="36">
-                  <c:v>252.0</c:v>
+                  <c:v>252</c:v>
                 </c:pt>
                 <c:pt idx="37">
-                  <c:v>252.0</c:v>
+                  <c:v>252</c:v>
                 </c:pt>
                 <c:pt idx="38">
-                  <c:v>252.0</c:v>
+                  <c:v>252</c:v>
                 </c:pt>
                 <c:pt idx="39">
-                  <c:v>252.0</c:v>
+                  <c:v>252</c:v>
                 </c:pt>
                 <c:pt idx="40">
-                  <c:v>252.0</c:v>
+                  <c:v>252</c:v>
                 </c:pt>
                 <c:pt idx="41">
-                  <c:v>252.0</c:v>
+                  <c:v>252</c:v>
                 </c:pt>
                 <c:pt idx="42">
-                  <c:v>252.0</c:v>
+                  <c:v>252</c:v>
                 </c:pt>
                 <c:pt idx="43">
-                  <c:v>252.0</c:v>
+                  <c:v>252</c:v>
                 </c:pt>
                 <c:pt idx="44">
-                  <c:v>252.0</c:v>
+                  <c:v>252</c:v>
                 </c:pt>
                 <c:pt idx="45">
-                  <c:v>252.0</c:v>
+                  <c:v>252</c:v>
                 </c:pt>
                 <c:pt idx="46">
-                  <c:v>252.0</c:v>
+                  <c:v>252</c:v>
                 </c:pt>
                 <c:pt idx="47">
-                  <c:v>252.0</c:v>
+                  <c:v>252</c:v>
                 </c:pt>
                 <c:pt idx="48">
-                  <c:v>252.0</c:v>
+                  <c:v>252</c:v>
                 </c:pt>
                 <c:pt idx="49">
-                  <c:v>252.0</c:v>
+                  <c:v>252</c:v>
                 </c:pt>
               </c:numCache>
             </c:numRef>
@@ -452,6 +433,9 @@
             <a:effectLst/>
           </c:spPr>
           <c:invertIfNegative val="0"/>
+          <c:dLbls>
+            <c:delete val="1"/>
+          </c:dLbls>
           <c:val>
             <c:numRef>
               <c:f>Sheet3!$D$2:$D$51</c:f>
@@ -459,40 +443,40 @@
                 <c:formatCode>General</c:formatCode>
                 <c:ptCount val="50"/>
                 <c:pt idx="0">
-                  <c:v>42.0</c:v>
+                  <c:v>42</c:v>
                 </c:pt>
                 <c:pt idx="1">
-                  <c:v>84.0</c:v>
+                  <c:v>84</c:v>
                 </c:pt>
                 <c:pt idx="2">
-                  <c:v>126.0</c:v>
+                  <c:v>126</c:v>
                 </c:pt>
                 <c:pt idx="3">
-                  <c:v>168.0</c:v>
+                  <c:v>168</c:v>
                 </c:pt>
                 <c:pt idx="4">
-                  <c:v>189.0</c:v>
+                  <c:v>189</c:v>
                 </c:pt>
                 <c:pt idx="5">
-                  <c:v>210.0</c:v>
+                  <c:v>210</c:v>
                 </c:pt>
                 <c:pt idx="6">
-                  <c:v>231.0</c:v>
+                  <c:v>231</c:v>
                 </c:pt>
                 <c:pt idx="7">
-                  <c:v>252.0</c:v>
+                  <c:v>252</c:v>
                 </c:pt>
                 <c:pt idx="8">
                   <c:v>262.5</c:v>
                 </c:pt>
                 <c:pt idx="9">
-                  <c:v>273.0</c:v>
+                  <c:v>273</c:v>
                 </c:pt>
                 <c:pt idx="10">
                   <c:v>283.5</c:v>
                 </c:pt>
                 <c:pt idx="11">
-                  <c:v>294.0</c:v>
+                  <c:v>294</c:v>
                 </c:pt>
                 <c:pt idx="12">
                   <c:v>299.25</c:v>
@@ -504,7 +488,7 @@
                   <c:v>309.75</c:v>
                 </c:pt>
                 <c:pt idx="15">
-                  <c:v>315.0</c:v>
+                  <c:v>315</c:v>
                 </c:pt>
                 <c:pt idx="16">
                   <c:v>317.625</c:v>
@@ -525,28 +509,28 @@
                   <c:v>328.125</c:v>
                 </c:pt>
                 <c:pt idx="22">
-                  <c:v>329.4374999999999</c:v>
+                  <c:v>329.4375</c:v>
                 </c:pt>
                 <c:pt idx="23">
                   <c:v>330.75</c:v>
                 </c:pt>
                 <c:pt idx="24">
-                  <c:v>331.4062499999999</c:v>
+                  <c:v>331.40625</c:v>
                 </c:pt>
                 <c:pt idx="25">
                   <c:v>332.0625</c:v>
                 </c:pt>
                 <c:pt idx="26">
-                  <c:v>332.7187499999999</c:v>
+                  <c:v>332.71875</c:v>
                 </c:pt>
                 <c:pt idx="27">
                   <c:v>333.375</c:v>
                 </c:pt>
                 <c:pt idx="28">
-                  <c:v>333.7031249999999</c:v>
+                  <c:v>333.703125</c:v>
                 </c:pt>
                 <c:pt idx="29">
-                  <c:v>334.0312499999999</c:v>
+                  <c:v>334.03125</c:v>
                 </c:pt>
                 <c:pt idx="30">
                   <c:v>334.359375</c:v>
@@ -567,7 +551,7 @@
                   <c:v>335.34375</c:v>
                 </c:pt>
                 <c:pt idx="36">
-                  <c:v>335.4257812499999</c:v>
+                  <c:v>335.42578125</c:v>
                 </c:pt>
                 <c:pt idx="37">
                   <c:v>335.5078125</c:v>
@@ -582,13 +566,13 @@
                   <c:v>335.712890625</c:v>
                 </c:pt>
                 <c:pt idx="41">
-                  <c:v>335.7539062499999</c:v>
+                  <c:v>335.75390625</c:v>
                 </c:pt>
                 <c:pt idx="42">
                   <c:v>335.794921875</c:v>
                 </c:pt>
                 <c:pt idx="43">
-                  <c:v>335.8359374999999</c:v>
+                  <c:v>335.8359375</c:v>
                 </c:pt>
                 <c:pt idx="44">
                   <c:v>335.8564453125</c:v>
@@ -600,13 +584,13 @@
                   <c:v>335.8974609375</c:v>
                 </c:pt>
                 <c:pt idx="47">
-                  <c:v>335.9179687499999</c:v>
+                  <c:v>335.91796875</c:v>
                 </c:pt>
                 <c:pt idx="48">
-                  <c:v>335.9282226562499</c:v>
+                  <c:v>335.92822265625</c:v>
                 </c:pt>
                 <c:pt idx="49">
-                  <c:v>335.9384765624999</c:v>
+                  <c:v>335.9384765625</c:v>
                 </c:pt>
               </c:numCache>
             </c:numRef>
@@ -625,6 +609,9 @@
             <a:effectLst/>
           </c:spPr>
           <c:invertIfNegative val="0"/>
+          <c:dLbls>
+            <c:delete val="1"/>
+          </c:dLbls>
           <c:val>
             <c:numRef>
               <c:f>Sheet3!$E$2:$E$51</c:f>
@@ -704,7 +691,7 @@
                   <c:v>322.56</c:v>
                 </c:pt>
                 <c:pt idx="24">
-                  <c:v>336.0</c:v>
+                  <c:v>336</c:v>
                 </c:pt>
                 <c:pt idx="25">
                   <c:v>349.44</c:v>
@@ -761,7 +748,7 @@
                   <c:v>577.92</c:v>
                 </c:pt>
                 <c:pt idx="43">
-                  <c:v>591.3599999999999</c:v>
+                  <c:v>591.36</c:v>
                 </c:pt>
                 <c:pt idx="44">
                   <c:v>604.8</c:v>
@@ -838,7 +825,6 @@
                 <a:cs typeface="+mn-cs"/>
               </a:defRPr>
             </a:pPr>
-            <a:endParaRPr lang="en-US"/>
           </a:p>
         </c:txPr>
         <c:crossAx val="-1456220096"/>
@@ -897,7 +883,6 @@
                 <a:cs typeface="+mn-cs"/>
               </a:defRPr>
             </a:pPr>
-            <a:endParaRPr lang="en-US"/>
           </a:p>
         </c:txPr>
         <c:crossAx val="-1456221872"/>
@@ -930,10 +915,9 @@
       <a:pPr>
         <a:defRPr lang="en-US"/>
       </a:pPr>
-      <a:endParaRPr lang="en-US"/>
     </a:p>
   </c:txPr>
-  <c:externalData r:id="rId3">
+  <c:externalData r:id="rId1">
     <c:autoUpdate val="0"/>
   </c:externalData>
 </c:chartSpace>
@@ -942,7 +926,7 @@
 <file path=ppt/charts/chart2.xml><?xml version="1.0" encoding="utf-8"?>
 <c:chartSpace xmlns:c="http://schemas.openxmlformats.org/drawingml/2006/chart" xmlns:a="http://schemas.openxmlformats.org/drawingml/2006/main" xmlns:r="http://schemas.openxmlformats.org/officeDocument/2006/relationships">
   <c:date1904 val="0"/>
-  <c:lang val="en-US"/>
+  <c:lang val="zh-CN"/>
   <c:roundedCorners val="0"/>
   <mc:AlternateContent xmlns:mc="http://schemas.openxmlformats.org/markup-compatibility/2006">
     <mc:Choice xmlns:c14="http://schemas.microsoft.com/office/drawing/2007/8/2/chart" Requires="c14">
@@ -975,7 +959,7 @@
         <a:lstStyle/>
         <a:p>
           <a:pPr>
-            <a:defRPr sz="2800" b="0" i="0" u="none" strike="noStrike" kern="1200" spc="0" baseline="0">
+            <a:defRPr lang="en-US" sz="2800" b="0" i="0" u="none" strike="noStrike" kern="1200" spc="0" baseline="0">
               <a:solidFill>
                 <a:schemeClr val="tx1">
                   <a:lumMod val="65000"/>
@@ -987,49 +971,10 @@
               <a:cs typeface="+mn-cs"/>
             </a:defRPr>
           </a:pPr>
-          <a:endParaRPr lang="en-US"/>
         </a:p>
       </c:txPr>
     </c:title>
     <c:autoTitleDeleted val="0"/>
-    <c:view3D>
-      <c:rotX val="15"/>
-      <c:rotY val="20"/>
-      <c:rAngAx val="0"/>
-    </c:view3D>
-    <c:floor>
-      <c:thickness val="0"/>
-      <c:spPr>
-        <a:noFill/>
-        <a:ln>
-          <a:noFill/>
-        </a:ln>
-        <a:effectLst/>
-        <a:sp3d/>
-      </c:spPr>
-    </c:floor>
-    <c:sideWall>
-      <c:thickness val="0"/>
-      <c:spPr>
-        <a:noFill/>
-        <a:ln>
-          <a:noFill/>
-        </a:ln>
-        <a:effectLst/>
-        <a:sp3d/>
-      </c:spPr>
-    </c:sideWall>
-    <c:backWall>
-      <c:thickness val="0"/>
-      <c:spPr>
-        <a:noFill/>
-        <a:ln>
-          <a:noFill/>
-        </a:ln>
-        <a:effectLst/>
-        <a:sp3d/>
-      </c:spPr>
-    </c:backWall>
     <c:plotArea>
       <c:layout>
         <c:manualLayout>
@@ -1042,7 +987,7 @@
           <c:h val="0.700054316127151"/>
         </c:manualLayout>
       </c:layout>
-      <c:bar3DChart>
+      <c:barChart>
         <c:barDir val="col"/>
         <c:grouping val="stacked"/>
         <c:varyColors val="0"/>
@@ -1050,7 +995,15 @@
           <c:idx val="0"/>
           <c:order val="0"/>
           <c:tx>
-            <c:v>每年POW产量</c:v>
+            <c:strRef>
+              <c:f>每年POW产量</c:f>
+              <c:strCache>
+                <c:ptCount val="1"/>
+                <c:pt idx="0">
+                  <c:v>每年POW产量</c:v>
+                </c:pt>
+              </c:strCache>
+            </c:strRef>
           </c:tx>
           <c:spPr>
             <a:solidFill>
@@ -1069,6 +1022,9 @@
             </a:sp3d>
           </c:spPr>
           <c:invertIfNegative val="0"/>
+          <c:dLbls>
+            <c:delete val="1"/>
+          </c:dLbls>
           <c:val>
             <c:numRef>
               <c:f>Sheet2!$B$2:$B$32</c:f>
@@ -1076,28 +1032,28 @@
                 <c:formatCode>General</c:formatCode>
                 <c:ptCount val="31"/>
                 <c:pt idx="0">
-                  <c:v>42.0</c:v>
+                  <c:v>42</c:v>
                 </c:pt>
                 <c:pt idx="1">
-                  <c:v>42.0</c:v>
+                  <c:v>42</c:v>
                 </c:pt>
                 <c:pt idx="2">
-                  <c:v>42.0</c:v>
+                  <c:v>42</c:v>
                 </c:pt>
                 <c:pt idx="3">
-                  <c:v>42.0</c:v>
+                  <c:v>42</c:v>
                 </c:pt>
                 <c:pt idx="4">
-                  <c:v>21.0</c:v>
+                  <c:v>21</c:v>
                 </c:pt>
                 <c:pt idx="5">
-                  <c:v>21.0</c:v>
+                  <c:v>21</c:v>
                 </c:pt>
                 <c:pt idx="6">
-                  <c:v>21.0</c:v>
+                  <c:v>21</c:v>
                 </c:pt>
                 <c:pt idx="7">
-                  <c:v>21.0</c:v>
+                  <c:v>21</c:v>
                 </c:pt>
                 <c:pt idx="8">
                   <c:v>10.5</c:v>
@@ -1181,11 +1137,10 @@
           <c:showBubbleSize val="0"/>
         </c:dLbls>
         <c:gapWidth val="219"/>
-        <c:shape val="box"/>
+        <c:overlap val="100"/>
         <c:axId val="-1453353360"/>
         <c:axId val="-1377768624"/>
-        <c:axId val="0"/>
-      </c:bar3DChart>
+      </c:barChart>
       <c:catAx>
         <c:axId val="-1453353360"/>
         <c:scaling>
@@ -1214,7 +1169,7 @@
           <a:lstStyle/>
           <a:p>
             <a:pPr>
-              <a:defRPr sz="900" b="0" i="0" u="none" strike="noStrike" kern="1200" baseline="0">
+              <a:defRPr lang="en-US" sz="900" b="0" i="0" u="none" strike="noStrike" kern="1200" baseline="0">
                 <a:solidFill>
                   <a:schemeClr val="tx1">
                     <a:lumMod val="65000"/>
@@ -1226,7 +1181,6 @@
                 <a:cs typeface="+mn-cs"/>
               </a:defRPr>
             </a:pPr>
-            <a:endParaRPr lang="en-US"/>
           </a:p>
         </c:txPr>
         <c:crossAx val="-1377768624"/>
@@ -1273,7 +1227,7 @@
           <a:lstStyle/>
           <a:p>
             <a:pPr>
-              <a:defRPr sz="900" b="0" i="0" u="none" strike="noStrike" kern="1200" baseline="0">
+              <a:defRPr lang="en-US" sz="900" b="0" i="0" u="none" strike="noStrike" kern="1200" baseline="0">
                 <a:solidFill>
                   <a:schemeClr val="tx1">
                     <a:lumMod val="65000"/>
@@ -1285,7 +1239,6 @@
                 <a:cs typeface="+mn-cs"/>
               </a:defRPr>
             </a:pPr>
-            <a:endParaRPr lang="en-US"/>
           </a:p>
         </c:txPr>
         <c:crossAx val="-1453353360"/>
@@ -1316,12 +1269,11 @@
     <a:lstStyle/>
     <a:p>
       <a:pPr>
-        <a:defRPr/>
+        <a:defRPr lang="en-US"/>
       </a:pPr>
-      <a:endParaRPr lang="en-US"/>
     </a:p>
   </c:txPr>
-  <c:externalData r:id="rId3">
+  <c:externalData r:id="rId1">
     <c:autoUpdate val="0"/>
   </c:externalData>
 </c:chartSpace>
@@ -1330,7 +1282,7 @@
 <file path=ppt/charts/chart3.xml><?xml version="1.0" encoding="utf-8"?>
 <c:chartSpace xmlns:c="http://schemas.openxmlformats.org/drawingml/2006/chart" xmlns:a="http://schemas.openxmlformats.org/drawingml/2006/main" xmlns:r="http://schemas.openxmlformats.org/officeDocument/2006/relationships">
   <c:date1904 val="0"/>
-  <c:lang val="en-US"/>
+  <c:lang val="zh-CN"/>
   <c:roundedCorners val="0"/>
   <mc:AlternateContent xmlns:mc="http://schemas.openxmlformats.org/markup-compatibility/2006">
     <mc:Choice xmlns:c14="http://schemas.microsoft.com/office/drawing/2007/8/2/chart" Requires="c14">
@@ -1348,7 +1300,7 @@
           <a:lstStyle/>
           <a:p>
             <a:pPr>
-              <a:defRPr sz="2800" b="0" i="0" u="none" strike="noStrike" kern="1200" spc="0" baseline="0">
+              <a:defRPr lang="en-US" sz="2800" b="0" i="0" u="none" strike="noStrike" kern="1200" spc="0" baseline="0">
                 <a:solidFill>
                   <a:schemeClr val="tx1">
                     <a:lumMod val="65000"/>
@@ -1393,26 +1345,6 @@
         </a:ln>
         <a:effectLst/>
       </c:spPr>
-      <c:txPr>
-        <a:bodyPr rot="0" spcFirstLastPara="1" vertOverflow="ellipsis" vert="horz" wrap="square" anchor="ctr" anchorCtr="1"/>
-        <a:lstStyle/>
-        <a:p>
-          <a:pPr>
-            <a:defRPr sz="2800" b="0" i="0" u="none" strike="noStrike" kern="1200" spc="0" baseline="0">
-              <a:solidFill>
-                <a:schemeClr val="tx1">
-                  <a:lumMod val="65000"/>
-                  <a:lumOff val="35000"/>
-                </a:schemeClr>
-              </a:solidFill>
-              <a:latin typeface="+mn-lt"/>
-              <a:ea typeface="+mn-ea"/>
-              <a:cs typeface="+mn-cs"/>
-            </a:defRPr>
-          </a:pPr>
-          <a:endParaRPr lang="en-US"/>
-        </a:p>
-      </c:txPr>
     </c:title>
     <c:autoTitleDeleted val="0"/>
     <c:plotArea>
@@ -1422,6 +1354,8 @@
         <c:ser>
           <c:idx val="0"/>
           <c:order val="0"/>
+          <c:spPr/>
+          <c:explosion val="0"/>
           <c:dPt>
             <c:idx val="0"/>
             <c:bubble3D val="0"/>
@@ -1482,7 +1416,7 @@
               <a:lstStyle/>
               <a:p>
                 <a:pPr>
-                  <a:defRPr sz="2400" b="0" i="0" u="none" strike="noStrike" kern="1200" baseline="0">
+                  <a:defRPr lang="en-US" sz="2400" b="0" i="0" u="none" strike="noStrike" kern="1200" baseline="0">
                     <a:solidFill>
                       <a:schemeClr val="tx1">
                         <a:lumMod val="75000"/>
@@ -1494,9 +1428,9 @@
                     <a:cs typeface="+mn-cs"/>
                   </a:defRPr>
                 </a:pPr>
-                <a:endParaRPr lang="en-US"/>
               </a:p>
             </c:txPr>
+            <c:dLblPos val="bestFit"/>
             <c:showLegendKey val="0"/>
             <c:showVal val="0"/>
             <c:showCatName val="0"/>
@@ -1504,23 +1438,24 @@
             <c:showPercent val="1"/>
             <c:showBubbleSize val="0"/>
             <c:showLeaderLines val="1"/>
-            <c:leaderLines>
-              <c:spPr>
-                <a:ln w="9525" cap="flat" cmpd="sng" algn="ctr">
-                  <a:solidFill>
-                    <a:schemeClr val="tx1">
-                      <a:lumMod val="35000"/>
-                      <a:lumOff val="65000"/>
-                    </a:schemeClr>
-                  </a:solidFill>
-                  <a:round/>
-                </a:ln>
-                <a:effectLst/>
-              </c:spPr>
-            </c:leaderLines>
             <c:extLst>
               <c:ext xmlns:c15="http://schemas.microsoft.com/office/drawing/2012/chart" uri="{CE6537A1-D6FC-4f65-9D91-7224C49458BB}">
                 <c15:layout/>
+                <c15:showLeaderLines val="1"/>
+                <c15:leaderLines>
+                  <c:spPr>
+                    <a:ln w="9525" cap="flat" cmpd="sng" algn="ctr">
+                      <a:solidFill>
+                        <a:schemeClr val="tx1">
+                          <a:lumMod val="35000"/>
+                          <a:lumOff val="65000"/>
+                        </a:schemeClr>
+                      </a:solidFill>
+                      <a:round/>
+                    </a:ln>
+                    <a:effectLst/>
+                  </c:spPr>
+                </c15:leaderLines>
               </c:ext>
             </c:extLst>
           </c:dLbls>
@@ -1548,13 +1483,13 @@
                 <c:formatCode>General</c:formatCode>
                 <c:ptCount val="3"/>
                 <c:pt idx="0">
-                  <c:v>10.0</c:v>
+                  <c:v>10</c:v>
                 </c:pt>
                 <c:pt idx="1">
-                  <c:v>30.0</c:v>
+                  <c:v>30</c:v>
                 </c:pt>
                 <c:pt idx="2">
-                  <c:v>60.0</c:v>
+                  <c:v>60</c:v>
                 </c:pt>
               </c:numCache>
             </c:numRef>
@@ -1604,7 +1539,7 @@
         <a:lstStyle/>
         <a:p>
           <a:pPr>
-            <a:defRPr sz="1600" b="0" i="0" u="none" strike="noStrike" kern="1200" baseline="0">
+            <a:defRPr lang="en-US" sz="1600" b="0" i="0" u="none" strike="noStrike" kern="1200" baseline="0">
               <a:solidFill>
                 <a:schemeClr val="tx1">
                   <a:lumMod val="65000"/>
@@ -1616,7 +1551,6 @@
               <a:cs typeface="+mn-cs"/>
             </a:defRPr>
           </a:pPr>
-          <a:endParaRPr lang="en-US"/>
         </a:p>
       </c:txPr>
     </c:legend>
@@ -1636,12 +1570,11 @@
     <a:lstStyle/>
     <a:p>
       <a:pPr>
-        <a:defRPr/>
+        <a:defRPr lang="en-US"/>
       </a:pPr>
-      <a:endParaRPr lang="en-US"/>
     </a:p>
   </c:txPr>
-  <c:externalData r:id="rId3">
+  <c:externalData r:id="rId1">
     <c:autoUpdate val="0"/>
   </c:externalData>
 </c:chartSpace>
@@ -1650,7 +1583,7 @@
 <file path=ppt/charts/chart4.xml><?xml version="1.0" encoding="utf-8"?>
 <c:chartSpace xmlns:c="http://schemas.openxmlformats.org/drawingml/2006/chart" xmlns:a="http://schemas.openxmlformats.org/drawingml/2006/main" xmlns:r="http://schemas.openxmlformats.org/officeDocument/2006/relationships">
   <c:date1904 val="0"/>
-  <c:lang val="en-US"/>
+  <c:lang val="zh-CN"/>
   <c:roundedCorners val="0"/>
   <mc:AlternateContent xmlns:mc="http://schemas.openxmlformats.org/markup-compatibility/2006">
     <mc:Choice xmlns:c14="http://schemas.microsoft.com/office/drawing/2007/8/2/chart" Requires="c14">
@@ -1668,7 +1601,7 @@
           <a:lstStyle/>
           <a:p>
             <a:pPr>
-              <a:defRPr sz="2400" b="0" i="0" u="none" strike="noStrike" kern="1200" spc="0" baseline="0">
+              <a:defRPr lang="en-US" sz="2400" b="0" i="0" u="none" strike="noStrike" kern="1200" spc="0" baseline="0">
                 <a:solidFill>
                   <a:schemeClr val="tx1">
                     <a:lumMod val="65000"/>
@@ -1719,26 +1652,6 @@
         </a:ln>
         <a:effectLst/>
       </c:spPr>
-      <c:txPr>
-        <a:bodyPr rot="0" spcFirstLastPara="1" vertOverflow="ellipsis" vert="horz" wrap="square" anchor="ctr" anchorCtr="1"/>
-        <a:lstStyle/>
-        <a:p>
-          <a:pPr>
-            <a:defRPr sz="2400" b="0" i="0" u="none" strike="noStrike" kern="1200" spc="0" baseline="0">
-              <a:solidFill>
-                <a:schemeClr val="tx1">
-                  <a:lumMod val="65000"/>
-                  <a:lumOff val="35000"/>
-                </a:schemeClr>
-              </a:solidFill>
-              <a:latin typeface="+mn-lt"/>
-              <a:ea typeface="+mn-ea"/>
-              <a:cs typeface="+mn-cs"/>
-            </a:defRPr>
-          </a:pPr>
-          <a:endParaRPr lang="en-US"/>
-        </a:p>
-      </c:txPr>
     </c:title>
     <c:autoTitleDeleted val="0"/>
     <c:plotArea>
@@ -1758,6 +1671,8 @@
         <c:ser>
           <c:idx val="0"/>
           <c:order val="0"/>
+          <c:spPr/>
+          <c:explosion val="0"/>
           <c:dPt>
             <c:idx val="0"/>
             <c:bubble3D val="0"/>
@@ -1805,7 +1720,6 @@
           </c:dPt>
           <c:dLbls>
             <c:delete val="1"/>
-            <c:extLst/>
           </c:dLbls>
           <c:cat>
             <c:strRef>
@@ -1831,13 +1745,13 @@
                 <c:formatCode>General</c:formatCode>
                 <c:ptCount val="3"/>
                 <c:pt idx="0">
-                  <c:v>10.0</c:v>
+                  <c:v>10</c:v>
                 </c:pt>
                 <c:pt idx="1">
-                  <c:v>30.0</c:v>
+                  <c:v>30</c:v>
                 </c:pt>
                 <c:pt idx="2">
-                  <c:v>60.0</c:v>
+                  <c:v>60</c:v>
                 </c:pt>
               </c:numCache>
             </c:numRef>
@@ -1887,7 +1801,7 @@
         <a:lstStyle/>
         <a:p>
           <a:pPr>
-            <a:defRPr sz="2000" b="0" i="0" u="none" strike="noStrike" kern="1200" baseline="0">
+            <a:defRPr lang="en-US" sz="2000" b="0" i="0" u="none" strike="noStrike" kern="1200" baseline="0">
               <a:solidFill>
                 <a:schemeClr val="tx1">
                   <a:lumMod val="65000"/>
@@ -1899,7 +1813,6 @@
               <a:cs typeface="+mn-cs"/>
             </a:defRPr>
           </a:pPr>
-          <a:endParaRPr lang="en-US"/>
         </a:p>
       </c:txPr>
     </c:legend>
@@ -1919,12 +1832,11 @@
     <a:lstStyle/>
     <a:p>
       <a:pPr>
-        <a:defRPr/>
+        <a:defRPr lang="en-US"/>
       </a:pPr>
-      <a:endParaRPr lang="en-US"/>
     </a:p>
   </c:txPr>
-  <c:externalData r:id="rId3">
+  <c:externalData r:id="rId1">
     <c:autoUpdate val="0"/>
   </c:externalData>
 </c:chartSpace>
@@ -1933,7 +1845,7 @@
 <file path=ppt/charts/chart5.xml><?xml version="1.0" encoding="utf-8"?>
 <c:chartSpace xmlns:c="http://schemas.openxmlformats.org/drawingml/2006/chart" xmlns:a="http://schemas.openxmlformats.org/drawingml/2006/main" xmlns:r="http://schemas.openxmlformats.org/officeDocument/2006/relationships">
   <c:date1904 val="0"/>
-  <c:lang val="en-US"/>
+  <c:lang val="zh-CN"/>
   <c:roundedCorners val="0"/>
   <mc:AlternateContent xmlns:mc="http://schemas.openxmlformats.org/markup-compatibility/2006">
     <mc:Choice xmlns:c14="http://schemas.microsoft.com/office/drawing/2007/8/2/chart" Requires="c14">
@@ -1996,26 +1908,6 @@
         </a:ln>
         <a:effectLst/>
       </c:spPr>
-      <c:txPr>
-        <a:bodyPr rot="0" spcFirstLastPara="1" vertOverflow="ellipsis" vert="horz" wrap="square" anchor="ctr" anchorCtr="1"/>
-        <a:lstStyle/>
-        <a:p>
-          <a:pPr>
-            <a:defRPr lang="en-US" sz="1800" b="0" i="0" u="none" strike="noStrike" kern="1200" spc="0" baseline="0">
-              <a:solidFill>
-                <a:schemeClr val="tx1">
-                  <a:lumMod val="65000"/>
-                  <a:lumOff val="35000"/>
-                </a:schemeClr>
-              </a:solidFill>
-              <a:latin typeface="+mn-lt"/>
-              <a:ea typeface="+mn-ea"/>
-              <a:cs typeface="+mn-cs"/>
-            </a:defRPr>
-          </a:pPr>
-          <a:endParaRPr lang="en-US"/>
-        </a:p>
-      </c:txPr>
     </c:title>
     <c:autoTitleDeleted val="0"/>
     <c:plotArea>
@@ -2069,7 +1961,6 @@
               <a:cs typeface="+mn-cs"/>
             </a:defRPr>
           </a:pPr>
-          <a:endParaRPr lang="en-US"/>
         </a:p>
       </c:txPr>
     </c:legend>
@@ -2091,10 +1982,9 @@
       <a:pPr>
         <a:defRPr lang="en-US"/>
       </a:pPr>
-      <a:endParaRPr lang="en-US"/>
     </a:p>
   </c:txPr>
-  <c:externalData r:id="rId3">
+  <c:externalData r:id="rId1">
     <c:autoUpdate val="0"/>
   </c:externalData>
 </c:chartSpace>
@@ -2103,7 +1993,7 @@
 <file path=ppt/charts/chart6.xml><?xml version="1.0" encoding="utf-8"?>
 <c:chartSpace xmlns:c="http://schemas.openxmlformats.org/drawingml/2006/chart" xmlns:a="http://schemas.openxmlformats.org/drawingml/2006/main" xmlns:r="http://schemas.openxmlformats.org/officeDocument/2006/relationships">
   <c:date1904 val="0"/>
-  <c:lang val="en-US"/>
+  <c:lang val="zh-CN"/>
   <c:roundedCorners val="0"/>
   <mc:AlternateContent xmlns:mc="http://schemas.openxmlformats.org/markup-compatibility/2006">
     <mc:Choice xmlns:c14="http://schemas.microsoft.com/office/drawing/2007/8/2/chart" Requires="c14">
@@ -2121,7 +2011,7 @@
           <a:lstStyle/>
           <a:p>
             <a:pPr>
-              <a:defRPr sz="1800" b="0" i="0" u="none" strike="noStrike" kern="1200" spc="0" baseline="0">
+              <a:defRPr lang="en-US" sz="1800" b="0" i="0" u="none" strike="noStrike" kern="1200" spc="0" baseline="0">
                 <a:solidFill>
                   <a:schemeClr val="tx1">
                     <a:lumMod val="65000"/>
@@ -2166,26 +2056,6 @@
         </a:ln>
         <a:effectLst/>
       </c:spPr>
-      <c:txPr>
-        <a:bodyPr rot="0" spcFirstLastPara="1" vertOverflow="ellipsis" vert="horz" wrap="square" anchor="ctr" anchorCtr="1"/>
-        <a:lstStyle/>
-        <a:p>
-          <a:pPr>
-            <a:defRPr sz="1800" b="0" i="0" u="none" strike="noStrike" kern="1200" spc="0" baseline="0">
-              <a:solidFill>
-                <a:schemeClr val="tx1">
-                  <a:lumMod val="65000"/>
-                  <a:lumOff val="35000"/>
-                </a:schemeClr>
-              </a:solidFill>
-              <a:latin typeface="+mn-lt"/>
-              <a:ea typeface="+mn-ea"/>
-              <a:cs typeface="+mn-cs"/>
-            </a:defRPr>
-          </a:pPr>
-          <a:endParaRPr lang="en-US"/>
-        </a:p>
-      </c:txPr>
     </c:title>
     <c:autoTitleDeleted val="0"/>
     <c:plotArea>
@@ -2195,6 +2065,8 @@
         <c:ser>
           <c:idx val="0"/>
           <c:order val="0"/>
+          <c:spPr/>
+          <c:explosion val="0"/>
           <c:dPt>
             <c:idx val="0"/>
             <c:bubble3D val="0"/>
@@ -2255,7 +2127,7 @@
               <a:lstStyle/>
               <a:p>
                 <a:pPr>
-                  <a:defRPr sz="2400" b="0" i="0" u="none" strike="noStrike" kern="1200" baseline="0">
+                  <a:defRPr lang="en-US" sz="2400" b="0" i="0" u="none" strike="noStrike" kern="1200" baseline="0">
                     <a:solidFill>
                       <a:schemeClr val="tx1">
                         <a:lumMod val="75000"/>
@@ -2267,9 +2139,9 @@
                     <a:cs typeface="+mn-cs"/>
                   </a:defRPr>
                 </a:pPr>
-                <a:endParaRPr lang="en-US"/>
               </a:p>
             </c:txPr>
+            <c:dLblPos val="bestFit"/>
             <c:showLegendKey val="0"/>
             <c:showVal val="0"/>
             <c:showCatName val="0"/>
@@ -2277,23 +2149,24 @@
             <c:showPercent val="1"/>
             <c:showBubbleSize val="0"/>
             <c:showLeaderLines val="1"/>
-            <c:leaderLines>
-              <c:spPr>
-                <a:ln w="9525" cap="flat" cmpd="sng" algn="ctr">
-                  <a:solidFill>
-                    <a:schemeClr val="tx1">
-                      <a:lumMod val="35000"/>
-                      <a:lumOff val="65000"/>
-                    </a:schemeClr>
-                  </a:solidFill>
-                  <a:round/>
-                </a:ln>
-                <a:effectLst/>
-              </c:spPr>
-            </c:leaderLines>
             <c:extLst>
               <c:ext xmlns:c15="http://schemas.microsoft.com/office/drawing/2012/chart" uri="{CE6537A1-D6FC-4f65-9D91-7224C49458BB}">
                 <c15:layout/>
+                <c15:showLeaderLines val="1"/>
+                <c15:leaderLines>
+                  <c:spPr>
+                    <a:ln w="9525" cap="flat" cmpd="sng" algn="ctr">
+                      <a:solidFill>
+                        <a:schemeClr val="tx1">
+                          <a:lumMod val="35000"/>
+                          <a:lumOff val="65000"/>
+                        </a:schemeClr>
+                      </a:solidFill>
+                      <a:round/>
+                    </a:ln>
+                    <a:effectLst/>
+                  </c:spPr>
+                </c15:leaderLines>
               </c:ext>
             </c:extLst>
           </c:dLbls>
@@ -2321,13 +2194,13 @@
                 <c:formatCode>General</c:formatCode>
                 <c:ptCount val="3"/>
                 <c:pt idx="0">
-                  <c:v>10.0</c:v>
+                  <c:v>10</c:v>
                 </c:pt>
                 <c:pt idx="1">
-                  <c:v>30.0</c:v>
+                  <c:v>30</c:v>
                 </c:pt>
                 <c:pt idx="2">
-                  <c:v>60.0</c:v>
+                  <c:v>60</c:v>
                 </c:pt>
               </c:numCache>
             </c:numRef>
@@ -2377,7 +2250,7 @@
         <a:lstStyle/>
         <a:p>
           <a:pPr>
-            <a:defRPr sz="2000" b="0" i="0" u="none" strike="noStrike" kern="1200" baseline="0">
+            <a:defRPr lang="en-US" sz="2000" b="0" i="0" u="none" strike="noStrike" kern="1200" baseline="0">
               <a:solidFill>
                 <a:schemeClr val="tx1">
                   <a:lumMod val="65000"/>
@@ -2389,7 +2262,6 @@
               <a:cs typeface="+mn-cs"/>
             </a:defRPr>
           </a:pPr>
-          <a:endParaRPr lang="en-US"/>
         </a:p>
       </c:txPr>
     </c:legend>
@@ -2409,12 +2281,11 @@
     <a:lstStyle/>
     <a:p>
       <a:pPr>
-        <a:defRPr/>
+        <a:defRPr lang="en-US"/>
       </a:pPr>
-      <a:endParaRPr lang="en-US"/>
     </a:p>
   </c:txPr>
-  <c:externalData r:id="rId3">
+  <c:externalData r:id="rId1">
     <c:autoUpdate val="0"/>
   </c:externalData>
 </c:chartSpace>
@@ -2423,7 +2294,7 @@
 <file path=ppt/charts/chart7.xml><?xml version="1.0" encoding="utf-8"?>
 <c:chartSpace xmlns:c="http://schemas.openxmlformats.org/drawingml/2006/chart" xmlns:a="http://schemas.openxmlformats.org/drawingml/2006/main" xmlns:r="http://schemas.openxmlformats.org/officeDocument/2006/relationships">
   <c:date1904 val="0"/>
-  <c:lang val="en-US"/>
+  <c:lang val="zh-CN"/>
   <c:roundedCorners val="0"/>
   <mc:AlternateContent xmlns:mc="http://schemas.openxmlformats.org/markup-compatibility/2006">
     <mc:Choice xmlns:c14="http://schemas.microsoft.com/office/drawing/2007/8/2/chart" Requires="c14">
@@ -2441,7 +2312,7 @@
           <a:lstStyle/>
           <a:p>
             <a:pPr>
-              <a:defRPr sz="1800" b="0" i="0" u="none" strike="noStrike" kern="1200" spc="0" baseline="0">
+              <a:defRPr lang="en-US" sz="1800" b="0" i="0" u="none" strike="noStrike" kern="1200" spc="0" baseline="0">
                 <a:solidFill>
                   <a:schemeClr val="tx1">
                     <a:lumMod val="65000"/>
@@ -2498,26 +2369,6 @@
         </a:ln>
         <a:effectLst/>
       </c:spPr>
-      <c:txPr>
-        <a:bodyPr rot="0" spcFirstLastPara="1" vertOverflow="ellipsis" vert="horz" wrap="square" anchor="ctr" anchorCtr="1"/>
-        <a:lstStyle/>
-        <a:p>
-          <a:pPr>
-            <a:defRPr sz="1800" b="0" i="0" u="none" strike="noStrike" kern="1200" spc="0" baseline="0">
-              <a:solidFill>
-                <a:schemeClr val="tx1">
-                  <a:lumMod val="65000"/>
-                  <a:lumOff val="35000"/>
-                </a:schemeClr>
-              </a:solidFill>
-              <a:latin typeface="+mn-lt"/>
-              <a:ea typeface="+mn-ea"/>
-              <a:cs typeface="+mn-cs"/>
-            </a:defRPr>
-          </a:pPr>
-          <a:endParaRPr lang="en-US"/>
-        </a:p>
-      </c:txPr>
     </c:title>
     <c:autoTitleDeleted val="0"/>
     <c:plotArea>
@@ -2527,6 +2378,8 @@
         <c:ser>
           <c:idx val="0"/>
           <c:order val="0"/>
+          <c:spPr/>
+          <c:explosion val="0"/>
           <c:dPt>
             <c:idx val="0"/>
             <c:bubble3D val="0"/>
@@ -2587,7 +2440,7 @@
               <a:lstStyle/>
               <a:p>
                 <a:pPr>
-                  <a:defRPr sz="2400" b="0" i="0" u="none" strike="noStrike" kern="1200" baseline="0">
+                  <a:defRPr lang="en-US" sz="2400" b="0" i="0" u="none" strike="noStrike" kern="1200" baseline="0">
                     <a:solidFill>
                       <a:schemeClr val="tx1">
                         <a:lumMod val="75000"/>
@@ -2599,9 +2452,9 @@
                     <a:cs typeface="+mn-cs"/>
                   </a:defRPr>
                 </a:pPr>
-                <a:endParaRPr lang="en-US"/>
               </a:p>
             </c:txPr>
+            <c:dLblPos val="bestFit"/>
             <c:showLegendKey val="0"/>
             <c:showVal val="0"/>
             <c:showCatName val="0"/>
@@ -2609,23 +2462,24 @@
             <c:showPercent val="1"/>
             <c:showBubbleSize val="0"/>
             <c:showLeaderLines val="1"/>
-            <c:leaderLines>
-              <c:spPr>
-                <a:ln w="9525" cap="flat" cmpd="sng" algn="ctr">
-                  <a:solidFill>
-                    <a:schemeClr val="tx1">
-                      <a:lumMod val="35000"/>
-                      <a:lumOff val="65000"/>
-                    </a:schemeClr>
-                  </a:solidFill>
-                  <a:round/>
-                </a:ln>
-                <a:effectLst/>
-              </c:spPr>
-            </c:leaderLines>
             <c:extLst>
               <c:ext xmlns:c15="http://schemas.microsoft.com/office/drawing/2012/chart" uri="{CE6537A1-D6FC-4f65-9D91-7224C49458BB}">
                 <c15:layout/>
+                <c15:showLeaderLines val="1"/>
+                <c15:leaderLines>
+                  <c:spPr>
+                    <a:ln w="9525" cap="flat" cmpd="sng" algn="ctr">
+                      <a:solidFill>
+                        <a:schemeClr val="tx1">
+                          <a:lumMod val="35000"/>
+                          <a:lumOff val="65000"/>
+                        </a:schemeClr>
+                      </a:solidFill>
+                      <a:round/>
+                    </a:ln>
+                    <a:effectLst/>
+                  </c:spPr>
+                </c15:leaderLines>
               </c:ext>
             </c:extLst>
           </c:dLbls>
@@ -2653,13 +2507,13 @@
                 <c:formatCode>General</c:formatCode>
                 <c:ptCount val="3"/>
                 <c:pt idx="0">
-                  <c:v>10.0</c:v>
+                  <c:v>10</c:v>
                 </c:pt>
                 <c:pt idx="1">
-                  <c:v>30.0</c:v>
+                  <c:v>30</c:v>
                 </c:pt>
                 <c:pt idx="2">
-                  <c:v>60.0</c:v>
+                  <c:v>60</c:v>
                 </c:pt>
               </c:numCache>
             </c:numRef>
@@ -2690,10 +2544,10 @@
         <c:manualLayout>
           <c:xMode val="edge"/>
           <c:yMode val="edge"/>
-          <c:x val="0.545594530473156"/>
-          <c:y val="0.295277419435839"/>
-          <c:w val="0.452580032478406"/>
-          <c:h val="0.578959132876778"/>
+          <c:x val="0.582869885938494"/>
+          <c:y val="0.326443527627155"/>
+          <c:w val="0.414461295902447"/>
+          <c:h val="0.54782149773628"/>
         </c:manualLayout>
       </c:layout>
       <c:overlay val="0"/>
@@ -2709,7 +2563,7 @@
         <a:lstStyle/>
         <a:p>
           <a:pPr>
-            <a:defRPr sz="2000" b="0" i="0" u="none" strike="noStrike" kern="1200" baseline="0">
+            <a:defRPr lang="en-US" sz="2000" b="0" i="0" u="none" strike="noStrike" kern="1200" baseline="0">
               <a:solidFill>
                 <a:schemeClr val="tx1">
                   <a:lumMod val="65000"/>
@@ -2721,7 +2575,6 @@
               <a:cs typeface="+mn-cs"/>
             </a:defRPr>
           </a:pPr>
-          <a:endParaRPr lang="en-US"/>
         </a:p>
       </c:txPr>
     </c:legend>
@@ -2741,12 +2594,11 @@
     <a:lstStyle/>
     <a:p>
       <a:pPr>
-        <a:defRPr/>
+        <a:defRPr lang="en-US"/>
       </a:pPr>
-      <a:endParaRPr lang="en-US"/>
     </a:p>
   </c:txPr>
-  <c:externalData r:id="rId3">
+  <c:externalData r:id="rId1">
     <c:autoUpdate val="0"/>
   </c:externalData>
 </c:chartSpace>
@@ -2755,7 +2607,7 @@
 <file path=ppt/charts/chart8.xml><?xml version="1.0" encoding="utf-8"?>
 <c:chartSpace xmlns:c="http://schemas.openxmlformats.org/drawingml/2006/chart" xmlns:a="http://schemas.openxmlformats.org/drawingml/2006/main" xmlns:r="http://schemas.openxmlformats.org/officeDocument/2006/relationships">
   <c:date1904 val="0"/>
-  <c:lang val="en-US"/>
+  <c:lang val="zh-CN"/>
   <c:roundedCorners val="0"/>
   <mc:AlternateContent xmlns:mc="http://schemas.openxmlformats.org/markup-compatibility/2006">
     <mc:Choice xmlns:c14="http://schemas.microsoft.com/office/drawing/2007/8/2/chart" Requires="c14">
@@ -2811,7 +2663,11 @@
               <a:rPr lang="en-US" altLang="zh-CN" dirty="0" smtClean="0"/>
               <a:t>CKB</a:t>
             </a:r>
-            <a:endParaRPr lang="en-US" dirty="0"/>
+            <a:r>
+              <a:rPr lang="zh-CN" altLang="en-US" dirty="0" smtClean="0"/>
+              <a:t>比例</a:t>
+            </a:r>
+            <a:endParaRPr lang="zh-CN" altLang="en-US" dirty="0" smtClean="0"/>
           </a:p>
         </c:rich>
       </c:tx>
@@ -2824,26 +2680,6 @@
         </a:ln>
         <a:effectLst/>
       </c:spPr>
-      <c:txPr>
-        <a:bodyPr rot="0" spcFirstLastPara="1" vertOverflow="ellipsis" vert="horz" wrap="square" anchor="ctr" anchorCtr="1"/>
-        <a:lstStyle/>
-        <a:p>
-          <a:pPr>
-            <a:defRPr lang="en-US" sz="1400" b="0" i="0" u="none" strike="noStrike" kern="1200" spc="0" baseline="0">
-              <a:solidFill>
-                <a:schemeClr val="tx1">
-                  <a:lumMod val="65000"/>
-                  <a:lumOff val="35000"/>
-                </a:schemeClr>
-              </a:solidFill>
-              <a:latin typeface="+mn-lt"/>
-              <a:ea typeface="+mn-ea"/>
-              <a:cs typeface="+mn-cs"/>
-            </a:defRPr>
-          </a:pPr>
-          <a:endParaRPr lang="en-US"/>
-        </a:p>
-      </c:txPr>
     </c:title>
     <c:autoTitleDeleted val="0"/>
     <c:plotArea>
@@ -2876,6 +2712,9 @@
             <a:effectLst/>
           </c:spPr>
           <c:invertIfNegative val="0"/>
+          <c:dLbls>
+            <c:delete val="1"/>
+          </c:dLbls>
           <c:val>
             <c:numRef>
               <c:f>Sheet3!$N$2:$N$56</c:f>
@@ -2919,7 +2758,7 @@
                   <c:v>84.8736</c:v>
                 </c:pt>
                 <c:pt idx="12">
-                  <c:v>94.37609999999999</c:v>
+                  <c:v>94.3761</c:v>
                 </c:pt>
                 <c:pt idx="13">
                   <c:v>104.2524</c:v>
@@ -2982,22 +2821,22 @@
                   <c:v>340.022615625</c:v>
                 </c:pt>
                 <c:pt idx="33">
-                  <c:v>354.9517124999999</c:v>
+                  <c:v>354.9517125</c:v>
                 </c:pt>
                 <c:pt idx="34">
                   <c:v>370.152890625</c:v>
                 </c:pt>
                 <c:pt idx="35">
-                  <c:v>385.6261499999999</c:v>
+                  <c:v>385.62615</c:v>
                 </c:pt>
                 <c:pt idx="36">
-                  <c:v>401.3411390624999</c:v>
+                  <c:v>401.3411390625</c:v>
                 </c:pt>
                 <c:pt idx="37">
-                  <c:v>417.3265687499999</c:v>
+                  <c:v>417.32656875</c:v>
                 </c:pt>
                 <c:pt idx="38">
-                  <c:v>433.5824390624999</c:v>
+                  <c:v>433.5824390625</c:v>
                 </c:pt>
                 <c:pt idx="39">
                   <c:v>450.10875</c:v>
@@ -3009,10 +2848,10 @@
                   <c:v>483.938240625</c:v>
                 </c:pt>
                 <c:pt idx="42">
-                  <c:v>501.2574164062499</c:v>
+                  <c:v>501.25741640625</c:v>
                 </c:pt>
                 <c:pt idx="43">
-                  <c:v>518.8462124999999</c:v>
+                  <c:v>518.8462125</c:v>
                 </c:pt>
                 <c:pt idx="44">
                   <c:v>536.695400390625</c:v>
@@ -3024,19 +2863,19 @@
                   <c:v>573.201406640625</c:v>
                 </c:pt>
                 <c:pt idx="47">
-                  <c:v>591.8582250000009</c:v>
+                  <c:v>591.858225000001</c:v>
                 </c:pt>
                 <c:pt idx="48">
                   <c:v>610.779229101563</c:v>
                 </c:pt>
                 <c:pt idx="49">
-                  <c:v>629.9692382812499</c:v>
+                  <c:v>629.96923828125</c:v>
                 </c:pt>
                 <c:pt idx="50">
                   <c:v>649.428252539063</c:v>
                 </c:pt>
                 <c:pt idx="51">
-                  <c:v>669.1562718750009</c:v>
+                  <c:v>669.156271875001</c:v>
                 </c:pt>
                 <c:pt idx="52">
                   <c:v>689.150579003907</c:v>
@@ -3075,6 +2914,9 @@
             <a:effectLst/>
           </c:spPr>
           <c:invertIfNegative val="0"/>
+          <c:dLbls>
+            <c:delete val="1"/>
+          </c:dLbls>
           <c:val>
             <c:numRef>
               <c:f>Sheet3!$O$2:$O$56</c:f>
@@ -3118,7 +2960,7 @@
                   <c:v>45.9732</c:v>
                 </c:pt>
                 <c:pt idx="12">
-                  <c:v>50.81789999999999</c:v>
+                  <c:v>50.8179</c:v>
                 </c:pt>
                 <c:pt idx="13">
                   <c:v>55.8495</c:v>
@@ -3130,7 +2972,7 @@
                   <c:v>66.4734</c:v>
                 </c:pt>
                 <c:pt idx="16">
-                  <c:v>71.82944999999999</c:v>
+                  <c:v>71.82945</c:v>
                 </c:pt>
                 <c:pt idx="17">
                   <c:v>77.34615</c:v>
@@ -3142,7 +2984,7 @@
                   <c:v>88.8615</c:v>
                 </c:pt>
                 <c:pt idx="20">
-                  <c:v>94.71577499999999</c:v>
+                  <c:v>94.715775</c:v>
                 </c:pt>
                 <c:pt idx="21">
                   <c:v>100.717575</c:v>
@@ -3178,7 +3020,7 @@
                   <c:v>167.7666375</c:v>
                 </c:pt>
                 <c:pt idx="32">
-                  <c:v>175.1631656249999</c:v>
+                  <c:v>175.163165625</c:v>
                 </c:pt>
                 <c:pt idx="33">
                   <c:v>182.695734375</c:v>
@@ -3232,13 +3074,13 @@
                   <c:v>321.284311523438</c:v>
                 </c:pt>
                 <c:pt idx="50">
-                  <c:v>331.0810699218749</c:v>
+                  <c:v>331.081069921875</c:v>
                 </c:pt>
                 <c:pt idx="51">
                   <c:v>341.012330859375</c:v>
                 </c:pt>
                 <c:pt idx="52">
-                  <c:v>351.0767100585938</c:v>
+                  <c:v>351.076710058594</c:v>
                 </c:pt>
                 <c:pt idx="53">
                   <c:v>361.275540527344</c:v>
@@ -3276,6 +3118,9 @@
             <a:effectLst/>
           </c:spPr>
           <c:invertIfNegative val="0"/>
+          <c:dLbls>
+            <c:delete val="1"/>
+          </c:dLbls>
           <c:val>
             <c:numRef>
               <c:f>Sheet3!$P$2:$P$56</c:f>
@@ -3283,7 +3128,7 @@
                 <c:formatCode>General</c:formatCode>
                 <c:ptCount val="55"/>
                 <c:pt idx="0">
-                  <c:v>301.2911999999999</c:v>
+                  <c:v>301.2912</c:v>
                 </c:pt>
                 <c:pt idx="1">
                   <c:v>350.1792</c:v>
@@ -3301,7 +3146,7 @@
                   <c:v>491.0892</c:v>
                 </c:pt>
                 <c:pt idx="6">
-                  <c:v>513.6011999999999</c:v>
+                  <c:v>513.6012</c:v>
                 </c:pt>
                 <c:pt idx="7">
                   <c:v>535.08</c:v>
@@ -3316,7 +3161,7 @@
                   <c:v>567.1722</c:v>
                 </c:pt>
                 <c:pt idx="11">
-                  <c:v>576.4331999999999</c:v>
+                  <c:v>576.4332</c:v>
                 </c:pt>
                 <c:pt idx="12">
                   <c:v>580.776</c:v>
@@ -3328,7 +3173,7 @@
                   <c:v>587.7795</c:v>
                 </c:pt>
                 <c:pt idx="15">
-                  <c:v>590.4401999999999</c:v>
+                  <c:v>590.4402</c:v>
                 </c:pt>
                 <c:pt idx="16">
                   <c:v>590.5977</c:v>
@@ -3337,7 +3182,7 @@
                   <c:v>590.27325</c:v>
                 </c:pt>
                 <c:pt idx="18">
-                  <c:v>589.4668499999999</c:v>
+                  <c:v>589.46685</c:v>
                 </c:pt>
                 <c:pt idx="19">
                   <c:v>588.1785</c:v>
@@ -3346,10 +3191,10 @@
                   <c:v>585.5157</c:v>
                 </c:pt>
                 <c:pt idx="21">
-                  <c:v>582.4103249999999</c:v>
+                  <c:v>582.410325</c:v>
                 </c:pt>
                 <c:pt idx="22">
-                  <c:v>578.8623749999999</c:v>
+                  <c:v>578.862375</c:v>
                 </c:pt>
                 <c:pt idx="23">
                   <c:v>574.87185</c:v>
@@ -3364,7 +3209,7 @@
                   <c:v>559.0832625</c:v>
                 </c:pt>
                 <c:pt idx="27">
-                  <c:v>552.9746249999999</c:v>
+                  <c:v>552.974625</c:v>
                 </c:pt>
                 <c:pt idx="28">
                   <c:v>546.25935</c:v>
@@ -3391,7 +3236,7 @@
                   <c:v>487.38860625</c:v>
                 </c:pt>
                 <c:pt idx="36">
-                  <c:v>477.2705437499999</c:v>
+                  <c:v>477.27054375</c:v>
                 </c:pt>
                 <c:pt idx="37">
                   <c:v>466.7468203125</c:v>
@@ -3403,16 +3248,16 @@
                   <c:v>444.482390625</c:v>
                 </c:pt>
                 <c:pt idx="40">
-                  <c:v>432.7260984374999</c:v>
+                  <c:v>432.7260984375</c:v>
                 </c:pt>
                 <c:pt idx="41">
-                  <c:v>420.5653757812499</c:v>
+                  <c:v>420.56537578125</c:v>
                 </c:pt>
                 <c:pt idx="42">
                   <c:v>408.00022265625</c:v>
                 </c:pt>
                 <c:pt idx="43">
-                  <c:v>395.0306390624999</c:v>
+                  <c:v>395.0306390625</c:v>
                 </c:pt>
                 <c:pt idx="44">
                   <c:v>381.6500625</c:v>
@@ -3427,7 +3272,7 @@
                   <c:v>339.08544140625</c:v>
                 </c:pt>
                 <c:pt idx="48">
-                  <c:v>324.0869378906249</c:v>
+                  <c:v>324.086937890625</c:v>
                 </c:pt>
                 <c:pt idx="49">
                   <c:v>308.684926757812</c:v>
@@ -3505,7 +3350,6 @@
                 <a:cs typeface="+mn-cs"/>
               </a:defRPr>
             </a:pPr>
-            <a:endParaRPr lang="en-US"/>
           </a:p>
         </c:txPr>
         <c:crossAx val="-1454293568"/>
@@ -3564,7 +3408,6 @@
                 <a:cs typeface="+mn-cs"/>
               </a:defRPr>
             </a:pPr>
-            <a:endParaRPr lang="en-US"/>
           </a:p>
         </c:txPr>
         <c:crossAx val="-1454296320"/>
@@ -3607,7 +3450,6 @@
               <a:cs typeface="+mn-cs"/>
             </a:defRPr>
           </a:pPr>
-          <a:endParaRPr lang="en-US"/>
         </a:p>
       </c:txPr>
     </c:legend>
@@ -3629,10 +3471,9 @@
       <a:pPr>
         <a:defRPr lang="en-US"/>
       </a:pPr>
-      <a:endParaRPr lang="en-US"/>
     </a:p>
   </c:txPr>
-  <c:externalData r:id="rId3">
+  <c:externalData r:id="rId1">
     <c:autoUpdate val="0"/>
   </c:externalData>
 </c:chartSpace>
@@ -3641,7 +3482,7 @@
 <file path=ppt/charts/chart9.xml><?xml version="1.0" encoding="utf-8"?>
 <c:chartSpace xmlns:c="http://schemas.openxmlformats.org/drawingml/2006/chart" xmlns:a="http://schemas.openxmlformats.org/drawingml/2006/main" xmlns:r="http://schemas.openxmlformats.org/officeDocument/2006/relationships">
   <c:date1904 val="0"/>
-  <c:lang val="en-US"/>
+  <c:lang val="zh-CN"/>
   <c:roundedCorners val="0"/>
   <mc:AlternateContent xmlns:mc="http://schemas.openxmlformats.org/markup-compatibility/2006">
     <mc:Choice xmlns:c14="http://schemas.microsoft.com/office/drawing/2007/8/2/chart" Requires="c14">
@@ -3695,26 +3536,6 @@
         </a:ln>
         <a:effectLst/>
       </c:spPr>
-      <c:txPr>
-        <a:bodyPr rot="0" spcFirstLastPara="1" vertOverflow="ellipsis" vert="horz" wrap="square" anchor="ctr" anchorCtr="1"/>
-        <a:lstStyle/>
-        <a:p>
-          <a:pPr>
-            <a:defRPr lang="en-US" sz="1400" b="0" i="0" u="none" strike="noStrike" kern="1200" spc="0" baseline="0">
-              <a:solidFill>
-                <a:schemeClr val="tx1">
-                  <a:lumMod val="65000"/>
-                  <a:lumOff val="35000"/>
-                </a:schemeClr>
-              </a:solidFill>
-              <a:latin typeface="+mn-lt"/>
-              <a:ea typeface="+mn-ea"/>
-              <a:cs typeface="+mn-cs"/>
-            </a:defRPr>
-          </a:pPr>
-          <a:endParaRPr lang="en-US"/>
-        </a:p>
-      </c:txPr>
     </c:title>
     <c:autoTitleDeleted val="0"/>
     <c:plotArea>
@@ -3757,6 +3578,9 @@
             <a:effectLst/>
           </c:spPr>
           <c:invertIfNegative val="0"/>
+          <c:dLbls>
+            <c:delete val="1"/>
+          </c:dLbls>
           <c:val>
             <c:numRef>
               <c:f>Sheet3!$Q$2:$Q$56</c:f>
@@ -3827,7 +3651,7 @@
                   <c:v>2.8224</c:v>
                 </c:pt>
                 <c:pt idx="21">
-                  <c:v>2.956799999999999</c:v>
+                  <c:v>2.9568</c:v>
                 </c:pt>
                 <c:pt idx="22">
                   <c:v>3.0912</c:v>
@@ -3854,7 +3678,7 @@
                   <c:v>4.032</c:v>
                 </c:pt>
                 <c:pt idx="30">
-                  <c:v>4.166399999999999</c:v>
+                  <c:v>4.1664</c:v>
                 </c:pt>
                 <c:pt idx="31">
                   <c:v>4.3008</c:v>
@@ -3887,7 +3711,7 @@
                   <c:v>5.5104</c:v>
                 </c:pt>
                 <c:pt idx="41">
-                  <c:v>5.644799999999999</c:v>
+                  <c:v>5.6448</c:v>
                 </c:pt>
                 <c:pt idx="42">
                   <c:v>5.7792</c:v>
@@ -3899,7 +3723,7 @@
                   <c:v>6.048</c:v>
                 </c:pt>
                 <c:pt idx="45">
-                  <c:v>6.182399999999999</c:v>
+                  <c:v>6.1824</c:v>
                 </c:pt>
                 <c:pt idx="46">
                   <c:v>6.3168</c:v>
@@ -3914,7 +3738,7 @@
                   <c:v>6.72</c:v>
                 </c:pt>
                 <c:pt idx="50">
-                  <c:v>6.854399999999999</c:v>
+                  <c:v>6.8544</c:v>
                 </c:pt>
                 <c:pt idx="51">
                   <c:v>6.9888</c:v>
@@ -3926,7 +3750,7 @@
                   <c:v>7.2576</c:v>
                 </c:pt>
                 <c:pt idx="54">
-                  <c:v>7.391999999999999</c:v>
+                  <c:v>7.392</c:v>
                 </c:pt>
               </c:numCache>
             </c:numRef>
@@ -3956,6 +3780,9 @@
             <a:effectLst/>
           </c:spPr>
           <c:invertIfNegative val="0"/>
+          <c:dLbls>
+            <c:delete val="1"/>
+          </c:dLbls>
           <c:val>
             <c:numRef>
               <c:f>Sheet3!$R$2:$R$56</c:f>
@@ -4062,7 +3889,7 @@
                   <c:v>2.2848</c:v>
                 </c:pt>
                 <c:pt idx="33">
-                  <c:v>2.351999999999999</c:v>
+                  <c:v>2.352</c:v>
                 </c:pt>
                 <c:pt idx="34">
                   <c:v>2.4192</c:v>
@@ -4089,7 +3916,7 @@
                   <c:v>2.8896</c:v>
                 </c:pt>
                 <c:pt idx="42">
-                  <c:v>2.956799999999999</c:v>
+                  <c:v>2.9568</c:v>
                 </c:pt>
                 <c:pt idx="43">
                   <c:v>3.024</c:v>
@@ -4157,6 +3984,9 @@
             <a:effectLst/>
           </c:spPr>
           <c:invertIfNegative val="0"/>
+          <c:dLbls>
+            <c:delete val="1"/>
+          </c:dLbls>
           <c:val>
             <c:numRef>
               <c:f>Sheet3!$S$2:$S$56</c:f>
@@ -4215,7 +4045,7 @@
                   <c:v>9.9456</c:v>
                 </c:pt>
                 <c:pt idx="17">
-                  <c:v>9.743999999999997</c:v>
+                  <c:v>9.744</c:v>
                 </c:pt>
                 <c:pt idx="18">
                   <c:v>9.5424</c:v>
@@ -4224,13 +4054,13 @@
                   <c:v>9.3408</c:v>
                 </c:pt>
                 <c:pt idx="20">
-                  <c:v>9.139199999999998</c:v>
+                  <c:v>9.1392</c:v>
                 </c:pt>
                 <c:pt idx="21">
                   <c:v>8.9376</c:v>
                 </c:pt>
                 <c:pt idx="22">
-                  <c:v>8.735999999999998</c:v>
+                  <c:v>8.736</c:v>
                 </c:pt>
                 <c:pt idx="23">
                   <c:v>8.5344</c:v>
@@ -4239,7 +4069,7 @@
                   <c:v>8.3328</c:v>
                 </c:pt>
                 <c:pt idx="25">
-                  <c:v>8.131199999999997</c:v>
+                  <c:v>8.1312</c:v>
                 </c:pt>
                 <c:pt idx="26">
                   <c:v>7.9296</c:v>
@@ -4251,7 +4081,7 @@
                   <c:v>7.5264</c:v>
                 </c:pt>
                 <c:pt idx="29">
-                  <c:v>7.324799999999999</c:v>
+                  <c:v>7.3248</c:v>
                 </c:pt>
                 <c:pt idx="30">
                   <c:v>7.1232</c:v>
@@ -4385,7 +4215,6 @@
                 <a:cs typeface="+mn-cs"/>
               </a:defRPr>
             </a:pPr>
-            <a:endParaRPr lang="en-US"/>
           </a:p>
         </c:txPr>
         <c:crossAx val="-1454262928"/>
@@ -4444,7 +4273,6 @@
                 <a:cs typeface="+mn-cs"/>
               </a:defRPr>
             </a:pPr>
-            <a:endParaRPr lang="en-US"/>
           </a:p>
         </c:txPr>
         <c:crossAx val="-1454265680"/>
@@ -4487,7 +4315,6 @@
               <a:cs typeface="+mn-cs"/>
             </a:defRPr>
           </a:pPr>
-          <a:endParaRPr lang="en-US"/>
         </a:p>
       </c:txPr>
     </c:legend>
@@ -4509,10 +4336,9 @@
       <a:pPr>
         <a:defRPr lang="en-US"/>
       </a:pPr>
-      <a:endParaRPr lang="en-US"/>
     </a:p>
   </c:txPr>
-  <c:externalData r:id="rId3">
+  <c:externalData r:id="rId1">
     <c:autoUpdate val="0"/>
   </c:externalData>
 </c:chartSpace>
@@ -9589,7 +9415,6 @@
           <a:p>
             <a:fld id="{3EFD42F7-718C-4B98-AAEC-167E6DDD60A7}" type="datetimeFigureOut">
               <a:rPr lang="en-US" smtClean="0"/>
-              <a:t>1/4/20</a:t>
             </a:fld>
             <a:endParaRPr lang="en-US"/>
           </a:p>
@@ -9656,6 +9481,7 @@
               <a:rPr lang="en-US" smtClean="0"/>
               <a:t>Click to edit Master text styles</a:t>
             </a:r>
+            <a:endParaRPr lang="en-US" smtClean="0"/>
           </a:p>
           <a:p>
             <a:pPr lvl="1"/>
@@ -9663,6 +9489,7 @@
               <a:rPr lang="en-US" smtClean="0"/>
               <a:t>Second level</a:t>
             </a:r>
+            <a:endParaRPr lang="en-US" smtClean="0"/>
           </a:p>
           <a:p>
             <a:pPr lvl="2"/>
@@ -9670,6 +9497,7 @@
               <a:rPr lang="en-US" smtClean="0"/>
               <a:t>Third level</a:t>
             </a:r>
+            <a:endParaRPr lang="en-US" smtClean="0"/>
           </a:p>
           <a:p>
             <a:pPr lvl="3"/>
@@ -9677,6 +9505,7 @@
               <a:rPr lang="en-US" smtClean="0"/>
               <a:t>Fourth level</a:t>
             </a:r>
+            <a:endParaRPr lang="en-US" smtClean="0"/>
           </a:p>
           <a:p>
             <a:pPr lvl="4"/>
@@ -9748,7 +9577,6 @@
           <a:p>
             <a:fld id="{21B2AA4F-B828-4D7C-AFD3-893933DAFCB4}" type="slidenum">
               <a:rPr lang="en-US" smtClean="0"/>
-              <a:t>‹#›</a:t>
             </a:fld>
             <a:endParaRPr lang="en-US"/>
           </a:p>
@@ -9961,7 +9789,6 @@
               <a:rPr lang="en-US" altLang="zh-CN" dirty="0">
                 <a:ea typeface="SimSun" pitchFamily="2" charset="-122"/>
               </a:rPr>
-              <a:t>1</a:t>
             </a:fld>
             <a:endParaRPr lang="en-US" altLang="zh-CN" dirty="0">
               <a:ea typeface="SimSun" pitchFamily="2" charset="-122"/>
@@ -10039,25 +9866,64 @@
           <a:bodyPr wrap="square" lIns="91440" tIns="45720" rIns="91440" bIns="45720" anchor="t"/>
           <a:lstStyle/>
           <a:p>
-            <a:pPr marL="0" marR="0" lvl="0" indent="0" algn="l" defTabSz="914400" rtl="0" eaLnBrk="1" fontAlgn="auto" latinLnBrk="0" hangingPunct="1">
-              <a:lnSpc>
-                <a:spcPct val="100000"/>
-              </a:lnSpc>
-              <a:spcBef>
-                <a:spcPct val="0"/>
-              </a:spcBef>
-              <a:spcAft>
-                <a:spcPts val="0"/>
-              </a:spcAft>
-              <a:buClrTx/>
-              <a:buSzTx/>
-              <a:buFontTx/>
-              <a:buNone/>
-              <a:defRPr/>
-            </a:pPr>
-            <a:endParaRPr lang="en-US" altLang="zh-CN" dirty="0">
-              <a:ea typeface="SimSun" pitchFamily="2" charset="-122"/>
-            </a:endParaRPr>
+            <a:r>
+              <a:rPr lang="zh-CN" altLang="en-US" dirty="0" smtClean="0"/>
+              <a:t>由于原生代币代表了占用全局状态的权利，所以代币发行政策会限制状态的增长。由于状态存储受限制并且成为了稀缺资源，就好比比特币的带宽和以太坊的计算吞吐量，它们可以在市场上被定价和交易。状态租金在状态占用的费用结构上，增加了必要的时间维度。我们采用两个步骤作为「目标通胀」框架来收取这笔租金，而不是强制定期收取租金：</a:t>
+            </a:r>
+            <a:endParaRPr lang="en-US" altLang="zh-CN" dirty="0" smtClean="0"/>
+          </a:p>
+          <a:p>
+            <a:endParaRPr lang="zh-CN" altLang="en-US" dirty="0" smtClean="0"/>
+          </a:p>
+          <a:p>
+            <a:r>
+              <a:rPr lang="zh-CN" altLang="en-US" dirty="0" smtClean="0"/>
+              <a:t>在「基础发行」的基础上，我们添加了「二级发行」，可以将其视为对所有代币持有者的「通胀税」。对于使用</a:t>
+            </a:r>
+            <a:r>
+              <a:rPr lang="en-US" altLang="zh-CN" dirty="0" smtClean="0"/>
+              <a:t>CK Byte </a:t>
+            </a:r>
+            <a:r>
+              <a:rPr lang="zh-CN" altLang="en-US" dirty="0" smtClean="0"/>
+              <a:t>存储状态的用户，这种定期的通胀税是他们向矿工支付状态租金的方式。</a:t>
+            </a:r>
+            <a:endParaRPr lang="zh-CN" altLang="en-US" dirty="0" smtClean="0"/>
+          </a:p>
+          <a:p>
+            <a:r>
+              <a:rPr lang="zh-CN" altLang="en-US" dirty="0" smtClean="0"/>
+              <a:t>然而，由于我们对于那些没有使用 </a:t>
+            </a:r>
+            <a:r>
+              <a:rPr lang="en-US" altLang="zh-CN" dirty="0" smtClean="0"/>
+              <a:t>CK Byte </a:t>
+            </a:r>
+            <a:r>
+              <a:rPr lang="zh-CN" altLang="en-US" dirty="0" smtClean="0"/>
+              <a:t>存储状态的所有者也收取了租金，所以我们需要将租金归还。我们允许这些用户将他们的原生代币存入并锁定到一个特殊合约中，我们称它为 </a:t>
+            </a:r>
+            <a:r>
+              <a:rPr lang="en-US" altLang="zh-CN" dirty="0" err="1" smtClean="0"/>
+              <a:t>NervosDAO</a:t>
+            </a:r>
+            <a:r>
+              <a:rPr lang="zh-CN" altLang="en-US" dirty="0" smtClean="0"/>
+              <a:t>。 </a:t>
+            </a:r>
+            <a:r>
+              <a:rPr lang="en-US" altLang="zh-CN" dirty="0" err="1" smtClean="0"/>
+              <a:t>NervosDAO</a:t>
+            </a:r>
+            <a:r>
+              <a:rPr lang="en-US" altLang="zh-CN" dirty="0" smtClean="0"/>
+              <a:t> </a:t>
+            </a:r>
+            <a:r>
+              <a:rPr lang="zh-CN" altLang="en-US" dirty="0" smtClean="0"/>
+              <a:t>将接受部分「二级发行」的补偿，以弥补因为不公平造成的稀释。</a:t>
+            </a:r>
+            <a:endParaRPr lang="zh-CN" altLang="en-US" dirty="0"/>
           </a:p>
         </p:txBody>
       </p:sp>
@@ -10097,7 +9963,6 @@
               <a:rPr lang="en-US" altLang="zh-CN" dirty="0">
                 <a:ea typeface="SimSun" pitchFamily="2" charset="-122"/>
               </a:rPr>
-              <a:t>10</a:t>
             </a:fld>
             <a:endParaRPr lang="en-US" altLang="zh-CN" dirty="0">
               <a:ea typeface="SimSun" pitchFamily="2" charset="-122"/>
@@ -10175,23 +10040,25 @@
           <a:bodyPr wrap="square" lIns="91440" tIns="45720" rIns="91440" bIns="45720" anchor="t"/>
           <a:lstStyle/>
           <a:p>
-            <a:r>
-              <a:rPr lang="zh-CN" altLang="en-US" dirty="0" smtClean="0"/>
-              <a:t>必须限制全局状态的增长，以便为参与全节点提供可预测性。理想情况下，成本能控制在非专业参与者可以负担的范围内，以保持网络最大程度的去中心化与抗审查。</a:t>
-            </a:r>
-          </a:p>
-          <a:p>
-            <a:r>
-              <a:rPr lang="zh-CN" altLang="en-US" dirty="0" smtClean="0"/>
-              <a:t>随着全局状态的有限增长，价格的上升与降低将由市场决定。特别是当状态存储空间快满的时后，需要将状态存储的成本提高，而当它大部分为空时，需要降低成本，这是非常吸引人的。</a:t>
-            </a:r>
-          </a:p>
-          <a:p>
-            <a:r>
-              <a:rPr lang="zh-CN" altLang="en-US" dirty="0" smtClean="0"/>
-              <a:t>系统需要能够不断收取其状态用户的租金，以支付矿工提供这种资源。这有助于平衡矿工的经济收入，同时激励用户尽早清除不必要的状态。</a:t>
-            </a:r>
-            <a:endParaRPr lang="zh-CN" altLang="en-US" dirty="0"/>
+            <a:pPr marL="0" marR="0" lvl="0" indent="0" algn="l" defTabSz="914400" rtl="0" eaLnBrk="1" fontAlgn="auto" latinLnBrk="0" hangingPunct="1">
+              <a:lnSpc>
+                <a:spcPct val="100000"/>
+              </a:lnSpc>
+              <a:spcBef>
+                <a:spcPct val="0"/>
+              </a:spcBef>
+              <a:spcAft>
+                <a:spcPts val="0"/>
+              </a:spcAft>
+              <a:buClrTx/>
+              <a:buSzTx/>
+              <a:buFontTx/>
+              <a:buNone/>
+              <a:defRPr/>
+            </a:pPr>
+            <a:endParaRPr lang="en-US" altLang="zh-CN" dirty="0">
+              <a:ea typeface="SimSun" pitchFamily="2" charset="-122"/>
+            </a:endParaRPr>
           </a:p>
         </p:txBody>
       </p:sp>
@@ -10231,7 +10098,6 @@
               <a:rPr lang="en-US" altLang="zh-CN" dirty="0">
                 <a:ea typeface="SimSun" pitchFamily="2" charset="-122"/>
               </a:rPr>
-              <a:t>11</a:t>
             </a:fld>
             <a:endParaRPr lang="en-US" altLang="zh-CN" dirty="0">
               <a:ea typeface="SimSun" pitchFamily="2" charset="-122"/>
@@ -10311,43 +10177,21 @@
           <a:p>
             <a:r>
               <a:rPr lang="zh-CN" altLang="en-US" dirty="0" smtClean="0"/>
-              <a:t>支持</a:t>
-            </a:r>
-            <a:r>
-              <a:rPr lang="en-US" altLang="zh-CN" dirty="0" err="1" smtClean="0"/>
-              <a:t>ckb</a:t>
-            </a:r>
+              <a:t>必须限制全局状态的增长，以便为参与全节点提供可预测性。理想情况下，成本能控制在非专业参与者可以负担的范围内，以保持网络最大程度的去中心化与抗审查。</a:t>
+            </a:r>
+            <a:endParaRPr lang="zh-CN" altLang="en-US" dirty="0" smtClean="0"/>
+          </a:p>
+          <a:p>
             <a:r>
               <a:rPr lang="zh-CN" altLang="en-US" dirty="0" smtClean="0"/>
-              <a:t>的交易所： </a:t>
-            </a:r>
-            <a:r>
-              <a:rPr lang="en-US" altLang="zh-CN" dirty="0" smtClean="0"/>
-              <a:t>https://</a:t>
-            </a:r>
-            <a:r>
-              <a:rPr lang="en-US" altLang="zh-CN" dirty="0" err="1" smtClean="0"/>
-              <a:t>www.feixiaohao.com</a:t>
-            </a:r>
-            <a:r>
-              <a:rPr lang="en-US" altLang="zh-CN" dirty="0" smtClean="0"/>
-              <a:t>/</a:t>
-            </a:r>
-            <a:r>
-              <a:rPr lang="en-US" altLang="zh-CN" dirty="0" err="1" smtClean="0"/>
-              <a:t>coinmarket</a:t>
-            </a:r>
-            <a:r>
-              <a:rPr lang="en-US" altLang="zh-CN" dirty="0" smtClean="0"/>
-              <a:t>/</a:t>
-            </a:r>
-            <a:r>
-              <a:rPr lang="en-US" altLang="zh-CN" dirty="0" err="1" smtClean="0"/>
-              <a:t>nervosckb</a:t>
-            </a:r>
-            <a:r>
-              <a:rPr lang="en-US" altLang="zh-CN" dirty="0" smtClean="0"/>
-              <a:t>/</a:t>
+              <a:t>随着全局状态的有限增长，价格的上升与降低将由市场决定。特别是当状态存储空间快满的时后，需要将状态存储的成本提高，而当它大部分为空时，需要降低成本，这是非常吸引人的。</a:t>
+            </a:r>
+            <a:endParaRPr lang="zh-CN" altLang="en-US" dirty="0" smtClean="0"/>
+          </a:p>
+          <a:p>
+            <a:r>
+              <a:rPr lang="zh-CN" altLang="en-US" dirty="0" smtClean="0"/>
+              <a:t>系统需要能够不断收取其状态用户的租金，以支付矿工提供这种资源。这有助于平衡矿工的经济收入，同时激励用户尽早清除不必要的状态。</a:t>
             </a:r>
             <a:endParaRPr lang="zh-CN" altLang="en-US" dirty="0"/>
           </a:p>
@@ -10389,7 +10233,6 @@
               <a:rPr lang="en-US" altLang="zh-CN" dirty="0">
                 <a:ea typeface="SimSun" pitchFamily="2" charset="-122"/>
               </a:rPr>
-              <a:t>12</a:t>
             </a:fld>
             <a:endParaRPr lang="en-US" altLang="zh-CN" dirty="0">
               <a:ea typeface="SimSun" pitchFamily="2" charset="-122"/>
@@ -10467,14 +10310,47 @@
           <a:bodyPr wrap="square" lIns="91440" tIns="45720" rIns="91440" bIns="45720" anchor="t"/>
           <a:lstStyle/>
           <a:p>
-            <a:pPr lvl="0" eaLnBrk="1" hangingPunct="1">
-              <a:spcBef>
-                <a:spcPct val="0"/>
-              </a:spcBef>
-            </a:pPr>
-            <a:endParaRPr lang="en-US" altLang="zh-CN" dirty="0">
-              <a:ea typeface="SimSun" pitchFamily="2" charset="-122"/>
-            </a:endParaRPr>
+            <a:r>
+              <a:rPr lang="zh-CN" altLang="en-US" dirty="0" smtClean="0"/>
+              <a:t>支持</a:t>
+            </a:r>
+            <a:r>
+              <a:rPr lang="en-US" altLang="zh-CN" dirty="0" err="1" smtClean="0"/>
+              <a:t>ckb</a:t>
+            </a:r>
+            <a:r>
+              <a:rPr lang="zh-CN" altLang="en-US" dirty="0" smtClean="0"/>
+              <a:t>的交易所： </a:t>
+            </a:r>
+            <a:r>
+              <a:rPr lang="en-US" altLang="zh-CN" dirty="0" smtClean="0"/>
+              <a:t>https://</a:t>
+            </a:r>
+            <a:r>
+              <a:rPr lang="en-US" altLang="zh-CN" dirty="0" err="1" smtClean="0"/>
+              <a:t>www.feixiaohao.com</a:t>
+            </a:r>
+            <a:r>
+              <a:rPr lang="en-US" altLang="zh-CN" dirty="0" smtClean="0"/>
+              <a:t>/</a:t>
+            </a:r>
+            <a:r>
+              <a:rPr lang="en-US" altLang="zh-CN" dirty="0" err="1" smtClean="0"/>
+              <a:t>coinmarket</a:t>
+            </a:r>
+            <a:r>
+              <a:rPr lang="en-US" altLang="zh-CN" dirty="0" smtClean="0"/>
+              <a:t>/</a:t>
+            </a:r>
+            <a:r>
+              <a:rPr lang="en-US" altLang="zh-CN" dirty="0" err="1" smtClean="0"/>
+              <a:t>nervosckb</a:t>
+            </a:r>
+            <a:r>
+              <a:rPr lang="en-US" altLang="zh-CN" dirty="0" smtClean="0"/>
+              <a:t>/</a:t>
+            </a:r>
+            <a:endParaRPr lang="zh-CN" altLang="en-US" dirty="0"/>
           </a:p>
         </p:txBody>
       </p:sp>
@@ -10514,7 +10390,130 @@
               <a:rPr lang="en-US" altLang="zh-CN" dirty="0">
                 <a:ea typeface="SimSun" pitchFamily="2" charset="-122"/>
               </a:rPr>
-              <a:t>13</a:t>
+            </a:fld>
+            <a:endParaRPr lang="en-US" altLang="zh-CN" dirty="0">
+              <a:ea typeface="SimSun" pitchFamily="2" charset="-122"/>
+            </a:endParaRPr>
+          </a:p>
+        </p:txBody>
+      </p:sp>
+    </p:spTree>
+  </p:cSld>
+  <p:clrMapOvr>
+    <a:masterClrMapping/>
+  </p:clrMapOvr>
+</p:notes>
+</file>
+
+<file path=ppt/notesSlides/notesSlide14.xml><?xml version="1.0" encoding="utf-8"?>
+<p:notes xmlns:a="http://schemas.openxmlformats.org/drawingml/2006/main" xmlns:r="http://schemas.openxmlformats.org/officeDocument/2006/relationships" xmlns:p="http://schemas.openxmlformats.org/presentationml/2006/main">
+  <p:cSld>
+    <p:spTree>
+      <p:nvGrpSpPr>
+        <p:cNvPr id="1" name=""/>
+        <p:cNvGrpSpPr/>
+        <p:nvPr/>
+      </p:nvGrpSpPr>
+      <p:grpSpPr>
+        <a:xfrm>
+          <a:off x="0" y="0"/>
+          <a:ext cx="0" cy="0"/>
+          <a:chOff x="0" y="0"/>
+          <a:chExt cx="0" cy="0"/>
+        </a:xfrm>
+      </p:grpSpPr>
+      <p:sp>
+        <p:nvSpPr>
+          <p:cNvPr id="86018" name="Slide Image Placeholder 1"/>
+          <p:cNvSpPr>
+            <a:spLocks noGrp="1" noRot="1" noChangeAspect="1" noTextEdit="1"/>
+          </p:cNvSpPr>
+          <p:nvPr>
+            <p:ph type="sldImg"/>
+          </p:nvPr>
+        </p:nvSpPr>
+        <p:spPr>
+          <a:xfrm>
+            <a:off x="481013" y="1279525"/>
+            <a:ext cx="6140450" cy="3454400"/>
+          </a:xfrm>
+          <a:ln>
+            <a:solidFill>
+              <a:srgbClr val="000000">
+                <a:alpha val="100000"/>
+              </a:srgbClr>
+            </a:solidFill>
+            <a:miter lim="800000"/>
+          </a:ln>
+        </p:spPr>
+      </p:sp>
+      <p:sp>
+        <p:nvSpPr>
+          <p:cNvPr id="86019" name="Notes Placeholder 2"/>
+          <p:cNvSpPr>
+            <a:spLocks noGrp="1"/>
+          </p:cNvSpPr>
+          <p:nvPr>
+            <p:ph type="body" idx="1"/>
+          </p:nvPr>
+        </p:nvSpPr>
+        <p:spPr>
+          <a:noFill/>
+          <a:ln>
+            <a:noFill/>
+          </a:ln>
+        </p:spPr>
+        <p:txBody>
+          <a:bodyPr wrap="square" lIns="91440" tIns="45720" rIns="91440" bIns="45720" anchor="t"/>
+          <a:lstStyle/>
+          <a:p>
+            <a:pPr lvl="0" eaLnBrk="1" hangingPunct="1">
+              <a:spcBef>
+                <a:spcPct val="0"/>
+              </a:spcBef>
+            </a:pPr>
+            <a:endParaRPr lang="en-US" altLang="zh-CN" dirty="0">
+              <a:ea typeface="SimSun" pitchFamily="2" charset="-122"/>
+            </a:endParaRPr>
+          </a:p>
+        </p:txBody>
+      </p:sp>
+      <p:sp>
+        <p:nvSpPr>
+          <p:cNvPr id="86020" name="Slide Number Placeholder 3"/>
+          <p:cNvSpPr txBox="1">
+            <a:spLocks noGrp="1"/>
+          </p:cNvSpPr>
+          <p:nvPr>
+            <p:ph type="sldNum" sz="quarter"/>
+          </p:nvPr>
+        </p:nvSpPr>
+        <p:spPr>
+          <a:xfrm>
+            <a:off x="3884613" y="8685213"/>
+            <a:ext cx="2971800" cy="457200"/>
+          </a:xfrm>
+          <a:prstGeom prst="rect">
+            <a:avLst/>
+          </a:prstGeom>
+          <a:noFill/>
+          <a:ln w="9525">
+            <a:noFill/>
+          </a:ln>
+        </p:spPr>
+        <p:txBody>
+          <a:bodyPr anchor="b"/>
+          <a:lstStyle/>
+          <a:p>
+            <a:pPr lvl="0" algn="r" eaLnBrk="1" hangingPunct="1">
+              <a:spcBef>
+                <a:spcPct val="0"/>
+              </a:spcBef>
+            </a:pPr>
+            <a:fld id="{9A0DB2DC-4C9A-4742-B13C-FB6460FD3503}" type="slidenum">
+              <a:rPr lang="en-US" altLang="zh-CN" dirty="0">
+                <a:ea typeface="SimSun" pitchFamily="2" charset="-122"/>
+              </a:rPr>
             </a:fld>
             <a:endParaRPr lang="en-US" altLang="zh-CN" dirty="0">
               <a:ea typeface="SimSun" pitchFamily="2" charset="-122"/>
@@ -10639,7 +10638,6 @@
               <a:rPr lang="en-US" altLang="zh-CN" dirty="0">
                 <a:ea typeface="SimSun" pitchFamily="2" charset="-122"/>
               </a:rPr>
-              <a:t>2</a:t>
             </a:fld>
             <a:endParaRPr lang="en-US" altLang="zh-CN" dirty="0">
               <a:ea typeface="SimSun" pitchFamily="2" charset="-122"/>
@@ -10801,7 +10799,6 @@
               <a:rPr lang="en-US" altLang="zh-CN" dirty="0">
                 <a:ea typeface="SimSun" pitchFamily="2" charset="-122"/>
               </a:rPr>
-              <a:t>3</a:t>
             </a:fld>
             <a:endParaRPr lang="en-US" altLang="zh-CN" dirty="0">
               <a:ea typeface="SimSun" pitchFamily="2" charset="-122"/>
@@ -10927,6 +10924,7 @@
               <a:rPr lang="zh-CN" altLang="en-US" dirty="0" smtClean="0"/>
               <a:t>不会进入流通，而是直接销毁。</a:t>
             </a:r>
+            <a:endParaRPr lang="zh-CN" altLang="en-US" dirty="0" smtClean="0"/>
           </a:p>
           <a:p>
             <a:r>
@@ -11081,6 +11079,7 @@
               <a:rPr lang="zh-CN" altLang="en-US" dirty="0" smtClean="0"/>
               <a:t>日全部释放完毕。</a:t>
             </a:r>
+            <a:endParaRPr lang="zh-CN" altLang="en-US" dirty="0" smtClean="0"/>
           </a:p>
           <a:p>
             <a:r>
@@ -11119,6 +11118,7 @@
               <a:rPr lang="zh-CN" altLang="en-US" dirty="0" smtClean="0"/>
               <a:t>主网上线后即释放，不锁仓。</a:t>
             </a:r>
+            <a:endParaRPr lang="zh-CN" altLang="en-US" dirty="0" smtClean="0"/>
           </a:p>
           <a:p>
             <a:r>
@@ -11213,6 +11213,7 @@
               <a:rPr lang="zh-CN" altLang="en-US" dirty="0" smtClean="0"/>
               <a:t>年年底全部解锁完毕。</a:t>
             </a:r>
+            <a:endParaRPr lang="zh-CN" altLang="en-US" dirty="0" smtClean="0"/>
           </a:p>
           <a:p>
             <a:r>
@@ -11339,6 +11340,7 @@
               <a:rPr lang="zh-CN" altLang="en-US" dirty="0" smtClean="0"/>
               <a:t>日全部解锁完毕。</a:t>
             </a:r>
+            <a:endParaRPr lang="zh-CN" altLang="en-US" dirty="0" smtClean="0"/>
           </a:p>
           <a:p>
             <a:r>
@@ -11449,6 +11451,7 @@
               <a:rPr lang="zh-CN" altLang="en-US" dirty="0" smtClean="0"/>
               <a:t>日全部解锁完毕。</a:t>
             </a:r>
+            <a:endParaRPr lang="zh-CN" altLang="en-US" dirty="0" smtClean="0"/>
           </a:p>
           <a:p>
             <a:r>
@@ -11507,6 +11510,7 @@
               <a:rPr lang="zh-CN" altLang="en-US" dirty="0" smtClean="0"/>
               <a:t>，与第一轮差距不大。</a:t>
             </a:r>
+            <a:endParaRPr lang="zh-CN" altLang="en-US" dirty="0" smtClean="0"/>
           </a:p>
           <a:p>
             <a:r>
@@ -11577,7 +11581,6 @@
               <a:rPr lang="en-US" altLang="zh-CN" dirty="0">
                 <a:ea typeface="SimSun" pitchFamily="2" charset="-122"/>
               </a:rPr>
-              <a:t>4</a:t>
             </a:fld>
             <a:endParaRPr lang="en-US" altLang="zh-CN" dirty="0">
               <a:ea typeface="SimSun" pitchFamily="2" charset="-122"/>
@@ -11705,7 +11708,6 @@
               <a:rPr lang="en-US" altLang="zh-CN" dirty="0">
                 <a:ea typeface="SimSun" pitchFamily="2" charset="-122"/>
               </a:rPr>
-              <a:t>5</a:t>
             </a:fld>
             <a:endParaRPr lang="en-US" altLang="zh-CN" dirty="0">
               <a:ea typeface="SimSun" pitchFamily="2" charset="-122"/>
@@ -11787,12 +11789,14 @@
               <a:rPr lang="zh-CN" altLang="en-US" dirty="0" smtClean="0"/>
               <a:t>全局状态的增长不受任何限制，并且可以无限增长，因此全节点的参与成本并不确定</a:t>
             </a:r>
+            <a:endParaRPr lang="zh-CN" altLang="en-US" dirty="0" smtClean="0"/>
           </a:p>
           <a:p>
             <a:r>
               <a:rPr lang="zh-CN" altLang="en-US" dirty="0" smtClean="0"/>
               <a:t>该系统为扩大状态存储提高了一次性收费，但矿工和全节点必须承担长期存储费用</a:t>
             </a:r>
+            <a:endParaRPr lang="zh-CN" altLang="en-US" dirty="0" smtClean="0"/>
           </a:p>
           <a:p>
             <a:r>
@@ -11815,12 +11819,14 @@
               <a:rPr lang="zh-CN" altLang="en-US" dirty="0" smtClean="0"/>
               <a:t>用于计算一个单位的计算费用）</a:t>
             </a:r>
+            <a:endParaRPr lang="zh-CN" altLang="en-US" dirty="0" smtClean="0"/>
           </a:p>
           <a:p>
             <a:r>
               <a:rPr lang="zh-CN" altLang="en-US" dirty="0" smtClean="0"/>
               <a:t>「一次性支付，永远占用」的状态存储模型的激励很小，很难让用户自愿清除状态并减少全局状态的占用</a:t>
             </a:r>
+            <a:endParaRPr lang="zh-CN" altLang="en-US" dirty="0" smtClean="0"/>
           </a:p>
           <a:p>
             <a:endParaRPr lang="en-US" altLang="zh-CN" sz="1200" kern="1200" dirty="0" smtClean="0">
@@ -11871,7 +11877,6 @@
               <a:rPr lang="en-US" altLang="zh-CN" dirty="0">
                 <a:ea typeface="SimSun" pitchFamily="2" charset="-122"/>
               </a:rPr>
-              <a:t>6</a:t>
             </a:fld>
             <a:endParaRPr lang="en-US" altLang="zh-CN" dirty="0">
               <a:ea typeface="SimSun" pitchFamily="2" charset="-122"/>
@@ -11971,6 +11976,7 @@
               <a:rPr lang="zh-CN" altLang="en-US" dirty="0" smtClean="0"/>
               <a:t>存储状态的用户，这种定期的通胀税是他们向矿工支付状态租金的方式。</a:t>
             </a:r>
+            <a:endParaRPr lang="zh-CN" altLang="en-US" dirty="0" smtClean="0"/>
           </a:p>
           <a:p>
             <a:r>
@@ -12045,7 +12051,6 @@
               <a:rPr lang="en-US" altLang="zh-CN" dirty="0">
                 <a:ea typeface="SimSun" pitchFamily="2" charset="-122"/>
               </a:rPr>
-              <a:t>7</a:t>
             </a:fld>
             <a:endParaRPr lang="en-US" altLang="zh-CN" dirty="0">
               <a:ea typeface="SimSun" pitchFamily="2" charset="-122"/>
@@ -12145,6 +12150,7 @@
               <a:rPr lang="zh-CN" altLang="en-US" dirty="0" smtClean="0"/>
               <a:t>存储状态的用户，这种定期的通胀税是他们向矿工支付状态租金的方式。</a:t>
             </a:r>
+            <a:endParaRPr lang="zh-CN" altLang="en-US" dirty="0" smtClean="0"/>
           </a:p>
           <a:p>
             <a:r>
@@ -12219,7 +12225,6 @@
               <a:rPr lang="en-US" altLang="zh-CN" dirty="0">
                 <a:ea typeface="SimSun" pitchFamily="2" charset="-122"/>
               </a:rPr>
-              <a:t>8</a:t>
             </a:fld>
             <a:endParaRPr lang="en-US" altLang="zh-CN" dirty="0">
               <a:ea typeface="SimSun" pitchFamily="2" charset="-122"/>
@@ -12228,11 +12233,6 @@
         </p:txBody>
       </p:sp>
     </p:spTree>
-    <p:extLst>
-      <p:ext uri="{BB962C8B-B14F-4D97-AF65-F5344CB8AC3E}">
-        <p14:creationId xmlns:p14="http://schemas.microsoft.com/office/powerpoint/2010/main" val="574309561"/>
-      </p:ext>
-    </p:extLst>
   </p:cSld>
   <p:clrMapOvr>
     <a:masterClrMapping/>
@@ -12324,6 +12324,7 @@
               <a:rPr lang="zh-CN" altLang="en-US" dirty="0" smtClean="0"/>
               <a:t>存储状态的用户，这种定期的通胀税是他们向矿工支付状态租金的方式。</a:t>
             </a:r>
+            <a:endParaRPr lang="zh-CN" altLang="en-US" dirty="0" smtClean="0"/>
           </a:p>
           <a:p>
             <a:r>
@@ -12398,7 +12399,6 @@
               <a:rPr lang="en-US" altLang="zh-CN" dirty="0">
                 <a:ea typeface="SimSun" pitchFamily="2" charset="-122"/>
               </a:rPr>
-              <a:t>9</a:t>
             </a:fld>
             <a:endParaRPr lang="en-US" altLang="zh-CN" dirty="0">
               <a:ea typeface="SimSun" pitchFamily="2" charset="-122"/>
@@ -12407,11 +12407,6 @@
         </p:txBody>
       </p:sp>
     </p:spTree>
-    <p:extLst>
-      <p:ext uri="{BB962C8B-B14F-4D97-AF65-F5344CB8AC3E}">
-        <p14:creationId xmlns:p14="http://schemas.microsoft.com/office/powerpoint/2010/main" val="591596223"/>
-      </p:ext>
-    </p:extLst>
   </p:cSld>
   <p:clrMapOvr>
     <a:masterClrMapping/>
@@ -12550,7 +12545,6 @@
           <a:p>
             <a:fld id="{FDE934FF-F4E1-47C5-9CA5-30A81DDE2BE4}" type="datetimeFigureOut">
               <a:rPr lang="en-US" smtClean="0"/>
-              <a:t>1/4/20</a:t>
             </a:fld>
             <a:endParaRPr lang="en-US"/>
           </a:p>
@@ -12592,7 +12586,6 @@
           <a:p>
             <a:fld id="{B3561BA9-CDCF-4958-B8AB-66F3BF063E13}" type="slidenum">
               <a:rPr lang="en-US" smtClean="0"/>
-              <a:t>‹#›</a:t>
             </a:fld>
             <a:endParaRPr lang="en-US"/>
           </a:p>
@@ -12648,6 +12641,7 @@
               <a:rPr lang="en-US" smtClean="0"/>
               <a:t>Click to edit Master text styles</a:t>
             </a:r>
+            <a:endParaRPr lang="en-US" smtClean="0"/>
           </a:p>
           <a:p>
             <a:pPr lvl="1"/>
@@ -12655,6 +12649,7 @@
               <a:rPr lang="en-US" smtClean="0"/>
               <a:t>Second level</a:t>
             </a:r>
+            <a:endParaRPr lang="en-US" smtClean="0"/>
           </a:p>
           <a:p>
             <a:pPr lvl="2"/>
@@ -12662,6 +12657,7 @@
               <a:rPr lang="en-US" smtClean="0"/>
               <a:t>Third level</a:t>
             </a:r>
+            <a:endParaRPr lang="en-US" smtClean="0"/>
           </a:p>
           <a:p>
             <a:pPr lvl="3"/>
@@ -12669,6 +12665,7 @@
               <a:rPr lang="en-US" smtClean="0"/>
               <a:t>Fourth level</a:t>
             </a:r>
+            <a:endParaRPr lang="en-US" smtClean="0"/>
           </a:p>
           <a:p>
             <a:pPr lvl="4"/>
@@ -12697,7 +12694,6 @@
           <a:p>
             <a:fld id="{FDE934FF-F4E1-47C5-9CA5-30A81DDE2BE4}" type="datetimeFigureOut">
               <a:rPr lang="en-US" smtClean="0"/>
-              <a:t>1/4/20</a:t>
             </a:fld>
             <a:endParaRPr lang="en-US"/>
           </a:p>
@@ -12739,7 +12735,6 @@
           <a:p>
             <a:fld id="{B3561BA9-CDCF-4958-B8AB-66F3BF063E13}" type="slidenum">
               <a:rPr lang="en-US" smtClean="0"/>
-              <a:t>‹#›</a:t>
             </a:fld>
             <a:endParaRPr lang="en-US"/>
           </a:p>
@@ -12813,6 +12808,7 @@
               <a:rPr lang="en-US" smtClean="0"/>
               <a:t>Click to edit Master text styles</a:t>
             </a:r>
+            <a:endParaRPr lang="en-US" smtClean="0"/>
           </a:p>
           <a:p>
             <a:pPr lvl="1"/>
@@ -12820,6 +12816,7 @@
               <a:rPr lang="en-US" smtClean="0"/>
               <a:t>Second level</a:t>
             </a:r>
+            <a:endParaRPr lang="en-US" smtClean="0"/>
           </a:p>
           <a:p>
             <a:pPr lvl="2"/>
@@ -12827,6 +12824,7 @@
               <a:rPr lang="en-US" smtClean="0"/>
               <a:t>Third level</a:t>
             </a:r>
+            <a:endParaRPr lang="en-US" smtClean="0"/>
           </a:p>
           <a:p>
             <a:pPr lvl="3"/>
@@ -12834,6 +12832,7 @@
               <a:rPr lang="en-US" smtClean="0"/>
               <a:t>Fourth level</a:t>
             </a:r>
+            <a:endParaRPr lang="en-US" smtClean="0"/>
           </a:p>
           <a:p>
             <a:pPr lvl="4"/>
@@ -12862,7 +12861,6 @@
           <a:p>
             <a:fld id="{FDE934FF-F4E1-47C5-9CA5-30A81DDE2BE4}" type="datetimeFigureOut">
               <a:rPr lang="en-US" smtClean="0"/>
-              <a:t>1/4/20</a:t>
             </a:fld>
             <a:endParaRPr lang="en-US"/>
           </a:p>
@@ -12904,7 +12902,6 @@
           <a:p>
             <a:fld id="{B3561BA9-CDCF-4958-B8AB-66F3BF063E13}" type="slidenum">
               <a:rPr lang="en-US" smtClean="0"/>
-              <a:t>‹#›</a:t>
             </a:fld>
             <a:endParaRPr lang="en-US"/>
           </a:p>
@@ -13083,6 +13080,7 @@
               <a:rPr lang="en-US" smtClean="0"/>
               <a:t>Click to edit Master text styles</a:t>
             </a:r>
+            <a:endParaRPr lang="en-US" smtClean="0"/>
           </a:p>
         </p:txBody>
       </p:sp>
@@ -13103,7 +13101,6 @@
           <a:p>
             <a:fld id="{FDE934FF-F4E1-47C5-9CA5-30A81DDE2BE4}" type="datetimeFigureOut">
               <a:rPr lang="en-US" smtClean="0"/>
-              <a:t>1/4/20</a:t>
             </a:fld>
             <a:endParaRPr lang="en-US"/>
           </a:p>
@@ -13145,7 +13142,6 @@
           <a:p>
             <a:fld id="{B3561BA9-CDCF-4958-B8AB-66F3BF063E13}" type="slidenum">
               <a:rPr lang="en-US" smtClean="0"/>
-              <a:t>‹#›</a:t>
             </a:fld>
             <a:endParaRPr lang="en-US"/>
           </a:p>
@@ -13224,6 +13220,7 @@
               <a:rPr lang="en-US" smtClean="0"/>
               <a:t>Click to edit Master text styles</a:t>
             </a:r>
+            <a:endParaRPr lang="en-US" smtClean="0"/>
           </a:p>
           <a:p>
             <a:pPr lvl="1"/>
@@ -13231,6 +13228,7 @@
               <a:rPr lang="en-US" smtClean="0"/>
               <a:t>Second level</a:t>
             </a:r>
+            <a:endParaRPr lang="en-US" smtClean="0"/>
           </a:p>
           <a:p>
             <a:pPr lvl="2"/>
@@ -13238,6 +13236,7 @@
               <a:rPr lang="en-US" smtClean="0"/>
               <a:t>Third level</a:t>
             </a:r>
+            <a:endParaRPr lang="en-US" smtClean="0"/>
           </a:p>
           <a:p>
             <a:pPr lvl="3"/>
@@ -13245,6 +13244,7 @@
               <a:rPr lang="en-US" smtClean="0"/>
               <a:t>Fourth level</a:t>
             </a:r>
+            <a:endParaRPr lang="en-US" smtClean="0"/>
           </a:p>
           <a:p>
             <a:pPr lvl="4"/>
@@ -13281,6 +13281,7 @@
               <a:rPr lang="en-US" smtClean="0"/>
               <a:t>Click to edit Master text styles</a:t>
             </a:r>
+            <a:endParaRPr lang="en-US" smtClean="0"/>
           </a:p>
           <a:p>
             <a:pPr lvl="1"/>
@@ -13288,6 +13289,7 @@
               <a:rPr lang="en-US" smtClean="0"/>
               <a:t>Second level</a:t>
             </a:r>
+            <a:endParaRPr lang="en-US" smtClean="0"/>
           </a:p>
           <a:p>
             <a:pPr lvl="2"/>
@@ -13295,6 +13297,7 @@
               <a:rPr lang="en-US" smtClean="0"/>
               <a:t>Third level</a:t>
             </a:r>
+            <a:endParaRPr lang="en-US" smtClean="0"/>
           </a:p>
           <a:p>
             <a:pPr lvl="3"/>
@@ -13302,6 +13305,7 @@
               <a:rPr lang="en-US" smtClean="0"/>
               <a:t>Fourth level</a:t>
             </a:r>
+            <a:endParaRPr lang="en-US" smtClean="0"/>
           </a:p>
           <a:p>
             <a:pPr lvl="4"/>
@@ -13330,7 +13334,6 @@
           <a:p>
             <a:fld id="{FDE934FF-F4E1-47C5-9CA5-30A81DDE2BE4}" type="datetimeFigureOut">
               <a:rPr lang="en-US" smtClean="0"/>
-              <a:t>1/4/20</a:t>
             </a:fld>
             <a:endParaRPr lang="en-US"/>
           </a:p>
@@ -13372,7 +13375,6 @@
           <a:p>
             <a:fld id="{B3561BA9-CDCF-4958-B8AB-66F3BF063E13}" type="slidenum">
               <a:rPr lang="en-US" smtClean="0"/>
-              <a:t>‹#›</a:t>
             </a:fld>
             <a:endParaRPr lang="en-US"/>
           </a:p>
@@ -13493,6 +13495,7 @@
               <a:rPr lang="en-US" smtClean="0"/>
               <a:t>Click to edit Master text styles</a:t>
             </a:r>
+            <a:endParaRPr lang="en-US" smtClean="0"/>
           </a:p>
         </p:txBody>
       </p:sp>
@@ -13521,6 +13524,7 @@
               <a:rPr lang="en-US" smtClean="0"/>
               <a:t>Click to edit Master text styles</a:t>
             </a:r>
+            <a:endParaRPr lang="en-US" smtClean="0"/>
           </a:p>
           <a:p>
             <a:pPr lvl="1"/>
@@ -13528,6 +13532,7 @@
               <a:rPr lang="en-US" smtClean="0"/>
               <a:t>Second level</a:t>
             </a:r>
+            <a:endParaRPr lang="en-US" smtClean="0"/>
           </a:p>
           <a:p>
             <a:pPr lvl="2"/>
@@ -13535,6 +13540,7 @@
               <a:rPr lang="en-US" smtClean="0"/>
               <a:t>Third level</a:t>
             </a:r>
+            <a:endParaRPr lang="en-US" smtClean="0"/>
           </a:p>
           <a:p>
             <a:pPr lvl="3"/>
@@ -13542,6 +13548,7 @@
               <a:rPr lang="en-US" smtClean="0"/>
               <a:t>Fourth level</a:t>
             </a:r>
+            <a:endParaRPr lang="en-US" smtClean="0"/>
           </a:p>
           <a:p>
             <a:pPr lvl="4"/>
@@ -13615,6 +13622,7 @@
               <a:rPr lang="en-US" smtClean="0"/>
               <a:t>Click to edit Master text styles</a:t>
             </a:r>
+            <a:endParaRPr lang="en-US" smtClean="0"/>
           </a:p>
         </p:txBody>
       </p:sp>
@@ -13643,6 +13651,7 @@
               <a:rPr lang="en-US" smtClean="0"/>
               <a:t>Click to edit Master text styles</a:t>
             </a:r>
+            <a:endParaRPr lang="en-US" smtClean="0"/>
           </a:p>
           <a:p>
             <a:pPr lvl="1"/>
@@ -13650,6 +13659,7 @@
               <a:rPr lang="en-US" smtClean="0"/>
               <a:t>Second level</a:t>
             </a:r>
+            <a:endParaRPr lang="en-US" smtClean="0"/>
           </a:p>
           <a:p>
             <a:pPr lvl="2"/>
@@ -13657,6 +13667,7 @@
               <a:rPr lang="en-US" smtClean="0"/>
               <a:t>Third level</a:t>
             </a:r>
+            <a:endParaRPr lang="en-US" smtClean="0"/>
           </a:p>
           <a:p>
             <a:pPr lvl="3"/>
@@ -13664,6 +13675,7 @@
               <a:rPr lang="en-US" smtClean="0"/>
               <a:t>Fourth level</a:t>
             </a:r>
+            <a:endParaRPr lang="en-US" smtClean="0"/>
           </a:p>
           <a:p>
             <a:pPr lvl="4"/>
@@ -13692,7 +13704,6 @@
           <a:p>
             <a:fld id="{FDE934FF-F4E1-47C5-9CA5-30A81DDE2BE4}" type="datetimeFigureOut">
               <a:rPr lang="en-US" smtClean="0"/>
-              <a:t>1/4/20</a:t>
             </a:fld>
             <a:endParaRPr lang="en-US"/>
           </a:p>
@@ -13734,7 +13745,6 @@
           <a:p>
             <a:fld id="{B3561BA9-CDCF-4958-B8AB-66F3BF063E13}" type="slidenum">
               <a:rPr lang="en-US" smtClean="0"/>
-              <a:t>‹#›</a:t>
             </a:fld>
             <a:endParaRPr lang="en-US"/>
           </a:p>
@@ -13805,7 +13815,6 @@
           <a:p>
             <a:fld id="{FDE934FF-F4E1-47C5-9CA5-30A81DDE2BE4}" type="datetimeFigureOut">
               <a:rPr lang="en-US" smtClean="0"/>
-              <a:t>1/4/20</a:t>
             </a:fld>
             <a:endParaRPr lang="en-US"/>
           </a:p>
@@ -13847,7 +13856,6 @@
           <a:p>
             <a:fld id="{B3561BA9-CDCF-4958-B8AB-66F3BF063E13}" type="slidenum">
               <a:rPr lang="en-US" smtClean="0"/>
-              <a:t>‹#›</a:t>
             </a:fld>
             <a:endParaRPr lang="en-US"/>
           </a:p>
@@ -13895,7 +13903,6 @@
           <a:p>
             <a:fld id="{FDE934FF-F4E1-47C5-9CA5-30A81DDE2BE4}" type="datetimeFigureOut">
               <a:rPr lang="en-US" smtClean="0"/>
-              <a:t>1/4/20</a:t>
             </a:fld>
             <a:endParaRPr lang="en-US"/>
           </a:p>
@@ -13937,7 +13944,6 @@
           <a:p>
             <a:fld id="{B3561BA9-CDCF-4958-B8AB-66F3BF063E13}" type="slidenum">
               <a:rPr lang="en-US" smtClean="0"/>
-              <a:t>‹#›</a:t>
             </a:fld>
             <a:endParaRPr lang="en-US"/>
           </a:p>
@@ -14123,6 +14129,7 @@
               <a:rPr lang="en-US" smtClean="0"/>
               <a:t>Click to edit Master text styles</a:t>
             </a:r>
+            <a:endParaRPr lang="en-US" smtClean="0"/>
           </a:p>
         </p:txBody>
       </p:sp>
@@ -14143,7 +14150,6 @@
           <a:p>
             <a:fld id="{FDE934FF-F4E1-47C5-9CA5-30A81DDE2BE4}" type="datetimeFigureOut">
               <a:rPr lang="en-US" smtClean="0"/>
-              <a:t>1/4/20</a:t>
             </a:fld>
             <a:endParaRPr lang="en-US"/>
           </a:p>
@@ -14185,7 +14191,6 @@
           <a:p>
             <a:fld id="{B3561BA9-CDCF-4958-B8AB-66F3BF063E13}" type="slidenum">
               <a:rPr lang="en-US" smtClean="0"/>
-              <a:t>‹#›</a:t>
             </a:fld>
             <a:endParaRPr lang="en-US"/>
           </a:p>
@@ -14276,6 +14281,7 @@
               <a:rPr lang="en-US" smtClean="0"/>
               <a:t>Click to edit Master text styles</a:t>
             </a:r>
+            <a:endParaRPr lang="en-US" smtClean="0"/>
           </a:p>
           <a:p>
             <a:pPr lvl="1"/>
@@ -14283,6 +14289,7 @@
               <a:rPr lang="en-US" smtClean="0"/>
               <a:t>Second level</a:t>
             </a:r>
+            <a:endParaRPr lang="en-US" smtClean="0"/>
           </a:p>
           <a:p>
             <a:pPr lvl="2"/>
@@ -14290,6 +14297,7 @@
               <a:rPr lang="en-US" smtClean="0"/>
               <a:t>Third level</a:t>
             </a:r>
+            <a:endParaRPr lang="en-US" smtClean="0"/>
           </a:p>
           <a:p>
             <a:pPr lvl="3"/>
@@ -14297,6 +14305,7 @@
               <a:rPr lang="en-US" smtClean="0"/>
               <a:t>Fourth level</a:t>
             </a:r>
+            <a:endParaRPr lang="en-US" smtClean="0"/>
           </a:p>
           <a:p>
             <a:pPr lvl="4"/>
@@ -14325,7 +14334,6 @@
           <a:p>
             <a:fld id="{FDE934FF-F4E1-47C5-9CA5-30A81DDE2BE4}" type="datetimeFigureOut">
               <a:rPr lang="en-US" smtClean="0"/>
-              <a:t>1/4/20</a:t>
             </a:fld>
             <a:endParaRPr lang="en-US"/>
           </a:p>
@@ -14367,7 +14375,6 @@
           <a:p>
             <a:fld id="{B3561BA9-CDCF-4958-B8AB-66F3BF063E13}" type="slidenum">
               <a:rPr lang="en-US" smtClean="0"/>
-              <a:t>‹#›</a:t>
             </a:fld>
             <a:endParaRPr lang="en-US"/>
           </a:p>
@@ -14466,6 +14473,7 @@
               <a:rPr lang="en-US" smtClean="0"/>
               <a:t>Click to edit Master text styles</a:t>
             </a:r>
+            <a:endParaRPr lang="en-US" smtClean="0"/>
           </a:p>
           <a:p>
             <a:pPr lvl="1"/>
@@ -14473,6 +14481,7 @@
               <a:rPr lang="en-US" smtClean="0"/>
               <a:t>Second level</a:t>
             </a:r>
+            <a:endParaRPr lang="en-US" smtClean="0"/>
           </a:p>
           <a:p>
             <a:pPr lvl="2"/>
@@ -14480,6 +14489,7 @@
               <a:rPr lang="en-US" smtClean="0"/>
               <a:t>Third level</a:t>
             </a:r>
+            <a:endParaRPr lang="en-US" smtClean="0"/>
           </a:p>
           <a:p>
             <a:pPr lvl="3"/>
@@ -14487,6 +14497,7 @@
               <a:rPr lang="en-US" smtClean="0"/>
               <a:t>Fourth level</a:t>
             </a:r>
+            <a:endParaRPr lang="en-US" smtClean="0"/>
           </a:p>
           <a:p>
             <a:pPr lvl="4"/>
@@ -14533,7 +14544,6 @@
           <a:p>
             <a:fld id="{FDE934FF-F4E1-47C5-9CA5-30A81DDE2BE4}" type="datetimeFigureOut">
               <a:rPr lang="en-US" smtClean="0"/>
-              <a:t>1/4/20</a:t>
             </a:fld>
             <a:endParaRPr lang="en-US"/>
           </a:p>
@@ -14611,7 +14621,6 @@
           <a:p>
             <a:fld id="{B3561BA9-CDCF-4958-B8AB-66F3BF063E13}" type="slidenum">
               <a:rPr lang="en-US" smtClean="0"/>
-              <a:t>‹#›</a:t>
             </a:fld>
             <a:endParaRPr lang="en-US"/>
           </a:p>
@@ -14950,12 +14959,12 @@
           <a:graphicData uri="http://schemas.openxmlformats.org/presentationml/2006/ole">
             <mc:AlternateContent xmlns:mc="http://schemas.openxmlformats.org/markup-compatibility/2006">
               <mc:Choice xmlns:v="urn:schemas-microsoft-com:vml" Requires="v">
-                <p:oleObj spid="_x0000_s1175" r:id="rId4" imgW="6502400" imgH="3657600" progId="Package">
+                <p:oleObj spid="_x0000_s1175" name="" r:id="rId1" imgW="6502400" imgH="3657600" progId="Package">
                   <p:embed/>
                 </p:oleObj>
               </mc:Choice>
               <mc:Fallback>
-                <p:oleObj r:id="rId4" imgW="6502400" imgH="3657600" progId="Package">
+                <p:oleObj name="" r:id="rId1" imgW="6502400" imgH="3657600" progId="Package">
                   <p:embed/>
                   <p:pic>
                     <p:nvPicPr>
@@ -14964,7 +14973,7 @@
                       <p:nvPr/>
                     </p:nvPicPr>
                     <p:blipFill>
-                      <a:blip r:embed="rId5"/>
+                      <a:blip r:embed="rId2"/>
                       <a:stretch>
                         <a:fillRect/>
                       </a:stretch>
@@ -14994,7 +15003,7 @@
           <p:nvPr/>
         </p:nvPicPr>
         <p:blipFill>
-          <a:blip r:embed="rId6"/>
+          <a:blip r:embed="rId3"/>
           <a:stretch>
             <a:fillRect/>
           </a:stretch>
@@ -15389,6 +15398,1092 @@
 </file>
 
 <file path=ppt/slides/slide10.xml><?xml version="1.0" encoding="utf-8"?>
+<p:sld xmlns:a="http://schemas.openxmlformats.org/drawingml/2006/main" xmlns:r="http://schemas.openxmlformats.org/officeDocument/2006/relationships" xmlns:p="http://schemas.openxmlformats.org/presentationml/2006/main">
+  <p:cSld>
+    <p:spTree>
+      <p:nvGrpSpPr>
+        <p:cNvPr id="1" name=""/>
+        <p:cNvGrpSpPr/>
+        <p:nvPr/>
+      </p:nvGrpSpPr>
+      <p:grpSpPr>
+        <a:xfrm>
+          <a:off x="0" y="0"/>
+          <a:ext cx="0" cy="0"/>
+          <a:chOff x="0" y="0"/>
+          <a:chExt cx="0" cy="0"/>
+        </a:xfrm>
+      </p:grpSpPr>
+      <p:pic>
+        <p:nvPicPr>
+          <p:cNvPr id="39938" name="Ink 1"/>
+          <p:cNvPicPr>
+            <a:picLocks noChangeAspect="1"/>
+          </p:cNvPicPr>
+          <p:nvPr/>
+        </p:nvPicPr>
+        <p:blipFill>
+          <a:blip r:embed="rId1"/>
+          <a:stretch>
+            <a:fillRect/>
+          </a:stretch>
+        </p:blipFill>
+        <p:spPr>
+          <a:xfrm>
+            <a:off x="2254251" y="711200"/>
+            <a:ext cx="25400" cy="25400"/>
+          </a:xfrm>
+          <a:prstGeom prst="rect">
+            <a:avLst/>
+          </a:prstGeom>
+          <a:noFill/>
+          <a:ln w="9525">
+            <a:noFill/>
+          </a:ln>
+        </p:spPr>
+      </p:pic>
+      <p:sp>
+        <p:nvSpPr>
+          <p:cNvPr id="9" name="Rectangle 8"/>
+          <p:cNvSpPr/>
+          <p:nvPr/>
+        </p:nvSpPr>
+        <p:spPr>
+          <a:xfrm>
+            <a:off x="0" y="0"/>
+            <a:ext cx="12192000" cy="889000"/>
+          </a:xfrm>
+          <a:prstGeom prst="rect">
+            <a:avLst/>
+          </a:prstGeom>
+          <a:ln>
+            <a:noFill/>
+          </a:ln>
+        </p:spPr>
+        <p:style>
+          <a:lnRef idx="1">
+            <a:schemeClr val="accent1"/>
+          </a:lnRef>
+          <a:fillRef idx="3">
+            <a:schemeClr val="accent1"/>
+          </a:fillRef>
+          <a:effectRef idx="2">
+            <a:schemeClr val="accent1"/>
+          </a:effectRef>
+          <a:fontRef idx="minor">
+            <a:schemeClr val="lt1"/>
+          </a:fontRef>
+        </p:style>
+        <p:txBody>
+          <a:bodyPr anchor="ctr"/>
+          <a:lstStyle/>
+          <a:p>
+            <a:pPr marL="285750" lvl="0" fontAlgn="base">
+              <a:spcBef>
+                <a:spcPct val="0"/>
+              </a:spcBef>
+              <a:spcAft>
+                <a:spcPct val="0"/>
+              </a:spcAft>
+              <a:defRPr/>
+            </a:pPr>
+            <a:r>
+              <a:rPr lang="en-US" sz="4000" dirty="0" smtClean="0"/>
+              <a:t>3. </a:t>
+            </a:r>
+            <a:r>
+              <a:rPr lang="zh-CN" altLang="en-US" sz="4000" dirty="0" smtClean="0">
+                <a:sym typeface="+mn-ea"/>
+              </a:rPr>
+              <a:t>二级发行：示例</a:t>
+            </a:r>
+            <a:endParaRPr lang="zh-CN" altLang="en-US" sz="4000" dirty="0" smtClean="0">
+              <a:sym typeface="+mn-ea"/>
+            </a:endParaRPr>
+          </a:p>
+        </p:txBody>
+      </p:sp>
+      <p:sp>
+        <p:nvSpPr>
+          <p:cNvPr id="39940" name="AutoShape 2" descr="Micropayment Channel Example"/>
+          <p:cNvSpPr>
+            <a:spLocks noChangeAspect="1"/>
+          </p:cNvSpPr>
+          <p:nvPr/>
+        </p:nvSpPr>
+        <p:spPr>
+          <a:xfrm>
+            <a:off x="207433" y="-192616"/>
+            <a:ext cx="406400" cy="406400"/>
+          </a:xfrm>
+          <a:prstGeom prst="rect">
+            <a:avLst/>
+          </a:prstGeom>
+          <a:noFill/>
+          <a:ln w="9525">
+            <a:noFill/>
+          </a:ln>
+        </p:spPr>
+        <p:txBody>
+          <a:bodyPr/>
+          <a:lstStyle>
+            <a:lvl1pPr marL="342900" indent="-342900" algn="l" rtl="0" eaLnBrk="0" fontAlgn="base" hangingPunct="0">
+              <a:spcBef>
+                <a:spcPct val="20000"/>
+              </a:spcBef>
+              <a:spcAft>
+                <a:spcPct val="0"/>
+              </a:spcAft>
+              <a:buFont typeface="Arial" panose="020B0604020202090204" pitchFamily="34" charset="0"/>
+              <a:buChar char="•"/>
+              <a:defRPr sz="2400" kern="1200">
+                <a:solidFill>
+                  <a:schemeClr val="tx1"/>
+                </a:solidFill>
+                <a:latin typeface="+mn-lt"/>
+                <a:ea typeface="+mn-ea"/>
+                <a:cs typeface="+mn-cs"/>
+              </a:defRPr>
+            </a:lvl1pPr>
+            <a:lvl2pPr marL="742950" indent="-285750" algn="l" rtl="0" eaLnBrk="0" fontAlgn="base" hangingPunct="0">
+              <a:spcBef>
+                <a:spcPct val="20000"/>
+              </a:spcBef>
+              <a:spcAft>
+                <a:spcPct val="0"/>
+              </a:spcAft>
+              <a:buFont typeface="Arial" panose="020B0604020202090204" pitchFamily="34" charset="0"/>
+              <a:buChar char="–"/>
+              <a:defRPr sz="2400" kern="1200">
+                <a:solidFill>
+                  <a:schemeClr val="tx1"/>
+                </a:solidFill>
+                <a:latin typeface="+mn-lt"/>
+                <a:ea typeface="+mn-ea"/>
+                <a:cs typeface="+mn-cs"/>
+              </a:defRPr>
+            </a:lvl2pPr>
+            <a:lvl3pPr marL="1143000" indent="-228600" algn="l" rtl="0" eaLnBrk="0" fontAlgn="base" hangingPunct="0">
+              <a:spcBef>
+                <a:spcPct val="20000"/>
+              </a:spcBef>
+              <a:spcAft>
+                <a:spcPct val="0"/>
+              </a:spcAft>
+              <a:buFont typeface="Arial" panose="020B0604020202090204" pitchFamily="34" charset="0"/>
+              <a:buChar char="•"/>
+              <a:defRPr sz="2400" kern="1200">
+                <a:solidFill>
+                  <a:schemeClr val="tx1"/>
+                </a:solidFill>
+                <a:latin typeface="+mn-lt"/>
+                <a:ea typeface="+mn-ea"/>
+                <a:cs typeface="+mn-cs"/>
+              </a:defRPr>
+            </a:lvl3pPr>
+            <a:lvl4pPr marL="1600200" indent="-228600" algn="l" rtl="0" eaLnBrk="0" fontAlgn="base" hangingPunct="0">
+              <a:spcBef>
+                <a:spcPct val="20000"/>
+              </a:spcBef>
+              <a:spcAft>
+                <a:spcPct val="0"/>
+              </a:spcAft>
+              <a:buFont typeface="Arial" panose="020B0604020202090204" pitchFamily="34" charset="0"/>
+              <a:buChar char="–"/>
+              <a:defRPr sz="2000" kern="1200">
+                <a:solidFill>
+                  <a:schemeClr val="tx1"/>
+                </a:solidFill>
+                <a:latin typeface="+mn-lt"/>
+                <a:ea typeface="+mn-ea"/>
+                <a:cs typeface="+mn-cs"/>
+              </a:defRPr>
+            </a:lvl4pPr>
+            <a:lvl5pPr marL="2057400" indent="-228600" algn="l" rtl="0" eaLnBrk="0" fontAlgn="base" hangingPunct="0">
+              <a:spcBef>
+                <a:spcPct val="20000"/>
+              </a:spcBef>
+              <a:spcAft>
+                <a:spcPct val="0"/>
+              </a:spcAft>
+              <a:buFont typeface="Arial" panose="020B0604020202090204" pitchFamily="34" charset="0"/>
+              <a:buChar char="»"/>
+              <a:defRPr sz="2000" kern="1200">
+                <a:solidFill>
+                  <a:schemeClr val="tx1"/>
+                </a:solidFill>
+                <a:latin typeface="+mn-lt"/>
+                <a:ea typeface="+mn-ea"/>
+                <a:cs typeface="+mn-cs"/>
+              </a:defRPr>
+            </a:lvl5pPr>
+          </a:lstStyle>
+          <a:p>
+            <a:pPr marL="0" lvl="0" indent="0" eaLnBrk="1" hangingPunct="1">
+              <a:spcBef>
+                <a:spcPct val="0"/>
+              </a:spcBef>
+              <a:buNone/>
+            </a:pPr>
+            <a:endParaRPr lang="zh-CN" altLang="en-US" dirty="0">
+              <a:latin typeface="Arial" panose="020B0604020202090204" pitchFamily="34" charset="0"/>
+              <a:ea typeface="SimSun" pitchFamily="2" charset="-122"/>
+            </a:endParaRPr>
+          </a:p>
+        </p:txBody>
+      </p:sp>
+      <p:sp>
+        <p:nvSpPr>
+          <p:cNvPr id="39941" name="AutoShape 4" descr="Micropayment Channel Example"/>
+          <p:cNvSpPr>
+            <a:spLocks noChangeAspect="1"/>
+          </p:cNvSpPr>
+          <p:nvPr/>
+        </p:nvSpPr>
+        <p:spPr>
+          <a:xfrm>
+            <a:off x="410633" y="10584"/>
+            <a:ext cx="406400" cy="406400"/>
+          </a:xfrm>
+          <a:prstGeom prst="rect">
+            <a:avLst/>
+          </a:prstGeom>
+          <a:noFill/>
+          <a:ln w="9525">
+            <a:noFill/>
+          </a:ln>
+        </p:spPr>
+        <p:txBody>
+          <a:bodyPr/>
+          <a:lstStyle>
+            <a:lvl1pPr marL="342900" indent="-342900" algn="l" rtl="0" eaLnBrk="0" fontAlgn="base" hangingPunct="0">
+              <a:spcBef>
+                <a:spcPct val="20000"/>
+              </a:spcBef>
+              <a:spcAft>
+                <a:spcPct val="0"/>
+              </a:spcAft>
+              <a:buFont typeface="Arial" panose="020B0604020202090204" pitchFamily="34" charset="0"/>
+              <a:buChar char="•"/>
+              <a:defRPr sz="2400" kern="1200">
+                <a:solidFill>
+                  <a:schemeClr val="tx1"/>
+                </a:solidFill>
+                <a:latin typeface="+mn-lt"/>
+                <a:ea typeface="+mn-ea"/>
+                <a:cs typeface="+mn-cs"/>
+              </a:defRPr>
+            </a:lvl1pPr>
+            <a:lvl2pPr marL="742950" indent="-285750" algn="l" rtl="0" eaLnBrk="0" fontAlgn="base" hangingPunct="0">
+              <a:spcBef>
+                <a:spcPct val="20000"/>
+              </a:spcBef>
+              <a:spcAft>
+                <a:spcPct val="0"/>
+              </a:spcAft>
+              <a:buFont typeface="Arial" panose="020B0604020202090204" pitchFamily="34" charset="0"/>
+              <a:buChar char="–"/>
+              <a:defRPr sz="2400" kern="1200">
+                <a:solidFill>
+                  <a:schemeClr val="tx1"/>
+                </a:solidFill>
+                <a:latin typeface="+mn-lt"/>
+                <a:ea typeface="+mn-ea"/>
+                <a:cs typeface="+mn-cs"/>
+              </a:defRPr>
+            </a:lvl2pPr>
+            <a:lvl3pPr marL="1143000" indent="-228600" algn="l" rtl="0" eaLnBrk="0" fontAlgn="base" hangingPunct="0">
+              <a:spcBef>
+                <a:spcPct val="20000"/>
+              </a:spcBef>
+              <a:spcAft>
+                <a:spcPct val="0"/>
+              </a:spcAft>
+              <a:buFont typeface="Arial" panose="020B0604020202090204" pitchFamily="34" charset="0"/>
+              <a:buChar char="•"/>
+              <a:defRPr sz="2400" kern="1200">
+                <a:solidFill>
+                  <a:schemeClr val="tx1"/>
+                </a:solidFill>
+                <a:latin typeface="+mn-lt"/>
+                <a:ea typeface="+mn-ea"/>
+                <a:cs typeface="+mn-cs"/>
+              </a:defRPr>
+            </a:lvl3pPr>
+            <a:lvl4pPr marL="1600200" indent="-228600" algn="l" rtl="0" eaLnBrk="0" fontAlgn="base" hangingPunct="0">
+              <a:spcBef>
+                <a:spcPct val="20000"/>
+              </a:spcBef>
+              <a:spcAft>
+                <a:spcPct val="0"/>
+              </a:spcAft>
+              <a:buFont typeface="Arial" panose="020B0604020202090204" pitchFamily="34" charset="0"/>
+              <a:buChar char="–"/>
+              <a:defRPr sz="2000" kern="1200">
+                <a:solidFill>
+                  <a:schemeClr val="tx1"/>
+                </a:solidFill>
+                <a:latin typeface="+mn-lt"/>
+                <a:ea typeface="+mn-ea"/>
+                <a:cs typeface="+mn-cs"/>
+              </a:defRPr>
+            </a:lvl4pPr>
+            <a:lvl5pPr marL="2057400" indent="-228600" algn="l" rtl="0" eaLnBrk="0" fontAlgn="base" hangingPunct="0">
+              <a:spcBef>
+                <a:spcPct val="20000"/>
+              </a:spcBef>
+              <a:spcAft>
+                <a:spcPct val="0"/>
+              </a:spcAft>
+              <a:buFont typeface="Arial" panose="020B0604020202090204" pitchFamily="34" charset="0"/>
+              <a:buChar char="»"/>
+              <a:defRPr sz="2000" kern="1200">
+                <a:solidFill>
+                  <a:schemeClr val="tx1"/>
+                </a:solidFill>
+                <a:latin typeface="+mn-lt"/>
+                <a:ea typeface="+mn-ea"/>
+                <a:cs typeface="+mn-cs"/>
+              </a:defRPr>
+            </a:lvl5pPr>
+          </a:lstStyle>
+          <a:p>
+            <a:pPr marL="0" lvl="0" indent="0" eaLnBrk="1" hangingPunct="1">
+              <a:spcBef>
+                <a:spcPct val="0"/>
+              </a:spcBef>
+              <a:buNone/>
+            </a:pPr>
+            <a:endParaRPr lang="zh-CN" altLang="en-US" dirty="0">
+              <a:latin typeface="Arial" panose="020B0604020202090204" pitchFamily="34" charset="0"/>
+              <a:ea typeface="SimSun" pitchFamily="2" charset="-122"/>
+            </a:endParaRPr>
+          </a:p>
+        </p:txBody>
+      </p:sp>
+      <p:sp>
+        <p:nvSpPr>
+          <p:cNvPr id="39942" name="TextBox 1"/>
+          <p:cNvSpPr txBox="1"/>
+          <p:nvPr/>
+        </p:nvSpPr>
+        <p:spPr>
+          <a:xfrm>
+            <a:off x="450851" y="1397000"/>
+            <a:ext cx="468630" cy="1198880"/>
+          </a:xfrm>
+          <a:prstGeom prst="rect">
+            <a:avLst/>
+          </a:prstGeom>
+          <a:noFill/>
+          <a:ln w="9525">
+            <a:noFill/>
+          </a:ln>
+        </p:spPr>
+        <p:txBody>
+          <a:bodyPr wrap="none">
+            <a:spAutoFit/>
+          </a:bodyPr>
+          <a:lstStyle>
+            <a:lvl1pPr marL="342900" indent="-342900" algn="l" rtl="0" eaLnBrk="0" fontAlgn="base" hangingPunct="0">
+              <a:spcBef>
+                <a:spcPct val="20000"/>
+              </a:spcBef>
+              <a:spcAft>
+                <a:spcPct val="0"/>
+              </a:spcAft>
+              <a:buFont typeface="Arial" panose="020B0604020202090204" pitchFamily="34" charset="0"/>
+              <a:buChar char="•"/>
+              <a:defRPr sz="2400" kern="1200">
+                <a:solidFill>
+                  <a:schemeClr val="tx1"/>
+                </a:solidFill>
+                <a:latin typeface="+mn-lt"/>
+                <a:ea typeface="+mn-ea"/>
+                <a:cs typeface="+mn-cs"/>
+              </a:defRPr>
+            </a:lvl1pPr>
+            <a:lvl2pPr marL="742950" indent="-285750" algn="l" rtl="0" eaLnBrk="0" fontAlgn="base" hangingPunct="0">
+              <a:spcBef>
+                <a:spcPct val="20000"/>
+              </a:spcBef>
+              <a:spcAft>
+                <a:spcPct val="0"/>
+              </a:spcAft>
+              <a:buFont typeface="Arial" panose="020B0604020202090204" pitchFamily="34" charset="0"/>
+              <a:buChar char="–"/>
+              <a:defRPr sz="2400" kern="1200">
+                <a:solidFill>
+                  <a:schemeClr val="tx1"/>
+                </a:solidFill>
+                <a:latin typeface="+mn-lt"/>
+                <a:ea typeface="+mn-ea"/>
+                <a:cs typeface="+mn-cs"/>
+              </a:defRPr>
+            </a:lvl2pPr>
+            <a:lvl3pPr marL="1143000" indent="-228600" algn="l" rtl="0" eaLnBrk="0" fontAlgn="base" hangingPunct="0">
+              <a:spcBef>
+                <a:spcPct val="20000"/>
+              </a:spcBef>
+              <a:spcAft>
+                <a:spcPct val="0"/>
+              </a:spcAft>
+              <a:buFont typeface="Arial" panose="020B0604020202090204" pitchFamily="34" charset="0"/>
+              <a:buChar char="•"/>
+              <a:defRPr sz="2400" kern="1200">
+                <a:solidFill>
+                  <a:schemeClr val="tx1"/>
+                </a:solidFill>
+                <a:latin typeface="+mn-lt"/>
+                <a:ea typeface="+mn-ea"/>
+                <a:cs typeface="+mn-cs"/>
+              </a:defRPr>
+            </a:lvl3pPr>
+            <a:lvl4pPr marL="1600200" indent="-228600" algn="l" rtl="0" eaLnBrk="0" fontAlgn="base" hangingPunct="0">
+              <a:spcBef>
+                <a:spcPct val="20000"/>
+              </a:spcBef>
+              <a:spcAft>
+                <a:spcPct val="0"/>
+              </a:spcAft>
+              <a:buFont typeface="Arial" panose="020B0604020202090204" pitchFamily="34" charset="0"/>
+              <a:buChar char="–"/>
+              <a:defRPr sz="2000" kern="1200">
+                <a:solidFill>
+                  <a:schemeClr val="tx1"/>
+                </a:solidFill>
+                <a:latin typeface="+mn-lt"/>
+                <a:ea typeface="+mn-ea"/>
+                <a:cs typeface="+mn-cs"/>
+              </a:defRPr>
+            </a:lvl4pPr>
+            <a:lvl5pPr marL="2057400" indent="-228600" algn="l" rtl="0" eaLnBrk="0" fontAlgn="base" hangingPunct="0">
+              <a:spcBef>
+                <a:spcPct val="20000"/>
+              </a:spcBef>
+              <a:spcAft>
+                <a:spcPct val="0"/>
+              </a:spcAft>
+              <a:buFont typeface="Arial" panose="020B0604020202090204" pitchFamily="34" charset="0"/>
+              <a:buChar char="»"/>
+              <a:defRPr sz="2000" kern="1200">
+                <a:solidFill>
+                  <a:schemeClr val="tx1"/>
+                </a:solidFill>
+                <a:latin typeface="+mn-lt"/>
+                <a:ea typeface="+mn-ea"/>
+                <a:cs typeface="+mn-cs"/>
+              </a:defRPr>
+            </a:lvl5pPr>
+          </a:lstStyle>
+          <a:p>
+            <a:pPr marL="285750" lvl="0" indent="-285750" eaLnBrk="1" hangingPunct="1">
+              <a:spcBef>
+                <a:spcPct val="0"/>
+              </a:spcBef>
+              <a:buFont typeface="Wingdings" panose="05000000000000000000" pitchFamily="2" charset="2"/>
+              <a:buChar char="l"/>
+            </a:pPr>
+            <a:endParaRPr lang="en-US" altLang="zh-CN" dirty="0">
+              <a:latin typeface="Arial" panose="020B0604020202090204" pitchFamily="34" charset="0"/>
+              <a:ea typeface="SimSun" pitchFamily="2" charset="-122"/>
+            </a:endParaRPr>
+          </a:p>
+          <a:p>
+            <a:pPr marL="285750" lvl="0" indent="-285750" eaLnBrk="1" hangingPunct="1">
+              <a:spcBef>
+                <a:spcPct val="0"/>
+              </a:spcBef>
+              <a:buFont typeface="Wingdings" panose="05000000000000000000" pitchFamily="2" charset="2"/>
+              <a:buChar char="l"/>
+            </a:pPr>
+            <a:endParaRPr lang="en-US" altLang="zh-CN" dirty="0">
+              <a:latin typeface="Arial" panose="020B0604020202090204" pitchFamily="34" charset="0"/>
+              <a:ea typeface="SimSun" pitchFamily="2" charset="-122"/>
+            </a:endParaRPr>
+          </a:p>
+          <a:p>
+            <a:pPr marL="285750" lvl="0" indent="-285750" eaLnBrk="1" hangingPunct="1">
+              <a:spcBef>
+                <a:spcPct val="0"/>
+              </a:spcBef>
+              <a:buFont typeface="Wingdings" panose="05000000000000000000" pitchFamily="2" charset="2"/>
+              <a:buChar char="l"/>
+            </a:pPr>
+            <a:endParaRPr lang="en-US" altLang="zh-CN" dirty="0">
+              <a:latin typeface="Arial" panose="020B0604020202090204" pitchFamily="34" charset="0"/>
+              <a:ea typeface="SimSun" pitchFamily="2" charset="-122"/>
+            </a:endParaRPr>
+          </a:p>
+        </p:txBody>
+      </p:sp>
+      <p:sp>
+        <p:nvSpPr>
+          <p:cNvPr id="8" name="TextBox 3"/>
+          <p:cNvSpPr txBox="1"/>
+          <p:nvPr/>
+        </p:nvSpPr>
+        <p:spPr>
+          <a:xfrm>
+            <a:off x="614045" y="953770"/>
+            <a:ext cx="9412605" cy="5631180"/>
+          </a:xfrm>
+          <a:prstGeom prst="rect">
+            <a:avLst/>
+          </a:prstGeom>
+          <a:noFill/>
+          <a:ln w="9525">
+            <a:noFill/>
+          </a:ln>
+        </p:spPr>
+        <p:txBody>
+          <a:bodyPr wrap="square">
+            <a:spAutoFit/>
+          </a:bodyPr>
+          <a:lstStyle>
+            <a:lvl1pPr marL="342900" indent="-342900" algn="l" rtl="0" eaLnBrk="0" fontAlgn="base" hangingPunct="0">
+              <a:spcBef>
+                <a:spcPct val="20000"/>
+              </a:spcBef>
+              <a:spcAft>
+                <a:spcPct val="0"/>
+              </a:spcAft>
+              <a:buFont typeface="Arial" panose="020B0604020202090204" pitchFamily="34" charset="0"/>
+              <a:buChar char="•"/>
+              <a:defRPr sz="2400" kern="1200">
+                <a:solidFill>
+                  <a:schemeClr val="tx1"/>
+                </a:solidFill>
+                <a:latin typeface="+mn-lt"/>
+                <a:ea typeface="+mn-ea"/>
+                <a:cs typeface="+mn-cs"/>
+              </a:defRPr>
+            </a:lvl1pPr>
+            <a:lvl2pPr marL="742950" indent="-285750" algn="l" rtl="0" eaLnBrk="0" fontAlgn="base" hangingPunct="0">
+              <a:spcBef>
+                <a:spcPct val="20000"/>
+              </a:spcBef>
+              <a:spcAft>
+                <a:spcPct val="0"/>
+              </a:spcAft>
+              <a:buFont typeface="Arial" panose="020B0604020202090204" pitchFamily="34" charset="0"/>
+              <a:buChar char="–"/>
+              <a:defRPr sz="2400" kern="1200">
+                <a:solidFill>
+                  <a:schemeClr val="tx1"/>
+                </a:solidFill>
+                <a:latin typeface="+mn-lt"/>
+                <a:ea typeface="+mn-ea"/>
+                <a:cs typeface="+mn-cs"/>
+              </a:defRPr>
+            </a:lvl2pPr>
+            <a:lvl3pPr marL="1143000" indent="-228600" algn="l" rtl="0" eaLnBrk="0" fontAlgn="base" hangingPunct="0">
+              <a:spcBef>
+                <a:spcPct val="20000"/>
+              </a:spcBef>
+              <a:spcAft>
+                <a:spcPct val="0"/>
+              </a:spcAft>
+              <a:buFont typeface="Arial" panose="020B0604020202090204" pitchFamily="34" charset="0"/>
+              <a:buChar char="•"/>
+              <a:defRPr sz="2400" kern="1200">
+                <a:solidFill>
+                  <a:schemeClr val="tx1"/>
+                </a:solidFill>
+                <a:latin typeface="+mn-lt"/>
+                <a:ea typeface="+mn-ea"/>
+                <a:cs typeface="+mn-cs"/>
+              </a:defRPr>
+            </a:lvl3pPr>
+            <a:lvl4pPr marL="1600200" indent="-228600" algn="l" rtl="0" eaLnBrk="0" fontAlgn="base" hangingPunct="0">
+              <a:spcBef>
+                <a:spcPct val="20000"/>
+              </a:spcBef>
+              <a:spcAft>
+                <a:spcPct val="0"/>
+              </a:spcAft>
+              <a:buFont typeface="Arial" panose="020B0604020202090204" pitchFamily="34" charset="0"/>
+              <a:buChar char="–"/>
+              <a:defRPr sz="2000" kern="1200">
+                <a:solidFill>
+                  <a:schemeClr val="tx1"/>
+                </a:solidFill>
+                <a:latin typeface="+mn-lt"/>
+                <a:ea typeface="+mn-ea"/>
+                <a:cs typeface="+mn-cs"/>
+              </a:defRPr>
+            </a:lvl4pPr>
+            <a:lvl5pPr marL="2057400" indent="-228600" algn="l" rtl="0" eaLnBrk="0" fontAlgn="base" hangingPunct="0">
+              <a:spcBef>
+                <a:spcPct val="20000"/>
+              </a:spcBef>
+              <a:spcAft>
+                <a:spcPct val="0"/>
+              </a:spcAft>
+              <a:buFont typeface="Arial" panose="020B0604020202090204" pitchFamily="34" charset="0"/>
+              <a:buChar char="»"/>
+              <a:defRPr sz="2000" kern="1200">
+                <a:solidFill>
+                  <a:schemeClr val="tx1"/>
+                </a:solidFill>
+                <a:latin typeface="+mn-lt"/>
+                <a:ea typeface="+mn-ea"/>
+                <a:cs typeface="+mn-cs"/>
+              </a:defRPr>
+            </a:lvl5pPr>
+          </a:lstStyle>
+          <a:p>
+            <a:pPr marL="0" indent="0" eaLnBrk="1" hangingPunct="1">
+              <a:lnSpc>
+                <a:spcPct val="200000"/>
+              </a:lnSpc>
+              <a:spcBef>
+                <a:spcPct val="0"/>
+              </a:spcBef>
+              <a:buNone/>
+            </a:pPr>
+            <a:r>
+              <a:rPr lang="zh-CN" sz="2000" dirty="0" smtClean="0">
+                <a:solidFill>
+                  <a:schemeClr val="tx1"/>
+                </a:solidFill>
+              </a:rPr>
+              <a:t>假设</a:t>
+            </a:r>
+            <a:r>
+              <a:rPr sz="2000" dirty="0" smtClean="0">
+                <a:solidFill>
+                  <a:schemeClr val="tx1"/>
+                </a:solidFill>
+              </a:rPr>
+              <a:t>区块N</a:t>
+            </a:r>
+            <a:r>
+              <a:rPr lang="zh-CN" sz="2000" dirty="0" smtClean="0">
+                <a:solidFill>
+                  <a:schemeClr val="tx1"/>
+                </a:solidFill>
+              </a:rPr>
+              <a:t>时</a:t>
+            </a:r>
+            <a:r>
+              <a:rPr sz="2000" dirty="0" smtClean="0">
+                <a:solidFill>
+                  <a:schemeClr val="tx1"/>
+                </a:solidFill>
+              </a:rPr>
+              <a:t> </a:t>
+            </a:r>
+            <a:r>
+              <a:rPr lang="zh-CN" sz="2000" dirty="0" smtClean="0">
+                <a:solidFill>
+                  <a:schemeClr val="tx1"/>
+                </a:solidFill>
+              </a:rPr>
+              <a:t>链上共有</a:t>
+            </a:r>
+            <a:r>
+              <a:rPr sz="2000" dirty="0" smtClean="0">
+                <a:solidFill>
+                  <a:schemeClr val="tx1"/>
+                </a:solidFill>
+              </a:rPr>
+              <a:t>100 ckb</a:t>
+            </a:r>
+            <a:r>
+              <a:rPr lang="zh-CN" sz="2000" dirty="0" smtClean="0">
+                <a:solidFill>
+                  <a:schemeClr val="tx1"/>
+                </a:solidFill>
+              </a:rPr>
+              <a:t>。</a:t>
+            </a:r>
+            <a:r>
+              <a:rPr sz="2000" dirty="0" smtClean="0">
+                <a:solidFill>
+                  <a:schemeClr val="tx1"/>
+                </a:solidFill>
+              </a:rPr>
+              <a:t> 其中包含</a:t>
+            </a:r>
+            <a:endParaRPr sz="2000" dirty="0" smtClean="0">
+              <a:solidFill>
+                <a:schemeClr val="tx1"/>
+              </a:solidFill>
+            </a:endParaRPr>
+          </a:p>
+          <a:p>
+            <a:pPr lvl="1" eaLnBrk="1" hangingPunct="1">
+              <a:lnSpc>
+                <a:spcPct val="200000"/>
+              </a:lnSpc>
+              <a:spcBef>
+                <a:spcPct val="0"/>
+              </a:spcBef>
+            </a:pPr>
+            <a:r>
+              <a:rPr sz="2000" dirty="0" smtClean="0">
+                <a:solidFill>
+                  <a:schemeClr val="tx1"/>
+                </a:solidFill>
+              </a:rPr>
+              <a:t>冷冻</a:t>
+            </a:r>
+            <a:r>
+              <a:rPr lang="zh-CN" sz="2000" dirty="0" smtClean="0">
+                <a:solidFill>
+                  <a:schemeClr val="tx1"/>
+                </a:solidFill>
+              </a:rPr>
+              <a:t>的</a:t>
+            </a:r>
+            <a:r>
+              <a:rPr sz="2000" dirty="0" smtClean="0">
+                <a:solidFill>
+                  <a:schemeClr val="tx1"/>
+                </a:solidFill>
+              </a:rPr>
+              <a:t>10ckb (</a:t>
+            </a:r>
+            <a:r>
+              <a:rPr lang="en-US" sz="2000" dirty="0" smtClean="0">
+                <a:solidFill>
+                  <a:schemeClr val="tx1"/>
+                </a:solidFill>
+              </a:rPr>
+              <a:t>Alice</a:t>
+            </a:r>
+            <a:r>
+              <a:rPr sz="2000" dirty="0" smtClean="0">
+                <a:solidFill>
+                  <a:schemeClr val="tx1"/>
+                </a:solidFill>
+              </a:rPr>
+              <a:t>在链存放有10字节的智能合约)</a:t>
+            </a:r>
+            <a:endParaRPr sz="2000" dirty="0" smtClean="0">
+              <a:solidFill>
+                <a:schemeClr val="tx1"/>
+              </a:solidFill>
+            </a:endParaRPr>
+          </a:p>
+          <a:p>
+            <a:pPr lvl="1" eaLnBrk="1" hangingPunct="1">
+              <a:lnSpc>
+                <a:spcPct val="200000"/>
+              </a:lnSpc>
+              <a:spcBef>
+                <a:spcPct val="0"/>
+              </a:spcBef>
+            </a:pPr>
+            <a:r>
+              <a:rPr lang="en-US" sz="2000" dirty="0" smtClean="0">
+                <a:solidFill>
+                  <a:schemeClr val="tx1"/>
+                </a:solidFill>
+              </a:rPr>
+              <a:t>Bob</a:t>
+            </a:r>
+            <a:r>
+              <a:rPr sz="2000" dirty="0" smtClean="0">
+                <a:solidFill>
+                  <a:schemeClr val="tx1"/>
+                </a:solidFill>
+              </a:rPr>
+              <a:t>锁仓</a:t>
+            </a:r>
+            <a:r>
+              <a:rPr lang="zh-CN" sz="2000" dirty="0" smtClean="0">
+                <a:solidFill>
+                  <a:schemeClr val="tx1"/>
+                </a:solidFill>
+              </a:rPr>
+              <a:t>的</a:t>
+            </a:r>
+            <a:r>
+              <a:rPr sz="2000" dirty="0" smtClean="0">
+                <a:solidFill>
+                  <a:schemeClr val="tx1"/>
+                </a:solidFill>
+              </a:rPr>
+              <a:t> 30ckb</a:t>
+            </a:r>
+            <a:endParaRPr sz="2000" dirty="0" smtClean="0">
+              <a:solidFill>
+                <a:schemeClr val="tx1"/>
+              </a:solidFill>
+            </a:endParaRPr>
+          </a:p>
+          <a:p>
+            <a:pPr lvl="1" eaLnBrk="1" hangingPunct="1">
+              <a:lnSpc>
+                <a:spcPct val="200000"/>
+              </a:lnSpc>
+              <a:spcBef>
+                <a:spcPct val="0"/>
+              </a:spcBef>
+            </a:pPr>
+            <a:r>
+              <a:rPr sz="2000" dirty="0" smtClean="0">
+                <a:solidFill>
+                  <a:schemeClr val="tx1"/>
+                </a:solidFill>
+              </a:rPr>
+              <a:t>60ckb 正常流通</a:t>
+            </a:r>
+            <a:endParaRPr sz="2000" dirty="0" smtClean="0">
+              <a:solidFill>
+                <a:schemeClr val="tx1"/>
+              </a:solidFill>
+            </a:endParaRPr>
+          </a:p>
+          <a:p>
+            <a:pPr lvl="1" eaLnBrk="1" hangingPunct="1">
+              <a:lnSpc>
+                <a:spcPct val="200000"/>
+              </a:lnSpc>
+              <a:spcBef>
+                <a:spcPct val="0"/>
+              </a:spcBef>
+            </a:pPr>
+            <a:endParaRPr sz="2000" dirty="0" smtClean="0">
+              <a:solidFill>
+                <a:schemeClr val="tx1"/>
+              </a:solidFill>
+            </a:endParaRPr>
+          </a:p>
+          <a:p>
+            <a:pPr marL="0" lvl="0" indent="0" eaLnBrk="1" hangingPunct="1">
+              <a:lnSpc>
+                <a:spcPct val="200000"/>
+              </a:lnSpc>
+              <a:spcBef>
+                <a:spcPct val="0"/>
+              </a:spcBef>
+              <a:buNone/>
+            </a:pPr>
+            <a:r>
+              <a:rPr sz="2000" dirty="0" smtClean="0">
+                <a:solidFill>
+                  <a:schemeClr val="tx1"/>
+                </a:solidFill>
+              </a:rPr>
+              <a:t>区块N+1</a:t>
+            </a:r>
+            <a:r>
+              <a:rPr lang="zh-CN" sz="2000" dirty="0" smtClean="0">
+                <a:solidFill>
+                  <a:schemeClr val="tx1"/>
+                </a:solidFill>
+              </a:rPr>
+              <a:t>时，矿工</a:t>
+            </a:r>
+            <a:r>
+              <a:rPr lang="en-US" altLang="zh-CN" sz="2000" dirty="0" smtClean="0">
+                <a:solidFill>
+                  <a:schemeClr val="tx1"/>
+                </a:solidFill>
+              </a:rPr>
+              <a:t>Charles</a:t>
+            </a:r>
+            <a:r>
+              <a:rPr lang="zh-CN" altLang="en-US" sz="2000" dirty="0" smtClean="0">
+                <a:solidFill>
+                  <a:schemeClr val="tx1"/>
+                </a:solidFill>
+              </a:rPr>
+              <a:t>是出块者</a:t>
+            </a:r>
+            <a:r>
+              <a:rPr lang="en-US" sz="2000" dirty="0" smtClean="0">
+                <a:solidFill>
+                  <a:schemeClr val="tx1"/>
+                </a:solidFill>
+              </a:rPr>
+              <a:t>.  </a:t>
+            </a:r>
+            <a:r>
+              <a:rPr lang="zh-CN" altLang="en-US" sz="2000" dirty="0" smtClean="0">
+                <a:solidFill>
+                  <a:schemeClr val="tx1"/>
+                </a:solidFill>
+              </a:rPr>
+              <a:t>假设</a:t>
+            </a:r>
+            <a:r>
+              <a:rPr lang="zh-CN" sz="2000" dirty="0" smtClean="0">
+                <a:solidFill>
+                  <a:schemeClr val="tx1"/>
+                </a:solidFill>
+              </a:rPr>
+              <a:t>该</a:t>
+            </a:r>
+            <a:r>
+              <a:rPr sz="2000" dirty="0" smtClean="0">
+                <a:solidFill>
+                  <a:schemeClr val="tx1"/>
+                </a:solidFill>
+              </a:rPr>
+              <a:t>块二级增发总数10个ckb</a:t>
+            </a:r>
+            <a:r>
+              <a:rPr lang="en-US" sz="2000" dirty="0" smtClean="0">
+                <a:solidFill>
+                  <a:schemeClr val="tx1"/>
+                </a:solidFill>
+              </a:rPr>
+              <a:t>:</a:t>
+            </a:r>
+            <a:endParaRPr sz="2000" dirty="0" smtClean="0">
+              <a:solidFill>
+                <a:schemeClr val="tx1"/>
+              </a:solidFill>
+            </a:endParaRPr>
+          </a:p>
+          <a:p>
+            <a:pPr lvl="1" eaLnBrk="1" hangingPunct="1">
+              <a:lnSpc>
+                <a:spcPct val="200000"/>
+              </a:lnSpc>
+              <a:spcBef>
+                <a:spcPct val="0"/>
+              </a:spcBef>
+            </a:pPr>
+            <a:r>
+              <a:rPr lang="zh-CN" sz="2000" dirty="0" smtClean="0">
+                <a:solidFill>
+                  <a:schemeClr val="tx1"/>
+                </a:solidFill>
+              </a:rPr>
+              <a:t>给</a:t>
+            </a:r>
+            <a:r>
+              <a:rPr lang="en-US" altLang="zh-CN" sz="2000" dirty="0" smtClean="0">
+                <a:solidFill>
+                  <a:schemeClr val="tx1"/>
+                </a:solidFill>
+                <a:sym typeface="+mn-ea"/>
+              </a:rPr>
+              <a:t>Charles1</a:t>
+            </a:r>
+            <a:r>
+              <a:rPr lang="zh-CN" altLang="en-US" sz="2000" dirty="0" smtClean="0">
+                <a:solidFill>
+                  <a:schemeClr val="tx1"/>
+                </a:solidFill>
+                <a:sym typeface="+mn-ea"/>
+              </a:rPr>
+              <a:t>个</a:t>
+            </a:r>
+            <a:endParaRPr sz="2000" dirty="0" smtClean="0">
+              <a:solidFill>
+                <a:schemeClr val="tx1"/>
+              </a:solidFill>
+            </a:endParaRPr>
+          </a:p>
+          <a:p>
+            <a:pPr lvl="1" eaLnBrk="1" hangingPunct="1">
+              <a:lnSpc>
+                <a:spcPct val="200000"/>
+              </a:lnSpc>
+              <a:spcBef>
+                <a:spcPct val="0"/>
+              </a:spcBef>
+            </a:pPr>
+            <a:r>
+              <a:rPr lang="zh-CN" altLang="en-US" sz="2000" dirty="0" smtClean="0">
+                <a:solidFill>
+                  <a:schemeClr val="tx1"/>
+                </a:solidFill>
+                <a:sym typeface="+mn-ea"/>
+              </a:rPr>
+              <a:t>给</a:t>
+            </a:r>
+            <a:r>
+              <a:rPr lang="en-US" sz="2000" dirty="0" smtClean="0">
+                <a:solidFill>
+                  <a:schemeClr val="tx1"/>
+                </a:solidFill>
+                <a:sym typeface="+mn-ea"/>
+              </a:rPr>
+              <a:t>Bob</a:t>
+            </a:r>
+            <a:r>
+              <a:rPr sz="2000" dirty="0" smtClean="0">
+                <a:solidFill>
+                  <a:schemeClr val="tx1"/>
+                </a:solidFill>
+                <a:sym typeface="+mn-ea"/>
+              </a:rPr>
+              <a:t> 3</a:t>
+            </a:r>
+            <a:r>
+              <a:rPr lang="zh-CN" sz="2000" dirty="0" smtClean="0">
+                <a:solidFill>
+                  <a:schemeClr val="tx1"/>
+                </a:solidFill>
+                <a:sym typeface="+mn-ea"/>
+              </a:rPr>
+              <a:t>个</a:t>
+            </a:r>
+            <a:endParaRPr sz="2000" dirty="0" smtClean="0">
+              <a:solidFill>
+                <a:schemeClr val="tx1"/>
+              </a:solidFill>
+            </a:endParaRPr>
+          </a:p>
+          <a:p>
+            <a:pPr lvl="1" eaLnBrk="1" hangingPunct="1">
+              <a:lnSpc>
+                <a:spcPct val="200000"/>
+              </a:lnSpc>
+              <a:spcBef>
+                <a:spcPct val="0"/>
+              </a:spcBef>
+            </a:pPr>
+            <a:r>
+              <a:rPr sz="2000" dirty="0" smtClean="0">
+                <a:solidFill>
+                  <a:schemeClr val="tx1"/>
+                </a:solidFill>
+                <a:sym typeface="+mn-ea"/>
+              </a:rPr>
+              <a:t>6</a:t>
+            </a:r>
+            <a:r>
+              <a:rPr lang="zh-CN" sz="2000" dirty="0" smtClean="0">
+                <a:solidFill>
+                  <a:schemeClr val="tx1"/>
+                </a:solidFill>
+                <a:sym typeface="+mn-ea"/>
+              </a:rPr>
+              <a:t>个销毁</a:t>
+            </a:r>
+            <a:endParaRPr lang="zh-CN" sz="2000" dirty="0" smtClean="0">
+              <a:solidFill>
+                <a:schemeClr val="tx1"/>
+              </a:solidFill>
+              <a:sym typeface="+mn-ea"/>
+            </a:endParaRPr>
+          </a:p>
+        </p:txBody>
+      </p:sp>
+    </p:spTree>
+  </p:cSld>
+  <p:clrMapOvr>
+    <a:masterClrMapping/>
+  </p:clrMapOvr>
+  <p:timing>
+    <p:tnLst>
+      <p:par>
+        <p:cTn id="1" dur="indefinite" restart="never" nodeType="tmRoot"/>
+      </p:par>
+    </p:tnLst>
+  </p:timing>
+</p:sld>
+</file>
+
+<file path=ppt/slides/slide11.xml><?xml version="1.0" encoding="utf-8"?>
 <p:sld xmlns:a="http://schemas.openxmlformats.org/drawingml/2006/main" xmlns:r="http://schemas.openxmlformats.org/officeDocument/2006/relationships" xmlns:p="http://schemas.openxmlformats.org/presentationml/2006/main">
   <p:cSld>
     <p:spTree>
@@ -15934,7 +17029,7 @@
           </p:xfrm>
           <a:graphic>
             <a:graphicData uri="http://schemas.openxmlformats.org/drawingml/2006/chart">
-              <c:chart xmlns:c="http://schemas.openxmlformats.org/drawingml/2006/chart" xmlns:r="http://schemas.openxmlformats.org/officeDocument/2006/relationships" r:id="rId4"/>
+              <c:chart xmlns:c="http://schemas.openxmlformats.org/drawingml/2006/chart" xmlns:r="http://schemas.openxmlformats.org/officeDocument/2006/relationships" r:id="rId1"/>
             </a:graphicData>
           </a:graphic>
         </p:graphicFrame>
@@ -16025,7 +17120,7 @@
           </p:xfrm>
           <a:graphic>
             <a:graphicData uri="http://schemas.openxmlformats.org/drawingml/2006/chart">
-              <c:chart xmlns:c="http://schemas.openxmlformats.org/drawingml/2006/chart" xmlns:r="http://schemas.openxmlformats.org/officeDocument/2006/relationships" r:id="rId5"/>
+              <c:chart xmlns:c="http://schemas.openxmlformats.org/drawingml/2006/chart" xmlns:r="http://schemas.openxmlformats.org/officeDocument/2006/relationships" r:id="rId2"/>
             </a:graphicData>
           </a:graphic>
         </p:graphicFrame>
@@ -16685,7 +17780,7 @@
 </p:sld>
 </file>
 
-<file path=ppt/slides/slide11.xml><?xml version="1.0" encoding="utf-8"?>
+<file path=ppt/slides/slide12.xml><?xml version="1.0" encoding="utf-8"?>
 <p:sld xmlns:a="http://schemas.openxmlformats.org/drawingml/2006/main" xmlns:r="http://schemas.openxmlformats.org/officeDocument/2006/relationships" xmlns:p="http://schemas.openxmlformats.org/presentationml/2006/main">
   <p:cSld>
     <p:spTree>
@@ -16711,7 +17806,7 @@
           <p:nvPr/>
         </p:nvPicPr>
         <p:blipFill>
-          <a:blip r:embed="rId3"/>
+          <a:blip r:embed="rId1"/>
           <a:stretch>
             <a:fillRect/>
           </a:stretch>
@@ -17082,7 +18177,7 @@
         <p:spPr>
           <a:xfrm>
             <a:off x="207433" y="1081616"/>
-            <a:ext cx="7971806" cy="4524315"/>
+            <a:ext cx="7971806" cy="4523105"/>
           </a:xfrm>
           <a:prstGeom prst="rect">
             <a:avLst/>
@@ -17210,6 +18305,78 @@
             </a:endParaRPr>
           </a:p>
           <a:p>
+            <a:pPr lvl="1" algn="l" eaLnBrk="1" hangingPunct="1">
+              <a:lnSpc>
+                <a:spcPct val="200000"/>
+              </a:lnSpc>
+              <a:spcBef>
+                <a:spcPct val="0"/>
+              </a:spcBef>
+              <a:buFont typeface="Arial" panose="020B0604020202090204" pitchFamily="34" charset="0"/>
+              <a:buChar char="•"/>
+            </a:pPr>
+            <a:r>
+              <a:rPr lang="zh-CN" altLang="en-US" dirty="0" smtClean="0"/>
+              <a:t>避免</a:t>
+            </a:r>
+            <a:r>
+              <a:rPr lang="en-US" altLang="zh-CN" dirty="0"/>
+              <a:t>【</a:t>
+            </a:r>
+            <a:r>
+              <a:rPr lang="zh-CN" altLang="en-US" dirty="0"/>
+              <a:t>一次性支付，永远占用</a:t>
+            </a:r>
+            <a:r>
+              <a:rPr lang="en-US" altLang="zh-CN" dirty="0"/>
+              <a:t>】</a:t>
+            </a:r>
+            <a:r>
+              <a:rPr lang="zh-CN" altLang="en-US" dirty="0"/>
+              <a:t>的状态存储</a:t>
+            </a:r>
+            <a:r>
+              <a:rPr lang="zh-CN" altLang="en-US" dirty="0" smtClean="0"/>
+              <a:t>模型</a:t>
+            </a:r>
+            <a:endParaRPr lang="en-US" altLang="zh-CN" dirty="0" smtClean="0"/>
+          </a:p>
+          <a:p>
+            <a:pPr lvl="1" algn="l" eaLnBrk="1" hangingPunct="1">
+              <a:lnSpc>
+                <a:spcPct val="200000"/>
+              </a:lnSpc>
+              <a:spcBef>
+                <a:spcPct val="0"/>
+              </a:spcBef>
+              <a:buFont typeface="Arial" panose="020B0604020202090204" pitchFamily="34" charset="0"/>
+              <a:buChar char="•"/>
+            </a:pPr>
+            <a:r>
+              <a:rPr lang="zh-CN" altLang="en-US" dirty="0" smtClean="0"/>
+              <a:t>开发者</a:t>
+            </a:r>
+            <a:r>
+              <a:rPr lang="zh-CN" altLang="en-US" dirty="0"/>
+              <a:t>会自愿清除</a:t>
+            </a:r>
+            <a:r>
+              <a:rPr lang="zh-CN" altLang="en-US" dirty="0" smtClean="0"/>
+              <a:t>数据，以减少</a:t>
+            </a:r>
+            <a:r>
+              <a:rPr lang="zh-CN" altLang="en-US" dirty="0"/>
+              <a:t>全局状态的</a:t>
+            </a:r>
+            <a:r>
+              <a:rPr lang="zh-CN" altLang="en-US" dirty="0" smtClean="0"/>
+              <a:t>占用</a:t>
+            </a:r>
+            <a:endParaRPr lang="en-US" altLang="zh-CN" i="1" dirty="0" smtClean="0">
+              <a:sym typeface="+mn-ea"/>
+            </a:endParaRPr>
+          </a:p>
+          <a:p>
             <a:pPr lvl="0" algn="l" eaLnBrk="1" hangingPunct="1">
               <a:lnSpc>
                 <a:spcPct val="200000"/>
@@ -17221,78 +18388,6 @@
               <a:buChar char="•"/>
             </a:pPr>
             <a:r>
-              <a:rPr lang="zh-CN" altLang="en-US" dirty="0" smtClean="0"/>
-              <a:t>避免</a:t>
-            </a:r>
-            <a:r>
-              <a:rPr lang="en-US" altLang="zh-CN" dirty="0"/>
-              <a:t>【</a:t>
-            </a:r>
-            <a:r>
-              <a:rPr lang="zh-CN" altLang="en-US" dirty="0"/>
-              <a:t>一次性支付，永远占用</a:t>
-            </a:r>
-            <a:r>
-              <a:rPr lang="en-US" altLang="zh-CN" dirty="0"/>
-              <a:t>】</a:t>
-            </a:r>
-            <a:r>
-              <a:rPr lang="zh-CN" altLang="en-US" dirty="0"/>
-              <a:t>的状态存储</a:t>
-            </a:r>
-            <a:r>
-              <a:rPr lang="zh-CN" altLang="en-US" dirty="0" smtClean="0"/>
-              <a:t>模型</a:t>
-            </a:r>
-            <a:endParaRPr lang="en-US" altLang="zh-CN" dirty="0" smtClean="0"/>
-          </a:p>
-          <a:p>
-            <a:pPr lvl="0" algn="l" eaLnBrk="1" hangingPunct="1">
-              <a:lnSpc>
-                <a:spcPct val="200000"/>
-              </a:lnSpc>
-              <a:spcBef>
-                <a:spcPct val="0"/>
-              </a:spcBef>
-              <a:buFont typeface="Arial" panose="020B0604020202090204" pitchFamily="34" charset="0"/>
-              <a:buChar char="•"/>
-            </a:pPr>
-            <a:r>
-              <a:rPr lang="zh-CN" altLang="en-US" dirty="0" smtClean="0"/>
-              <a:t>开发者</a:t>
-            </a:r>
-            <a:r>
-              <a:rPr lang="zh-CN" altLang="en-US" dirty="0"/>
-              <a:t>会自愿清除</a:t>
-            </a:r>
-            <a:r>
-              <a:rPr lang="zh-CN" altLang="en-US" dirty="0" smtClean="0"/>
-              <a:t>数据，以减少</a:t>
-            </a:r>
-            <a:r>
-              <a:rPr lang="zh-CN" altLang="en-US" dirty="0"/>
-              <a:t>全局状态的</a:t>
-            </a:r>
-            <a:r>
-              <a:rPr lang="zh-CN" altLang="en-US" dirty="0" smtClean="0"/>
-              <a:t>占用</a:t>
-            </a:r>
-            <a:endParaRPr lang="en-US" altLang="zh-CN" i="1" dirty="0" smtClean="0">
-              <a:sym typeface="+mn-ea"/>
-            </a:endParaRPr>
-          </a:p>
-          <a:p>
-            <a:pPr lvl="0" algn="l" eaLnBrk="1" hangingPunct="1">
-              <a:lnSpc>
-                <a:spcPct val="200000"/>
-              </a:lnSpc>
-              <a:spcBef>
-                <a:spcPct val="0"/>
-              </a:spcBef>
-              <a:buFont typeface="Arial" panose="020B0604020202090204" pitchFamily="34" charset="0"/>
-              <a:buChar char="•"/>
-            </a:pPr>
-            <a:r>
               <a:rPr lang="zh-CN" altLang="en-US" i="1" dirty="0" smtClean="0">
                 <a:sym typeface="+mn-ea"/>
               </a:rPr>
@@ -17329,11 +18424,7 @@
             </a:r>
             <a:r>
               <a:rPr lang="zh-CN" altLang="en-US" dirty="0" smtClean="0"/>
-              <a:t>智能合约获得</a:t>
-            </a:r>
-            <a:r>
-              <a:rPr lang="zh-CN" altLang="en-US" dirty="0" smtClean="0"/>
-              <a:t>收益</a:t>
+              <a:t>智能合约获得收益</a:t>
             </a:r>
             <a:endParaRPr lang="en-US" altLang="zh-CN" dirty="0" smtClean="0"/>
           </a:p>
@@ -17385,7 +18476,7 @@
 </p:sld>
 </file>
 
-<file path=ppt/slides/slide12.xml><?xml version="1.0" encoding="utf-8"?>
+<file path=ppt/slides/slide13.xml><?xml version="1.0" encoding="utf-8"?>
 <p:sld xmlns:a="http://schemas.openxmlformats.org/drawingml/2006/main" xmlns:r="http://schemas.openxmlformats.org/officeDocument/2006/relationships" xmlns:p="http://schemas.openxmlformats.org/presentationml/2006/main">
   <p:cSld>
     <p:spTree>
@@ -17411,7 +18502,7 @@
           <p:nvPr/>
         </p:nvPicPr>
         <p:blipFill>
-          <a:blip r:embed="rId3"/>
+          <a:blip r:embed="rId1"/>
           <a:stretch>
             <a:fillRect/>
           </a:stretch>
@@ -17802,7 +18893,7 @@
         <p:spPr>
           <a:xfrm>
             <a:off x="207433" y="1315525"/>
-            <a:ext cx="11211934" cy="4524315"/>
+            <a:ext cx="11211934" cy="4523105"/>
           </a:xfrm>
           <a:prstGeom prst="rect">
             <a:avLst/>
@@ -17927,15 +19018,15 @@
             </a:r>
             <a:r>
               <a:rPr lang="en-US" altLang="zh-CN" dirty="0"/>
-              <a:t>DAO </a:t>
+              <a:t>DAO : </a:t>
             </a:r>
             <a:r>
               <a:rPr lang="zh-CN" altLang="en-US" dirty="0"/>
-              <a:t>是</a:t>
+              <a:t>一个</a:t>
             </a:r>
             <a:r>
               <a:rPr lang="zh-CN" altLang="en-US" dirty="0" smtClean="0"/>
-              <a:t>一个定期存款智能合约，最小存款周期约</a:t>
+              <a:t>定期存款智能合约。最小存款周期约</a:t>
             </a:r>
             <a:r>
               <a:rPr lang="en-US" altLang="zh-CN" dirty="0" smtClean="0"/>
@@ -17966,11 +19057,7 @@
             </a:r>
             <a:r>
               <a:rPr lang="zh-CN" altLang="en-US" dirty="0" smtClean="0"/>
-              <a:t>将流通</a:t>
-            </a:r>
-            <a:r>
-              <a:rPr lang="zh-CN" altLang="en-US" dirty="0" smtClean="0"/>
-              <a:t>状态的 </a:t>
+              <a:t>将流通状态的 </a:t>
             </a:r>
             <a:r>
               <a:rPr lang="en-US" altLang="zh-CN" dirty="0"/>
@@ -17986,7 +19073,15 @@
             </a:r>
             <a:r>
               <a:rPr lang="en-US" altLang="zh-CN" dirty="0"/>
-              <a:t> DAO </a:t>
+              <a:t> DAO</a:t>
+            </a:r>
+            <a:r>
+              <a:rPr lang="zh-CN" altLang="en-US" dirty="0"/>
+              <a:t>获取收益</a:t>
+            </a:r>
+            <a:r>
+              <a:rPr lang="en-US" altLang="zh-CN" dirty="0"/>
+              <a:t> </a:t>
             </a:r>
             <a:endParaRPr lang="en-US" altLang="zh-CN" dirty="0" smtClean="0"/>
           </a:p>
@@ -18001,7 +19096,7 @@
             </a:pPr>
             <a:r>
               <a:rPr lang="zh-CN" altLang="en-US" dirty="0"/>
-              <a:t>冷冻状态</a:t>
+              <a:t>冷冻的</a:t>
             </a:r>
             <a:r>
               <a:rPr lang="en-US" altLang="zh-CN" dirty="0" smtClean="0"/>
@@ -18036,19 +19131,7 @@
             </a:pPr>
             <a:r>
               <a:rPr lang="zh-CN" altLang="en-US" dirty="0" smtClean="0"/>
-              <a:t>只</a:t>
-            </a:r>
-            <a:r>
-              <a:rPr lang="zh-CN" altLang="en-US" dirty="0"/>
-              <a:t>能</a:t>
-            </a:r>
-            <a:r>
-              <a:rPr lang="zh-CN" altLang="en-US" dirty="0" smtClean="0"/>
-              <a:t>在存款期的整数倍之后</a:t>
-            </a:r>
-            <a:r>
-              <a:rPr lang="zh-CN" altLang="en-US" dirty="0" smtClean="0"/>
-              <a:t>取款</a:t>
+              <a:t>取款时间有限制</a:t>
             </a:r>
             <a:endParaRPr lang="en-US" altLang="zh-CN" dirty="0" smtClean="0"/>
           </a:p>
@@ -18062,8 +19145,8 @@
               </a:spcBef>
             </a:pPr>
             <a:r>
-              <a:rPr lang="en-US" altLang="zh-CN" dirty="0" smtClean="0"/>
-              <a:t>Alice</a:t>
+              <a:rPr lang="zh-CN" altLang="en-US" dirty="0" smtClean="0"/>
+              <a:t>比如</a:t>
             </a:r>
             <a:r>
               <a:rPr lang="zh-CN" altLang="en-US" dirty="0" smtClean="0"/>
@@ -18091,7 +19174,7 @@
             </a:r>
             <a:r>
               <a:rPr lang="zh-CN" altLang="en-US" dirty="0" smtClean="0"/>
-              <a:t>，那么她只能在以后某个月</a:t>
+              <a:t>，那只能在以后某个月</a:t>
             </a:r>
             <a:r>
               <a:rPr lang="en-US" altLang="zh-CN" dirty="0" smtClean="0"/>
@@ -18114,11 +19197,7 @@
             </a:pPr>
             <a:r>
               <a:rPr lang="zh-CN" altLang="en-US" dirty="0" smtClean="0"/>
-              <a:t>抹</a:t>
-            </a:r>
-            <a:r>
-              <a:rPr lang="zh-CN" altLang="en-US" dirty="0" smtClean="0"/>
-              <a:t>茶交易所已经上线</a:t>
+              <a:t>抹茶已上线</a:t>
             </a:r>
             <a:r>
               <a:rPr lang="en-US" altLang="zh-CN" dirty="0" smtClean="0"/>
@@ -18126,23 +19205,19 @@
             </a:r>
             <a:r>
               <a:rPr lang="zh-CN" altLang="en-US" dirty="0" smtClean="0"/>
-              <a:t>锁仓挖矿，年化利率约</a:t>
+              <a:t>锁仓功能</a:t>
+            </a:r>
+            <a:r>
+              <a:rPr lang="zh-CN" altLang="en-US" dirty="0" smtClean="0"/>
+              <a:t>，年化利率约</a:t>
             </a:r>
             <a:r>
               <a:rPr lang="en-US" altLang="zh-CN" dirty="0" smtClean="0"/>
-              <a:t>3</a:t>
-            </a:r>
-            <a:r>
-              <a:rPr lang="en-US" altLang="zh-CN" dirty="0" smtClean="0"/>
-              <a:t>%.</a:t>
+              <a:t>3%.</a:t>
             </a:r>
             <a:r>
               <a:rPr lang="zh-CN" altLang="en-US" dirty="0" smtClean="0"/>
-              <a:t>  火</a:t>
-            </a:r>
-            <a:r>
-              <a:rPr lang="zh-CN" altLang="en-US" dirty="0" smtClean="0"/>
-              <a:t>币仅上线币币交易</a:t>
+              <a:t>  火币仅上线币币交易</a:t>
             </a:r>
             <a:endParaRPr lang="en-US" altLang="zh-CN" dirty="0" smtClean="0"/>
           </a:p>
@@ -18163,7 +19238,7 @@
 </p:sld>
 </file>
 
-<file path=ppt/slides/slide13.xml><?xml version="1.0" encoding="utf-8"?>
+<file path=ppt/slides/slide14.xml><?xml version="1.0" encoding="utf-8"?>
 <p:sld xmlns:a="http://schemas.openxmlformats.org/drawingml/2006/main" xmlns:r="http://schemas.openxmlformats.org/officeDocument/2006/relationships" xmlns:p="http://schemas.openxmlformats.org/presentationml/2006/main">
   <p:cSld>
     <p:spTree>
@@ -18198,12 +19273,12 @@
           <a:graphicData uri="http://schemas.openxmlformats.org/presentationml/2006/ole">
             <mc:AlternateContent xmlns:mc="http://schemas.openxmlformats.org/markup-compatibility/2006">
               <mc:Choice xmlns:v="urn:schemas-microsoft-com:vml" Requires="v">
-                <p:oleObj spid="_x0000_s6233" r:id="rId4" imgW="6502400" imgH="3657600" progId="Package">
+                <p:oleObj spid="_x0000_s6233" name="" r:id="rId1" imgW="6502400" imgH="3657600" progId="Package">
                   <p:embed/>
                 </p:oleObj>
               </mc:Choice>
               <mc:Fallback>
-                <p:oleObj r:id="rId4" imgW="6502400" imgH="3657600" progId="Package">
+                <p:oleObj name="" r:id="rId1" imgW="6502400" imgH="3657600" progId="Package">
                   <p:embed/>
                   <p:pic>
                     <p:nvPicPr>
@@ -18212,7 +19287,7 @@
                       <p:nvPr/>
                     </p:nvPicPr>
                     <p:blipFill>
-                      <a:blip r:embed="rId5"/>
+                      <a:blip r:embed="rId2"/>
                       <a:stretch>
                         <a:fillRect/>
                       </a:stretch>
@@ -18242,7 +19317,7 @@
           <p:nvPr/>
         </p:nvPicPr>
         <p:blipFill>
-          <a:blip r:embed="rId6"/>
+          <a:blip r:embed="rId3"/>
           <a:stretch>
             <a:fillRect/>
           </a:stretch>
@@ -18545,6 +19620,7 @@
               <a:rPr lang="en-US" altLang="zh-CN" sz="6600" i="1" dirty="0" err="1" smtClean="0"/>
               <a:t>Thanks</a:t>
             </a:r>
+            <a:endParaRPr lang="en-US" altLang="zh-CN" sz="6600" i="1" dirty="0" err="1" smtClean="0"/>
           </a:p>
         </p:txBody>
       </p:sp>
@@ -18612,7 +19688,7 @@
           <p:nvPr/>
         </p:nvPicPr>
         <p:blipFill>
-          <a:blip r:embed="rId3"/>
+          <a:blip r:embed="rId1"/>
           <a:stretch>
             <a:fillRect/>
           </a:stretch>
@@ -19163,6 +20239,11 @@
               </a:rPr>
               <a:t>POW</a:t>
             </a:r>
+            <a:endParaRPr lang="en-US" altLang="zh-CN" sz="2800" b="1" dirty="0" smtClean="0">
+              <a:latin typeface="Arial" panose="020B0604020202090204" pitchFamily="34" charset="0"/>
+              <a:ea typeface="SimSun" pitchFamily="2" charset="-122"/>
+              <a:sym typeface="+mn-ea"/>
+            </a:endParaRPr>
           </a:p>
           <a:p>
             <a:pPr marL="914400" lvl="1" indent="-514350" eaLnBrk="1" hangingPunct="1">
@@ -19298,7 +20379,7 @@
           <p:nvPr/>
         </p:nvPicPr>
         <p:blipFill>
-          <a:blip r:embed="rId3"/>
+          <a:blip r:embed="rId2"/>
           <a:stretch>
             <a:fillRect/>
           </a:stretch>
@@ -19817,8 +20898,8 @@
         </p:nvSpPr>
         <p:spPr>
           <a:xfrm>
-            <a:off x="0" y="1087008"/>
-            <a:ext cx="3383279" cy="5213735"/>
+            <a:off x="0" y="1029223"/>
+            <a:ext cx="3383279" cy="5541645"/>
           </a:xfrm>
           <a:prstGeom prst="rect">
             <a:avLst/>
@@ -20156,6 +21237,14 @@
               </a:rPr>
               <a:t>)</a:t>
             </a:r>
+            <a:endParaRPr lang="en-US" altLang="zh-CN" sz="1600" i="1" dirty="0" smtClean="0">
+              <a:solidFill>
+                <a:schemeClr val="accent6">
+                  <a:lumMod val="75000"/>
+                </a:schemeClr>
+              </a:solidFill>
+              <a:latin typeface="+mn-ea"/>
+            </a:endParaRPr>
           </a:p>
           <a:p>
             <a:pPr lvl="1"/>
@@ -20406,7 +21495,7 @@
                 </a:solidFill>
                 <a:latin typeface="+mn-ea"/>
               </a:rPr>
-              <a:t>252</a:t>
+              <a:t>336</a:t>
             </a:r>
             <a:r>
               <a:rPr lang="zh-CN" altLang="en-US" sz="1800" i="1" dirty="0" smtClean="0">
@@ -20417,7 +21506,43 @@
               </a:rPr>
               <a:t>亿</a:t>
             </a:r>
-            <a:endParaRPr lang="en-US" altLang="zh-CN" sz="1800" i="1" dirty="0" smtClean="0">
+            <a:endParaRPr lang="zh-CN" altLang="en-US" sz="1800" i="1" dirty="0" smtClean="0">
+              <a:solidFill>
+                <a:schemeClr val="accent5"/>
+              </a:solidFill>
+              <a:latin typeface="+mn-ea"/>
+            </a:endParaRPr>
+          </a:p>
+          <a:p>
+            <a:pPr lvl="1"/>
+            <a:r>
+              <a:rPr lang="zh-CN" altLang="en-US" sz="1800" i="1" dirty="0" smtClean="0">
+                <a:solidFill>
+                  <a:schemeClr val="accent5"/>
+                </a:solidFill>
+                <a:latin typeface="+mn-ea"/>
+              </a:rPr>
+              <a:t>其中</a:t>
+            </a:r>
+            <a:r>
+              <a:rPr lang="en-US" altLang="zh-CN" sz="1800" i="1" dirty="0" smtClean="0">
+                <a:solidFill>
+                  <a:schemeClr val="accent5"/>
+                </a:solidFill>
+                <a:latin typeface="+mn-ea"/>
+              </a:rPr>
+              <a:t>84</a:t>
+            </a:r>
+            <a:r>
+              <a:rPr lang="zh-CN" altLang="en-US" sz="1800" i="1" dirty="0" smtClean="0">
+                <a:solidFill>
+                  <a:schemeClr val="accent5"/>
+                </a:solidFill>
+                <a:latin typeface="+mn-ea"/>
+              </a:rPr>
+              <a:t>亿封在黑洞地址</a:t>
+            </a:r>
+            <a:endParaRPr lang="zh-CN" altLang="en-US" sz="1800" i="1" dirty="0" smtClean="0">
               <a:solidFill>
                 <a:schemeClr val="accent5"/>
               </a:solidFill>
@@ -20438,7 +21563,7 @@
         </p:xfrm>
         <a:graphic>
           <a:graphicData uri="http://schemas.openxmlformats.org/drawingml/2006/chart">
-            <c:chart xmlns:c="http://schemas.openxmlformats.org/drawingml/2006/chart" xmlns:r="http://schemas.openxmlformats.org/officeDocument/2006/relationships" r:id="rId4"/>
+            <c:chart xmlns:c="http://schemas.openxmlformats.org/drawingml/2006/chart" xmlns:r="http://schemas.openxmlformats.org/officeDocument/2006/relationships" r:id="rId1"/>
           </a:graphicData>
         </a:graphic>
       </p:graphicFrame>
@@ -20878,8 +22003,8 @@
         </p:nvSpPr>
         <p:spPr>
           <a:xfrm>
-            <a:off x="21890" y="1374706"/>
-            <a:ext cx="5039208" cy="4832092"/>
+            <a:off x="0" y="1374775"/>
+            <a:ext cx="5295265" cy="4831080"/>
           </a:xfrm>
           <a:prstGeom prst="rect">
             <a:avLst/>
@@ -21027,6 +22152,10 @@
               <a:rPr lang="zh-CN" altLang="en-US" sz="1400" dirty="0"/>
               <a:t>亿美元</a:t>
             </a:r>
+            <a:r>
+              <a:rPr lang="en-US" altLang="zh-CN" sz="1400" dirty="0"/>
+              <a:t>:</a:t>
+            </a:r>
             <a:endParaRPr lang="en-US" altLang="zh-CN" sz="1400" dirty="0" smtClean="0">
               <a:sym typeface="+mn-ea"/>
             </a:endParaRPr>
@@ -21117,11 +22246,19 @@
             </a:r>
             <a:r>
               <a:rPr lang="zh-CN" altLang="en-US" sz="1400" dirty="0" smtClean="0"/>
-              <a:t>，上线</a:t>
-            </a:r>
-            <a:r>
-              <a:rPr lang="zh-CN" altLang="en-US" sz="1400" dirty="0"/>
-              <a:t>后直接流通</a:t>
+              <a:t>，</a:t>
+            </a:r>
+            <a:r>
+              <a:rPr lang="zh-CN" altLang="en-US" sz="1400" dirty="0" smtClean="0">
+                <a:sym typeface="+mn-ea"/>
+              </a:rPr>
+              <a:t>上线即</a:t>
+            </a:r>
+            <a:r>
+              <a:rPr lang="zh-CN" altLang="en-US" sz="1400" dirty="0">
+                <a:sym typeface="+mn-ea"/>
+              </a:rPr>
+              <a:t>流通</a:t>
             </a:r>
             <a:endParaRPr lang="en-US" altLang="zh-CN" sz="1400" dirty="0" smtClean="0">
               <a:sym typeface="+mn-ea"/>
@@ -21173,8 +22310,10 @@
               <a:t>上线即</a:t>
             </a:r>
             <a:r>
-              <a:rPr lang="zh-CN" altLang="en-US" sz="1400" dirty="0"/>
-              <a:t>释放，不锁仓</a:t>
+              <a:rPr lang="zh-CN" altLang="en-US" sz="1400" dirty="0">
+                <a:sym typeface="+mn-ea"/>
+              </a:rPr>
+              <a:t>流通</a:t>
             </a:r>
             <a:endParaRPr lang="en-US" altLang="zh-CN" sz="1400" dirty="0" smtClean="0">
               <a:sym typeface="+mn-ea"/>
@@ -21262,131 +22401,6 @@
                 <a:sym typeface="+mn-ea"/>
               </a:rPr>
               <a:t>33%-50%-66%-100%</a:t>
-            </a:r>
-          </a:p>
-          <a:p>
-            <a:pPr marL="857250" lvl="1" indent="-457200" eaLnBrk="1" hangingPunct="1">
-              <a:lnSpc>
-                <a:spcPct val="200000"/>
-              </a:lnSpc>
-              <a:spcBef>
-                <a:spcPct val="0"/>
-              </a:spcBef>
-              <a:buFont typeface="+mj-lt"/>
-              <a:buAutoNum type="arabicPeriod"/>
-            </a:pPr>
-            <a:r>
-              <a:rPr lang="zh-CN" altLang="en-US" sz="1400" b="1" dirty="0" smtClean="0">
-                <a:solidFill>
-                  <a:srgbClr val="FF0000"/>
-                </a:solidFill>
-                <a:sym typeface="+mn-ea"/>
-              </a:rPr>
-              <a:t>私募</a:t>
-            </a:r>
-            <a:r>
-              <a:rPr lang="en-US" altLang="zh-CN" sz="1400" b="1" dirty="0" smtClean="0">
-                <a:solidFill>
-                  <a:srgbClr val="FF0000"/>
-                </a:solidFill>
-                <a:sym typeface="+mn-ea"/>
-              </a:rPr>
-              <a:t>(47</a:t>
-            </a:r>
-            <a:r>
-              <a:rPr lang="zh-CN" altLang="en-US" sz="1400" b="1" dirty="0" smtClean="0">
-                <a:solidFill>
-                  <a:srgbClr val="FF0000"/>
-                </a:solidFill>
-                <a:sym typeface="+mn-ea"/>
-              </a:rPr>
-              <a:t>亿</a:t>
-            </a:r>
-            <a:r>
-              <a:rPr lang="en-US" altLang="zh-CN" sz="1400" b="1" dirty="0" smtClean="0">
-                <a:solidFill>
-                  <a:srgbClr val="FF0000"/>
-                </a:solidFill>
-                <a:sym typeface="+mn-ea"/>
-              </a:rPr>
-              <a:t>):</a:t>
-            </a:r>
-            <a:r>
-              <a:rPr lang="zh-CN" altLang="en-US" sz="1400" b="1" dirty="0" smtClean="0">
-                <a:solidFill>
-                  <a:srgbClr val="FF0000"/>
-                </a:solidFill>
-                <a:sym typeface="+mn-ea"/>
-              </a:rPr>
-              <a:t> 价格</a:t>
-            </a:r>
-            <a:r>
-              <a:rPr lang="en-US" altLang="zh-CN" sz="1400" b="1" dirty="0" smtClean="0">
-                <a:solidFill>
-                  <a:srgbClr val="FF0000"/>
-                </a:solidFill>
-                <a:sym typeface="+mn-ea"/>
-              </a:rPr>
-              <a:t>0.006USD</a:t>
-            </a:r>
-            <a:r>
-              <a:rPr lang="zh-CN" altLang="en-US" sz="1400" b="1" dirty="0" smtClean="0">
-                <a:solidFill>
-                  <a:srgbClr val="FF0000"/>
-                </a:solidFill>
-                <a:sym typeface="+mn-ea"/>
-              </a:rPr>
-              <a:t>，</a:t>
-            </a:r>
-            <a:r>
-              <a:rPr lang="zh-CN" altLang="en-US" sz="1400" b="1" dirty="0">
-                <a:solidFill>
-                  <a:srgbClr val="FF0000"/>
-                </a:solidFill>
-              </a:rPr>
-              <a:t>上线即</a:t>
-            </a:r>
-            <a:r>
-              <a:rPr lang="zh-CN" altLang="en-US" sz="1400" b="1" dirty="0" smtClean="0">
-                <a:solidFill>
-                  <a:srgbClr val="FF0000"/>
-                </a:solidFill>
-              </a:rPr>
-              <a:t>释放</a:t>
-            </a:r>
-            <a:r>
-              <a:rPr lang="en-US" altLang="zh-CN" sz="1400" b="1" dirty="0" smtClean="0">
-                <a:solidFill>
-                  <a:srgbClr val="FF0000"/>
-                </a:solidFill>
-              </a:rPr>
-              <a:t>66%</a:t>
-            </a:r>
-            <a:r>
-              <a:rPr lang="zh-CN" altLang="en-US" sz="1400" b="1" dirty="0" smtClean="0">
-                <a:solidFill>
-                  <a:srgbClr val="FF0000"/>
-                </a:solidFill>
-              </a:rPr>
-              <a:t>，到</a:t>
-            </a:r>
-            <a:r>
-              <a:rPr lang="en-US" altLang="zh-CN" sz="1400" b="1" dirty="0" smtClean="0">
-                <a:solidFill>
-                  <a:srgbClr val="FF0000"/>
-                </a:solidFill>
-                <a:sym typeface="+mn-ea"/>
-              </a:rPr>
-              <a:t>2020</a:t>
-            </a:r>
-            <a:r>
-              <a:rPr lang="zh-CN" altLang="en-US" sz="1400" b="1" dirty="0" smtClean="0">
-                <a:solidFill>
-                  <a:srgbClr val="FF0000"/>
-                </a:solidFill>
-                <a:sym typeface="+mn-ea"/>
-              </a:rPr>
-              <a:t>年全部解锁</a:t>
             </a:r>
             <a:endParaRPr lang="en-US" altLang="zh-CN" sz="1400" b="1" dirty="0" smtClean="0">
               <a:solidFill>
@@ -21413,7 +22427,7 @@
                 </a:solidFill>
                 <a:sym typeface="+mn-ea"/>
               </a:rPr>
-              <a:t>公募</a:t>
+              <a:t>私募</a:t>
             </a:r>
             <a:r>
               <a:rPr lang="en-US" altLang="zh-CN" sz="1400" b="1" dirty="0" smtClean="0">
@@ -21422,7 +22436,7 @@
                 </a:solidFill>
                 <a:sym typeface="+mn-ea"/>
               </a:rPr>
-              <a:t>(67</a:t>
+              <a:t>(47</a:t>
             </a:r>
             <a:r>
               <a:rPr lang="zh-CN" altLang="en-US" sz="1400" b="1" dirty="0" smtClean="0">
@@ -21449,7 +22463,7 @@
                 </a:solidFill>
                 <a:sym typeface="+mn-ea"/>
               </a:rPr>
-              <a:t> 价格</a:t>
+              <a:t> </a:t>
             </a:r>
             <a:r>
               <a:rPr lang="en-US" altLang="zh-CN" sz="1400" b="1" dirty="0" smtClean="0">
@@ -21458,7 +22472,7 @@
                 </a:solidFill>
                 <a:sym typeface="+mn-ea"/>
               </a:rPr>
-              <a:t>0.01USD</a:t>
+              <a:t>0.006USD/</a:t>
             </a:r>
             <a:r>
               <a:rPr lang="zh-CN" altLang="en-US" sz="1400" b="1" dirty="0" smtClean="0">
@@ -21467,7 +22481,58 @@
                 </a:solidFill>
                 <a:sym typeface="+mn-ea"/>
               </a:rPr>
-              <a:t>，上线即释放</a:t>
+              <a:t>个</a:t>
+            </a:r>
+            <a:r>
+              <a:rPr lang="en-US" altLang="zh-CN" sz="1400" b="1" dirty="0" smtClean="0">
+                <a:solidFill>
+                  <a:srgbClr val="FF0000"/>
+                </a:solidFill>
+                <a:sym typeface="+mn-ea"/>
+              </a:rPr>
+              <a:t>, </a:t>
+            </a:r>
+            <a:r>
+              <a:rPr lang="zh-CN" altLang="en-US" sz="1400" b="1" dirty="0">
+                <a:solidFill>
+                  <a:srgbClr val="FF0000"/>
+                </a:solidFill>
+              </a:rPr>
+              <a:t>上线即流通</a:t>
+            </a:r>
+            <a:r>
+              <a:rPr lang="en-US" altLang="zh-CN" sz="1400" b="1" dirty="0" smtClean="0">
+                <a:solidFill>
+                  <a:srgbClr val="FF0000"/>
+                </a:solidFill>
+              </a:rPr>
+              <a:t>66%, </a:t>
+            </a:r>
+            <a:r>
+              <a:rPr lang="zh-CN" altLang="en-US" sz="1400" b="1" dirty="0" smtClean="0">
+                <a:solidFill>
+                  <a:srgbClr val="FF0000"/>
+                </a:solidFill>
+              </a:rPr>
+              <a:t>到</a:t>
+            </a:r>
+            <a:r>
+              <a:rPr lang="en-US" altLang="zh-CN" sz="1400" b="1" dirty="0" smtClean="0">
+                <a:solidFill>
+                  <a:srgbClr val="FF0000"/>
+                </a:solidFill>
+                <a:sym typeface="+mn-ea"/>
+              </a:rPr>
+              <a:t>2020</a:t>
+            </a:r>
+            <a:r>
+              <a:rPr lang="zh-CN" altLang="en-US" sz="1400" b="1" dirty="0" smtClean="0">
+                <a:solidFill>
+                  <a:srgbClr val="FF0000"/>
+                </a:solidFill>
+                <a:sym typeface="+mn-ea"/>
+              </a:rPr>
+              <a:t>年全部解锁</a:t>
             </a:r>
             <a:endParaRPr lang="en-US" altLang="zh-CN" sz="1400" b="1" dirty="0" smtClean="0">
               <a:solidFill>
@@ -21494,7 +22559,7 @@
                 </a:solidFill>
                 <a:sym typeface="+mn-ea"/>
               </a:rPr>
-              <a:t>生态建设</a:t>
+              <a:t>公募</a:t>
             </a:r>
             <a:r>
               <a:rPr lang="en-US" altLang="zh-CN" sz="1400" b="1" dirty="0" smtClean="0">
@@ -21503,7 +22568,7 @@
                 </a:solidFill>
                 <a:sym typeface="+mn-ea"/>
               </a:rPr>
-              <a:t>(62</a:t>
+              <a:t>(67</a:t>
             </a:r>
             <a:r>
               <a:rPr lang="zh-CN" altLang="en-US" sz="1400" b="1" dirty="0" smtClean="0">
@@ -21524,41 +22589,38 @@
               <a:t>):</a:t>
             </a:r>
             <a:r>
-              <a:rPr lang="en-US" altLang="zh-CN" sz="1400" b="1" dirty="0">
+              <a:rPr lang="zh-CN" altLang="en-US" sz="1400" b="1" dirty="0" smtClean="0">
                 <a:solidFill>
                   <a:srgbClr val="FF0000"/>
                 </a:solidFill>
                 <a:sym typeface="+mn-ea"/>
               </a:rPr>
-              <a:t> 4</a:t>
-            </a:r>
-            <a:r>
-              <a:rPr lang="zh-CN" altLang="en-US" sz="1400" b="1" dirty="0">
+              <a:t> 价格</a:t>
+            </a:r>
+            <a:r>
+              <a:rPr lang="en-US" altLang="zh-CN" sz="1400" b="1" dirty="0" smtClean="0">
                 <a:solidFill>
                   <a:srgbClr val="FF0000"/>
                 </a:solidFill>
                 <a:sym typeface="+mn-ea"/>
               </a:rPr>
-              <a:t>年释放， </a:t>
-            </a:r>
-            <a:r>
-              <a:rPr lang="en-US" altLang="zh-CN" sz="1400" b="1" dirty="0">
+              <a:t>0.01USD</a:t>
+            </a:r>
+            <a:r>
+              <a:rPr lang="zh-CN" altLang="en-US" sz="1400" b="1" dirty="0" smtClean="0">
                 <a:solidFill>
                   <a:srgbClr val="FF0000"/>
                 </a:solidFill>
                 <a:sym typeface="+mn-ea"/>
               </a:rPr>
-              <a:t>0</a:t>
-            </a:r>
-            <a:r>
-              <a:rPr lang="en-US" altLang="zh-CN" sz="1400" b="1" dirty="0" smtClean="0">
-                <a:solidFill>
-                  <a:srgbClr val="FF0000"/>
-                </a:solidFill>
-                <a:sym typeface="+mn-ea"/>
-              </a:rPr>
-              <a:t>%-75%-75%-100%</a:t>
-            </a:r>
+              <a:t>，上线即流通</a:t>
+            </a:r>
+            <a:endParaRPr lang="en-US" altLang="zh-CN" sz="1400" b="1" dirty="0" smtClean="0">
+              <a:solidFill>
+                <a:srgbClr val="FF0000"/>
+              </a:solidFill>
+              <a:sym typeface="+mn-ea"/>
+            </a:endParaRPr>
           </a:p>
           <a:p>
             <a:pPr marL="857250" lvl="1" indent="-457200" eaLnBrk="1" hangingPunct="1">
@@ -21572,6 +22634,105 @@
               <a:buAutoNum type="arabicPeriod"/>
             </a:pPr>
             <a:r>
+              <a:rPr lang="zh-CN" altLang="en-US" sz="1400" b="1" dirty="0" smtClean="0">
+                <a:solidFill>
+                  <a:srgbClr val="FF0000"/>
+                </a:solidFill>
+                <a:sym typeface="+mn-ea"/>
+              </a:rPr>
+              <a:t>生态建设</a:t>
+            </a:r>
+            <a:r>
+              <a:rPr lang="en-US" altLang="zh-CN" sz="1400" b="1" dirty="0" smtClean="0">
+                <a:solidFill>
+                  <a:srgbClr val="FF0000"/>
+                </a:solidFill>
+                <a:sym typeface="+mn-ea"/>
+              </a:rPr>
+              <a:t>(62</a:t>
+            </a:r>
+            <a:r>
+              <a:rPr lang="zh-CN" altLang="en-US" sz="1400" b="1" dirty="0" smtClean="0">
+                <a:solidFill>
+                  <a:srgbClr val="FF0000"/>
+                </a:solidFill>
+                <a:sym typeface="+mn-ea"/>
+              </a:rPr>
+              <a:t>亿</a:t>
+            </a:r>
+            <a:r>
+              <a:rPr lang="en-US" altLang="zh-CN" sz="1400" b="1" dirty="0" smtClean="0">
+                <a:solidFill>
+                  <a:srgbClr val="FF0000"/>
+                </a:solidFill>
+                <a:sym typeface="+mn-ea"/>
+              </a:rPr>
+              <a:t>):</a:t>
+            </a:r>
+            <a:r>
+              <a:rPr lang="en-US" altLang="zh-CN" sz="1400" b="1" dirty="0">
+                <a:solidFill>
+                  <a:srgbClr val="FF0000"/>
+                </a:solidFill>
+                <a:sym typeface="+mn-ea"/>
+              </a:rPr>
+              <a:t> 4</a:t>
+            </a:r>
+            <a:r>
+              <a:rPr lang="zh-CN" altLang="en-US" sz="1400" b="1" dirty="0">
+                <a:solidFill>
+                  <a:srgbClr val="FF0000"/>
+                </a:solidFill>
+                <a:sym typeface="+mn-ea"/>
+              </a:rPr>
+              <a:t>年释放</a:t>
+            </a:r>
+            <a:r>
+              <a:rPr lang="en-US" altLang="zh-CN" sz="1400" b="1" dirty="0">
+                <a:solidFill>
+                  <a:srgbClr val="FF0000"/>
+                </a:solidFill>
+                <a:sym typeface="+mn-ea"/>
+              </a:rPr>
+              <a:t>, </a:t>
+            </a:r>
+            <a:r>
+              <a:rPr lang="en-US" altLang="zh-CN" sz="1400" b="1" dirty="0">
+                <a:solidFill>
+                  <a:srgbClr val="FF0000"/>
+                </a:solidFill>
+                <a:sym typeface="+mn-ea"/>
+              </a:rPr>
+              <a:t>0</a:t>
+            </a:r>
+            <a:r>
+              <a:rPr lang="en-US" altLang="zh-CN" sz="1400" b="1" dirty="0" smtClean="0">
+                <a:solidFill>
+                  <a:srgbClr val="FF0000"/>
+                </a:solidFill>
+                <a:sym typeface="+mn-ea"/>
+              </a:rPr>
+              <a:t>%-75%-75%-100%</a:t>
+            </a:r>
+            <a:endParaRPr lang="en-US" altLang="zh-CN" sz="1400" b="1" dirty="0" smtClean="0">
+              <a:solidFill>
+                <a:srgbClr val="FF0000"/>
+              </a:solidFill>
+              <a:sym typeface="+mn-ea"/>
+            </a:endParaRPr>
+          </a:p>
+          <a:p>
+            <a:pPr marL="857250" lvl="1" indent="-457200" eaLnBrk="1" hangingPunct="1">
+              <a:lnSpc>
+                <a:spcPct val="200000"/>
+              </a:lnSpc>
+              <a:spcBef>
+                <a:spcPct val="0"/>
+              </a:spcBef>
+              <a:buFont typeface="+mj-lt"/>
+              <a:buAutoNum type="arabicPeriod"/>
+            </a:pPr>
+            <a:r>
               <a:rPr lang="zh-CN" altLang="en-US" sz="1400" dirty="0" smtClean="0">
                 <a:sym typeface="+mn-ea"/>
               </a:rPr>
@@ -21611,7 +22772,13 @@
               <a:rPr lang="zh-CN" altLang="en-US" sz="1400" dirty="0" smtClean="0">
                 <a:sym typeface="+mn-ea"/>
               </a:rPr>
-              <a:t>年释放， </a:t>
+              <a:t>年释放</a:t>
+            </a:r>
+            <a:r>
+              <a:rPr lang="en-US" altLang="zh-CN" sz="1400" dirty="0" smtClean="0">
+                <a:sym typeface="+mn-ea"/>
+              </a:rPr>
+              <a:t>, </a:t>
             </a:r>
             <a:r>
               <a:rPr lang="en-US" altLang="zh-CN" sz="1400" dirty="0" smtClean="0">
@@ -21619,6 +22786,9 @@
               </a:rPr>
               <a:t>0%-25%-50%-100%</a:t>
             </a:r>
+            <a:endParaRPr lang="en-US" altLang="zh-CN" sz="1400" dirty="0" smtClean="0">
+              <a:sym typeface="+mn-ea"/>
+            </a:endParaRPr>
           </a:p>
           <a:p>
             <a:pPr marL="457200" indent="-457200" eaLnBrk="1" hangingPunct="1">
@@ -21646,7 +22816,7 @@
           <p:nvPr/>
         </p:nvPicPr>
         <p:blipFill>
-          <a:blip r:embed="rId3">
+          <a:blip r:embed="rId1">
             <a:extLst>
               <a:ext uri="{28A0092B-C50C-407E-A947-70E740481C1C}">
                 <a14:useLocalDpi xmlns:a14="http://schemas.microsoft.com/office/drawing/2010/main" val="0"/>
@@ -21660,8 +22830,8 @@
         </p:blipFill>
         <p:spPr bwMode="auto">
           <a:xfrm>
-            <a:off x="4838273" y="1623877"/>
-            <a:ext cx="7353727" cy="4793920"/>
+            <a:off x="5229860" y="1878330"/>
+            <a:ext cx="6962140" cy="4538980"/>
           </a:xfrm>
           <a:prstGeom prst="rect">
             <a:avLst/>
@@ -21713,24 +22883,16 @@
       <p:graphicFrame>
         <p:nvGraphicFramePr>
           <p:cNvPr id="10" name="Chart 9"/>
-          <p:cNvGraphicFramePr>
-            <a:graphicFrameLocks/>
-          </p:cNvGraphicFramePr>
-          <p:nvPr>
-            <p:extLst>
-              <p:ext uri="{D42A27DB-BD31-4B8C-83A1-F6EECF244321}">
-                <p14:modId xmlns:p14="http://schemas.microsoft.com/office/powerpoint/2010/main" val="897787792"/>
-              </p:ext>
-            </p:extLst>
-          </p:nvPr>
+          <p:cNvGraphicFramePr/>
+          <p:nvPr/>
         </p:nvGraphicFramePr>
         <p:xfrm>
-          <a:off x="3105149" y="1081616"/>
-          <a:ext cx="8920274" cy="5486401"/>
+          <a:off x="3693795" y="1174750"/>
+          <a:ext cx="8314690" cy="5170805"/>
         </p:xfrm>
         <a:graphic>
           <a:graphicData uri="http://schemas.openxmlformats.org/drawingml/2006/chart">
-            <c:chart xmlns:c="http://schemas.openxmlformats.org/drawingml/2006/chart" xmlns:r="http://schemas.openxmlformats.org/officeDocument/2006/relationships" r:id="rId3"/>
+            <c:chart xmlns:c="http://schemas.openxmlformats.org/drawingml/2006/chart" xmlns:r="http://schemas.openxmlformats.org/officeDocument/2006/relationships" r:id="rId1"/>
           </a:graphicData>
         </a:graphic>
       </p:graphicFrame>
@@ -21743,7 +22905,7 @@
           <p:nvPr/>
         </p:nvPicPr>
         <p:blipFill>
-          <a:blip r:embed="rId4"/>
+          <a:blip r:embed="rId2"/>
           <a:stretch>
             <a:fillRect/>
           </a:stretch>
@@ -22106,8 +23268,8 @@
         </p:nvSpPr>
         <p:spPr>
           <a:xfrm>
-            <a:off x="138345" y="2045632"/>
-            <a:ext cx="3912447" cy="3539430"/>
+            <a:off x="112945" y="1470322"/>
+            <a:ext cx="3912447" cy="4399915"/>
           </a:xfrm>
           <a:prstGeom prst="rect">
             <a:avLst/>
@@ -22269,7 +23431,31 @@
               <a:rPr lang="zh-CN" altLang="en-US" sz="2800" i="1" dirty="0" smtClean="0">
                 <a:sym typeface="+mn-ea"/>
               </a:rPr>
-              <a:t>亿个</a:t>
+              <a:t>亿个，约</a:t>
+            </a:r>
+            <a:r>
+              <a:rPr lang="en-US" altLang="zh-CN" sz="2800" i="1" dirty="0" smtClean="0">
+                <a:sym typeface="+mn-ea"/>
+              </a:rPr>
+              <a:t>1100</a:t>
+            </a:r>
+            <a:r>
+              <a:rPr lang="zh-CN" altLang="en-US" sz="2800" i="1" dirty="0" smtClean="0">
+                <a:sym typeface="+mn-ea"/>
+              </a:rPr>
+              <a:t>个 </a:t>
+            </a:r>
+            <a:r>
+              <a:rPr lang="en-US" altLang="zh-CN" sz="2800" i="1" dirty="0" smtClean="0">
+                <a:sym typeface="+mn-ea"/>
+              </a:rPr>
+              <a:t>/ </a:t>
+            </a:r>
+            <a:r>
+              <a:rPr lang="zh-CN" altLang="en-US" sz="2800" i="1" dirty="0" smtClean="0">
+                <a:sym typeface="+mn-ea"/>
+              </a:rPr>
+              <a:t>块</a:t>
             </a:r>
             <a:endParaRPr lang="en-US" altLang="zh-CN" sz="2800" i="1" dirty="0" smtClean="0">
               <a:sym typeface="+mn-ea"/>
@@ -22363,7 +23549,7 @@
         </p:nvSpPr>
         <p:spPr>
           <a:xfrm>
-            <a:off x="4050792" y="1470262"/>
+            <a:off x="4297807" y="1470262"/>
             <a:ext cx="649537" cy="369332"/>
           </a:xfrm>
           <a:prstGeom prst="rect">
@@ -22397,7 +23583,7 @@
         </p:nvCxnSpPr>
         <p:spPr>
           <a:xfrm>
-            <a:off x="4455042" y="1839594"/>
+            <a:off x="4770637" y="1839594"/>
             <a:ext cx="329609" cy="680322"/>
           </a:xfrm>
           <a:prstGeom prst="straightConnector1">
@@ -22430,7 +23616,7 @@
         </p:nvSpPr>
         <p:spPr>
           <a:xfrm>
-            <a:off x="6202113" y="3143118"/>
+            <a:off x="6321493" y="3329808"/>
             <a:ext cx="649537" cy="369332"/>
           </a:xfrm>
           <a:prstGeom prst="rect">
@@ -22464,7 +23650,7 @@
         </p:nvCxnSpPr>
         <p:spPr>
           <a:xfrm flipH="1">
-            <a:off x="5872716" y="3512450"/>
+            <a:off x="6079726" y="3699775"/>
             <a:ext cx="464289" cy="495737"/>
           </a:xfrm>
           <a:prstGeom prst="straightConnector1">
@@ -22530,7 +23716,7 @@
           <p:nvPr/>
         </p:nvPicPr>
         <p:blipFill>
-          <a:blip r:embed="rId3"/>
+          <a:blip r:embed="rId1"/>
           <a:stretch>
             <a:fillRect/>
           </a:stretch>
@@ -22893,8 +24079,8 @@
         </p:nvSpPr>
         <p:spPr>
           <a:xfrm>
-            <a:off x="254008" y="773358"/>
-            <a:ext cx="4996420" cy="6001643"/>
+            <a:off x="274963" y="1003228"/>
+            <a:ext cx="4996420" cy="5015865"/>
           </a:xfrm>
           <a:prstGeom prst="rect">
             <a:avLst/>
@@ -23012,21 +24198,22 @@
               <a:buAutoNum type="arabicPeriod"/>
             </a:pPr>
             <a:r>
-              <a:rPr lang="zh-CN" altLang="en-US" dirty="0" smtClean="0"/>
+              <a:rPr lang="zh-CN" altLang="en-US" sz="2000" dirty="0" smtClean="0"/>
               <a:t>部署合约必须冷冻一些</a:t>
             </a:r>
             <a:r>
-              <a:rPr lang="en-US" altLang="zh-CN" dirty="0" smtClean="0"/>
+              <a:rPr lang="en-US" altLang="zh-CN" sz="2000" dirty="0" smtClean="0"/>
               <a:t>CKB(</a:t>
             </a:r>
             <a:r>
-              <a:rPr lang="zh-CN" altLang="en-US" dirty="0" smtClean="0"/>
+              <a:rPr lang="zh-CN" altLang="en-US" sz="2000" dirty="0" smtClean="0"/>
               <a:t>根据合约字节数</a:t>
             </a:r>
             <a:r>
-              <a:rPr lang="en-US" altLang="zh-CN" dirty="0" smtClean="0"/>
+              <a:rPr lang="en-US" altLang="zh-CN" sz="2000" dirty="0" smtClean="0"/>
               <a:t>)</a:t>
             </a:r>
+            <a:endParaRPr lang="en-US" altLang="zh-CN" sz="2000" dirty="0" smtClean="0"/>
           </a:p>
           <a:p>
             <a:pPr eaLnBrk="1" hangingPunct="1">
@@ -23040,18 +24227,18 @@
               <a:buAutoNum type="arabicPeriod"/>
             </a:pPr>
             <a:r>
-              <a:rPr lang="zh-CN" altLang="en-US" dirty="0" smtClean="0"/>
+              <a:rPr lang="zh-CN" altLang="en-US" sz="2000" dirty="0" smtClean="0"/>
               <a:t>冷冻状态的</a:t>
             </a:r>
             <a:r>
-              <a:rPr lang="en-US" altLang="zh-CN" dirty="0" smtClean="0"/>
+              <a:rPr lang="en-US" altLang="zh-CN" sz="2000" dirty="0" smtClean="0"/>
               <a:t>CKB</a:t>
             </a:r>
             <a:r>
-              <a:rPr lang="zh-CN" altLang="en-US" dirty="0" smtClean="0"/>
+              <a:rPr lang="zh-CN" altLang="en-US" sz="2000" dirty="0" smtClean="0"/>
               <a:t>不能被转账或锁仓</a:t>
             </a:r>
-            <a:endParaRPr lang="en-US" altLang="zh-CN" dirty="0" smtClean="0"/>
+            <a:endParaRPr lang="en-US" altLang="zh-CN" sz="2000" dirty="0" smtClean="0"/>
           </a:p>
           <a:p>
             <a:pPr eaLnBrk="1" hangingPunct="1">
@@ -23065,18 +24252,18 @@
               <a:buAutoNum type="arabicPeriod"/>
             </a:pPr>
             <a:r>
-              <a:rPr lang="zh-CN" altLang="en-US" dirty="0" smtClean="0"/>
+              <a:rPr lang="zh-CN" altLang="en-US" sz="2000" dirty="0" smtClean="0"/>
               <a:t>删除合约后</a:t>
             </a:r>
             <a:r>
-              <a:rPr lang="en-US" altLang="zh-CN" dirty="0" smtClean="0"/>
+              <a:rPr lang="en-US" altLang="zh-CN" sz="2000" dirty="0" smtClean="0"/>
               <a:t>CKB</a:t>
             </a:r>
             <a:r>
-              <a:rPr lang="zh-CN" altLang="en-US" dirty="0" smtClean="0"/>
+              <a:rPr lang="zh-CN" altLang="en-US" sz="2000" dirty="0" smtClean="0"/>
               <a:t>被解冻</a:t>
             </a:r>
-            <a:endParaRPr lang="en-US" altLang="zh-CN" dirty="0" smtClean="0"/>
+            <a:endParaRPr lang="en-US" altLang="zh-CN" sz="2000" dirty="0" smtClean="0"/>
           </a:p>
           <a:p>
             <a:pPr eaLnBrk="1" hangingPunct="1">
@@ -23090,42 +24277,30 @@
               <a:buAutoNum type="arabicPeriod"/>
             </a:pPr>
             <a:r>
-              <a:rPr lang="zh-CN" altLang="en-US" dirty="0" smtClean="0"/>
+              <a:rPr lang="zh-CN" altLang="en-US" sz="2000" dirty="0" smtClean="0"/>
               <a:t>避免</a:t>
             </a:r>
             <a:r>
-              <a:rPr lang="en-US" altLang="zh-CN" dirty="0" smtClean="0"/>
+              <a:rPr lang="en-US" altLang="zh-CN" sz="2000" dirty="0" smtClean="0"/>
               <a:t>【</a:t>
             </a:r>
             <a:r>
-              <a:rPr lang="zh-CN" altLang="en-US" dirty="0" smtClean="0"/>
+              <a:rPr lang="zh-CN" altLang="en-US" sz="2000" dirty="0" smtClean="0"/>
               <a:t>一次性</a:t>
             </a:r>
             <a:r>
-              <a:rPr lang="zh-CN" altLang="en-US" dirty="0"/>
+              <a:rPr lang="zh-CN" altLang="en-US" sz="2000" dirty="0"/>
               <a:t>支付，永远</a:t>
             </a:r>
             <a:r>
-              <a:rPr lang="zh-CN" altLang="en-US" dirty="0" smtClean="0"/>
+              <a:rPr lang="zh-CN" altLang="en-US" sz="2000" dirty="0" smtClean="0"/>
               <a:t>占用</a:t>
             </a:r>
             <a:r>
-              <a:rPr lang="en-US" altLang="zh-CN" dirty="0" smtClean="0"/>
+              <a:rPr lang="en-US" altLang="zh-CN" sz="2000" dirty="0" smtClean="0"/>
               <a:t>】</a:t>
             </a:r>
-            <a:r>
-              <a:rPr lang="zh-CN" altLang="en-US" dirty="0" smtClean="0"/>
-              <a:t>的</a:t>
-            </a:r>
-            <a:r>
-              <a:rPr lang="zh-CN" altLang="en-US" dirty="0"/>
-              <a:t>状态存储</a:t>
-            </a:r>
-            <a:r>
-              <a:rPr lang="zh-CN" altLang="en-US" dirty="0" smtClean="0"/>
-              <a:t>模型</a:t>
-            </a:r>
-            <a:endParaRPr lang="en-US" altLang="zh-CN" dirty="0" smtClean="0"/>
+            <a:endParaRPr lang="en-US" altLang="zh-CN" sz="2000" dirty="0" smtClean="0"/>
           </a:p>
           <a:p>
             <a:pPr eaLnBrk="1" hangingPunct="1">
@@ -23139,18 +24314,47 @@
               <a:buAutoNum type="arabicPeriod"/>
             </a:pPr>
             <a:r>
-              <a:rPr lang="zh-CN" altLang="en-US" dirty="0" smtClean="0"/>
-              <a:t>开发者会自愿清除数据并少</a:t>
-            </a:r>
-            <a:r>
-              <a:rPr lang="zh-CN" altLang="en-US" dirty="0"/>
+              <a:rPr lang="zh-CN" altLang="en-US" sz="2000" dirty="0" smtClean="0"/>
+              <a:t>开发者会自愿清除数据减少</a:t>
+            </a:r>
+            <a:r>
+              <a:rPr lang="zh-CN" altLang="en-US" sz="2000" dirty="0"/>
               <a:t>全局状态的</a:t>
             </a:r>
             <a:r>
-              <a:rPr lang="zh-CN" altLang="en-US" dirty="0" smtClean="0"/>
+              <a:rPr lang="zh-CN" altLang="en-US" sz="2000" dirty="0" smtClean="0"/>
               <a:t>占用</a:t>
             </a:r>
-            <a:endParaRPr lang="zh-CN" altLang="en-US" dirty="0"/>
+            <a:endParaRPr lang="zh-CN" altLang="en-US" sz="2000" dirty="0" smtClean="0"/>
+          </a:p>
+          <a:p>
+            <a:pPr eaLnBrk="1" hangingPunct="1">
+              <a:lnSpc>
+                <a:spcPct val="200000"/>
+              </a:lnSpc>
+              <a:spcBef>
+                <a:spcPct val="0"/>
+              </a:spcBef>
+              <a:buFont typeface="+mj-lt"/>
+              <a:buAutoNum type="arabicPeriod"/>
+            </a:pPr>
+            <a:r>
+              <a:rPr lang="zh-CN" altLang="en-US" sz="2000" dirty="0" smtClean="0"/>
+              <a:t>冷冻的</a:t>
+            </a:r>
+            <a:r>
+              <a:rPr lang="en-US" altLang="zh-CN" sz="2000" dirty="0" smtClean="0"/>
+              <a:t>CKB</a:t>
+            </a:r>
+            <a:r>
+              <a:rPr lang="zh-CN" altLang="en-US" sz="2000" dirty="0" smtClean="0"/>
+              <a:t>会因为通胀而</a:t>
+            </a:r>
+            <a:r>
+              <a:rPr lang="zh-CN" altLang="en-US" sz="2000" dirty="0" smtClean="0"/>
+              <a:t>贬值</a:t>
+            </a:r>
+            <a:endParaRPr lang="zh-CN" altLang="en-US" sz="2000" dirty="0" smtClean="0"/>
           </a:p>
         </p:txBody>
       </p:sp>
@@ -24538,7 +25742,7 @@
           <p:nvPr/>
         </p:nvPicPr>
         <p:blipFill>
-          <a:blip r:embed="rId3"/>
+          <a:blip r:embed="rId2"/>
           <a:stretch>
             <a:fillRect/>
           </a:stretch>
@@ -25182,17 +26386,7 @@
                   </a:schemeClr>
                 </a:solidFill>
               </a:rPr>
-              <a:t>：</a:t>
-            </a:r>
-            <a:r>
-              <a:rPr lang="zh-CN" altLang="en-US" sz="3200" dirty="0" smtClean="0">
-                <a:solidFill>
-                  <a:schemeClr val="accent5">
-                    <a:lumMod val="75000"/>
-                  </a:schemeClr>
-                </a:solidFill>
-              </a:rPr>
-              <a:t>冷冻</a:t>
+              <a:t>：冷冻</a:t>
             </a:r>
             <a:endParaRPr lang="zh-CN" altLang="en-US" sz="3200" dirty="0" smtClean="0"/>
           </a:p>
@@ -25223,17 +26417,7 @@
                   </a:schemeClr>
                 </a:solidFill>
               </a:rPr>
-              <a:t>：锁</a:t>
-            </a:r>
-            <a:r>
-              <a:rPr lang="zh-CN" altLang="en-US" sz="3200" dirty="0" smtClean="0">
-                <a:solidFill>
-                  <a:schemeClr val="accent2">
-                    <a:lumMod val="75000"/>
-                  </a:schemeClr>
-                </a:solidFill>
-              </a:rPr>
-              <a:t>仓</a:t>
+              <a:t>：锁仓</a:t>
             </a:r>
             <a:endParaRPr lang="zh-CN" altLang="en-US" sz="3200" dirty="0" smtClean="0"/>
           </a:p>
@@ -25261,16 +26445,8 @@
       <p:graphicFrame>
         <p:nvGraphicFramePr>
           <p:cNvPr id="10" name="Chart 9"/>
-          <p:cNvGraphicFramePr>
-            <a:graphicFrameLocks/>
-          </p:cNvGraphicFramePr>
-          <p:nvPr>
-            <p:extLst>
-              <p:ext uri="{D42A27DB-BD31-4B8C-83A1-F6EECF244321}">
-                <p14:modId xmlns:p14="http://schemas.microsoft.com/office/powerpoint/2010/main" val="1721171237"/>
-              </p:ext>
-            </p:extLst>
-          </p:nvPr>
+          <p:cNvGraphicFramePr/>
+          <p:nvPr/>
         </p:nvGraphicFramePr>
         <p:xfrm>
           <a:off x="4497572" y="1209206"/>
@@ -25278,7 +26454,7 @@
         </p:xfrm>
         <a:graphic>
           <a:graphicData uri="http://schemas.openxmlformats.org/drawingml/2006/chart">
-            <c:chart xmlns:c="http://schemas.openxmlformats.org/drawingml/2006/chart" xmlns:r="http://schemas.openxmlformats.org/officeDocument/2006/relationships" r:id="rId4"/>
+            <c:chart xmlns:c="http://schemas.openxmlformats.org/drawingml/2006/chart" xmlns:r="http://schemas.openxmlformats.org/officeDocument/2006/relationships" r:id="rId1"/>
           </a:graphicData>
         </a:graphic>
       </p:graphicFrame>
@@ -25323,7 +26499,7 @@
           <p:nvPr/>
         </p:nvPicPr>
         <p:blipFill>
-          <a:blip r:embed="rId3"/>
+          <a:blip r:embed="rId2"/>
           <a:stretch>
             <a:fillRect/>
           </a:stretch>
@@ -25829,8 +27005,8 @@
         </p:nvSpPr>
         <p:spPr>
           <a:xfrm>
-            <a:off x="1" y="1081616"/>
-            <a:ext cx="5401339" cy="4524315"/>
+            <a:off x="0" y="1081405"/>
+            <a:ext cx="4796155" cy="5262245"/>
           </a:xfrm>
           <a:prstGeom prst="rect">
             <a:avLst/>
@@ -25949,13 +27125,7 @@
               <a:rPr lang="zh-CN" altLang="en-US" i="1" dirty="0" smtClean="0">
                 <a:sym typeface="+mn-ea"/>
               </a:rPr>
-              <a:t>永久性，每年</a:t>
-            </a:r>
-            <a:r>
-              <a:rPr lang="zh-CN" altLang="en-US" i="1" dirty="0" smtClean="0">
-                <a:sym typeface="+mn-ea"/>
-              </a:rPr>
-              <a:t>固定发行</a:t>
+              <a:t>永久性，每年固定发行</a:t>
             </a:r>
             <a:r>
               <a:rPr lang="en-US" altLang="zh-CN" i="1" dirty="0" smtClean="0">
@@ -25992,13 +27162,7 @@
               <a:rPr lang="zh-CN" altLang="en-US" i="1" dirty="0" smtClean="0">
                 <a:sym typeface="+mn-ea"/>
               </a:rPr>
-              <a:t>亿会平摊到每个</a:t>
-            </a:r>
-            <a:r>
-              <a:rPr lang="zh-CN" altLang="en-US" i="1" dirty="0" smtClean="0">
-                <a:sym typeface="+mn-ea"/>
-              </a:rPr>
-              <a:t>区块</a:t>
+              <a:t>亿会平摊到每个区块</a:t>
             </a:r>
             <a:endParaRPr lang="en-US" altLang="zh-CN" i="1" dirty="0" smtClean="0">
               <a:sym typeface="+mn-ea"/>
@@ -26017,13 +27181,7 @@
               <a:rPr lang="zh-CN" altLang="en-US" i="1" dirty="0" smtClean="0">
                 <a:sym typeface="+mn-ea"/>
               </a:rPr>
-              <a:t>每个块的二级发行又</a:t>
-            </a:r>
-            <a:r>
-              <a:rPr lang="zh-CN" altLang="en-US" i="1" dirty="0" smtClean="0">
-                <a:sym typeface="+mn-ea"/>
-              </a:rPr>
-              <a:t>分</a:t>
+              <a:t>每个块的二级发行又分</a:t>
             </a:r>
             <a:r>
               <a:rPr lang="en-US" altLang="zh-CN" i="1" dirty="0" smtClean="0">
@@ -26043,6 +27201,9 @@
               </a:rPr>
               <a:t>:</a:t>
             </a:r>
+            <a:endParaRPr lang="en-US" altLang="zh-CN" i="1" dirty="0" smtClean="0">
+              <a:sym typeface="+mn-ea"/>
+            </a:endParaRPr>
           </a:p>
           <a:p>
             <a:pPr lvl="1" eaLnBrk="1" hangingPunct="1">
@@ -26064,7 +27225,7 @@
                 </a:solidFill>
                 <a:sym typeface="+mn-ea"/>
               </a:rPr>
-              <a:t>a:</a:t>
+              <a:t>a: </a:t>
             </a:r>
             <a:r>
               <a:rPr lang="zh-CN" altLang="en-US" i="1" dirty="0" smtClean="0">
@@ -26075,47 +27236,51 @@
                 </a:solidFill>
                 <a:sym typeface="+mn-ea"/>
               </a:rPr>
-              <a:t>对</a:t>
-            </a:r>
-            <a:r>
-              <a:rPr lang="zh-CN" altLang="en-US" dirty="0" smtClean="0">
+              <a:t>出块者</a:t>
+            </a:r>
+            <a:r>
+              <a:rPr lang="en-US" altLang="zh-CN" i="1" dirty="0" smtClean="0">
                 <a:solidFill>
                   <a:schemeClr val="accent5">
                     <a:lumMod val="75000"/>
                   </a:schemeClr>
                 </a:solidFill>
+                <a:sym typeface="+mn-ea"/>
               </a:rPr>
-              <a:t>矿工</a:t>
-            </a:r>
-            <a:r>
-              <a:rPr lang="en-US" altLang="zh-CN" dirty="0" smtClean="0">
+              <a:t>(pow</a:t>
+            </a:r>
+            <a:r>
+              <a:rPr lang="zh-CN" altLang="en-US" i="1" dirty="0" smtClean="0">
                 <a:solidFill>
                   <a:schemeClr val="accent5">
                     <a:lumMod val="75000"/>
                   </a:schemeClr>
                 </a:solidFill>
+                <a:sym typeface="+mn-ea"/>
               </a:rPr>
-              <a:t>(</a:t>
-            </a:r>
-            <a:r>
-              <a:rPr lang="zh-CN" altLang="en-US" dirty="0" smtClean="0">
+              <a:t>矿工</a:t>
+            </a:r>
+            <a:r>
+              <a:rPr lang="en-US" altLang="zh-CN" i="1" dirty="0" smtClean="0">
                 <a:solidFill>
                   <a:schemeClr val="accent5">
                     <a:lumMod val="75000"/>
                   </a:schemeClr>
                 </a:solidFill>
+                <a:sym typeface="+mn-ea"/>
               </a:rPr>
-              <a:t>贡献了存储空间</a:t>
-            </a:r>
-            <a:r>
-              <a:rPr lang="en-US" altLang="zh-CN" dirty="0" smtClean="0">
+              <a:t>)</a:t>
+            </a:r>
+            <a:r>
+              <a:rPr lang="zh-CN" altLang="en-US" i="1" dirty="0" smtClean="0">
                 <a:solidFill>
                   <a:schemeClr val="accent5">
                     <a:lumMod val="75000"/>
                   </a:schemeClr>
                 </a:solidFill>
+                <a:sym typeface="+mn-ea"/>
               </a:rPr>
-              <a:t>)</a:t>
+              <a:t>的奖励</a:t>
             </a:r>
             <a:r>
               <a:rPr lang="zh-CN" altLang="en-US" dirty="0" smtClean="0">
@@ -26125,7 +27290,57 @@
                   </a:schemeClr>
                 </a:solidFill>
               </a:rPr>
-              <a:t>激励</a:t>
+              <a:t>，</a:t>
+            </a:r>
+            <a:r>
+              <a:rPr lang="en-US" altLang="zh-CN" dirty="0" smtClean="0">
+                <a:solidFill>
+                  <a:schemeClr val="accent5">
+                    <a:lumMod val="75000"/>
+                  </a:schemeClr>
+                </a:solidFill>
+              </a:rPr>
+              <a:t>50-60</a:t>
+            </a:r>
+            <a:r>
+              <a:rPr lang="zh-CN" altLang="en-US" dirty="0" smtClean="0">
+                <a:solidFill>
+                  <a:schemeClr val="accent5">
+                    <a:lumMod val="75000"/>
+                  </a:schemeClr>
+                </a:solidFill>
+              </a:rPr>
+              <a:t>个</a:t>
+            </a:r>
+            <a:r>
+              <a:rPr lang="en-US" altLang="zh-CN" dirty="0" smtClean="0">
+                <a:solidFill>
+                  <a:schemeClr val="accent5">
+                    <a:lumMod val="75000"/>
+                  </a:schemeClr>
+                </a:solidFill>
+              </a:rPr>
+              <a:t>ckb</a:t>
+            </a:r>
+            <a:r>
+              <a:rPr lang="en-US" altLang="zh-CN" dirty="0" smtClean="0">
+                <a:solidFill>
+                  <a:schemeClr val="accent5">
+                    <a:lumMod val="75000"/>
+                  </a:schemeClr>
+                </a:solidFill>
+              </a:rPr>
+              <a:t>/</a:t>
+            </a:r>
+            <a:r>
+              <a:rPr lang="zh-CN" altLang="en-US" dirty="0" smtClean="0">
+                <a:solidFill>
+                  <a:schemeClr val="accent5">
+                    <a:lumMod val="75000"/>
+                  </a:schemeClr>
+                </a:solidFill>
+              </a:rPr>
+              <a:t>块</a:t>
             </a:r>
             <a:endParaRPr lang="en-US" altLang="zh-CN" dirty="0" smtClean="0">
               <a:solidFill>
@@ -26174,7 +27389,47 @@
                   </a:schemeClr>
                 </a:solidFill>
               </a:rPr>
-              <a:t> 对锁仓用户激励</a:t>
+              <a:t> 锁仓用户的</a:t>
+            </a:r>
+            <a:r>
+              <a:rPr lang="zh-CN" altLang="en-US" dirty="0" smtClean="0">
+                <a:solidFill>
+                  <a:schemeClr val="accent2">
+                    <a:lumMod val="75000"/>
+                  </a:schemeClr>
+                </a:solidFill>
+              </a:rPr>
+              <a:t>奖励</a:t>
+            </a:r>
+            <a:r>
+              <a:rPr lang="en-US" altLang="zh-CN" dirty="0" smtClean="0">
+                <a:solidFill>
+                  <a:schemeClr val="accent2">
+                    <a:lumMod val="75000"/>
+                  </a:schemeClr>
+                </a:solidFill>
+              </a:rPr>
+              <a:t>, </a:t>
+            </a:r>
+            <a:r>
+              <a:rPr lang="zh-CN" altLang="en-US" dirty="0" smtClean="0">
+                <a:solidFill>
+                  <a:schemeClr val="accent2">
+                    <a:lumMod val="75000"/>
+                  </a:schemeClr>
+                </a:solidFill>
+              </a:rPr>
+              <a:t>年化</a:t>
+            </a:r>
+            <a:r>
+              <a:rPr lang="en-US" altLang="zh-CN" dirty="0" smtClean="0">
+                <a:solidFill>
+                  <a:schemeClr val="accent2">
+                    <a:lumMod val="75000"/>
+                  </a:schemeClr>
+                </a:solidFill>
+              </a:rPr>
+              <a:t>3%</a:t>
             </a:r>
             <a:endParaRPr lang="en-US" altLang="zh-CN" dirty="0" smtClean="0">
               <a:solidFill>
@@ -26201,11 +27456,7 @@
             </a:r>
             <a:r>
               <a:rPr lang="zh-CN" altLang="en-US" dirty="0" smtClean="0"/>
-              <a:t> 剩余部分</a:t>
-            </a:r>
-            <a:r>
-              <a:rPr lang="zh-CN" altLang="en-US" dirty="0" smtClean="0"/>
-              <a:t>销毁</a:t>
+              <a:t> 剩余部分销毁</a:t>
             </a:r>
             <a:endParaRPr lang="en-US" altLang="zh-CN" dirty="0" smtClean="0"/>
           </a:p>
@@ -26214,16 +27465,8 @@
       <p:graphicFrame>
         <p:nvGraphicFramePr>
           <p:cNvPr id="10" name="Chart 9"/>
-          <p:cNvGraphicFramePr>
-            <a:graphicFrameLocks/>
-          </p:cNvGraphicFramePr>
-          <p:nvPr>
-            <p:extLst>
-              <p:ext uri="{D42A27DB-BD31-4B8C-83A1-F6EECF244321}">
-                <p14:modId xmlns:p14="http://schemas.microsoft.com/office/powerpoint/2010/main" val="1359072203"/>
-              </p:ext>
-            </p:extLst>
-          </p:nvPr>
+          <p:cNvGraphicFramePr/>
+          <p:nvPr/>
         </p:nvGraphicFramePr>
         <p:xfrm>
           <a:off x="4752752" y="1397000"/>
@@ -26231,16 +27474,11 @@
         </p:xfrm>
         <a:graphic>
           <a:graphicData uri="http://schemas.openxmlformats.org/drawingml/2006/chart">
-            <c:chart xmlns:c="http://schemas.openxmlformats.org/drawingml/2006/chart" xmlns:r="http://schemas.openxmlformats.org/officeDocument/2006/relationships" r:id="rId4"/>
+            <c:chart xmlns:c="http://schemas.openxmlformats.org/drawingml/2006/chart" xmlns:r="http://schemas.openxmlformats.org/officeDocument/2006/relationships" r:id="rId1"/>
           </a:graphicData>
         </a:graphic>
       </p:graphicFrame>
     </p:spTree>
-    <p:extLst>
-      <p:ext uri="{BB962C8B-B14F-4D97-AF65-F5344CB8AC3E}">
-        <p14:creationId xmlns:p14="http://schemas.microsoft.com/office/powerpoint/2010/main" val="430246430"/>
-      </p:ext>
-    </p:extLst>
   </p:cSld>
   <p:clrMapOvr>
     <a:masterClrMapping/>
@@ -26281,7 +27519,7 @@
           <p:nvPr/>
         </p:nvPicPr>
         <p:blipFill>
-          <a:blip r:embed="rId3"/>
+          <a:blip r:embed="rId4"/>
           <a:stretch>
             <a:fillRect/>
           </a:stretch>
@@ -26355,13 +27593,7 @@
               <a:rPr lang="zh-CN" altLang="en-US" sz="4000" dirty="0" smtClean="0">
                 <a:sym typeface="+mn-ea"/>
               </a:rPr>
-              <a:t> 二级</a:t>
-            </a:r>
-            <a:r>
-              <a:rPr lang="zh-CN" altLang="en-US" sz="4000" dirty="0" smtClean="0">
-                <a:sym typeface="+mn-ea"/>
-              </a:rPr>
-              <a:t>发行：分配比例</a:t>
+              <a:t> 二级发行：分配比例</a:t>
             </a:r>
             <a:endParaRPr lang="en-US" altLang="zh-CN" sz="4000" dirty="0">
               <a:latin typeface="Arial" panose="020B0604020202090204" pitchFamily="34" charset="0"/>
@@ -26797,23 +28029,15 @@
         </p:xfrm>
         <a:graphic>
           <a:graphicData uri="http://schemas.openxmlformats.org/drawingml/2006/chart">
-            <c:chart xmlns:c="http://schemas.openxmlformats.org/drawingml/2006/chart" xmlns:r="http://schemas.openxmlformats.org/officeDocument/2006/relationships" r:id="rId4"/>
+            <c:chart xmlns:c="http://schemas.openxmlformats.org/drawingml/2006/chart" xmlns:r="http://schemas.openxmlformats.org/officeDocument/2006/relationships" r:id="rId1"/>
           </a:graphicData>
         </a:graphic>
       </p:graphicFrame>
       <p:graphicFrame>
         <p:nvGraphicFramePr>
           <p:cNvPr id="10" name="Chart 9"/>
-          <p:cNvGraphicFramePr>
-            <a:graphicFrameLocks/>
-          </p:cNvGraphicFramePr>
-          <p:nvPr>
-            <p:extLst>
-              <p:ext uri="{D42A27DB-BD31-4B8C-83A1-F6EECF244321}">
-                <p14:modId xmlns:p14="http://schemas.microsoft.com/office/powerpoint/2010/main" val="1500357984"/>
-              </p:ext>
-            </p:extLst>
-          </p:nvPr>
+          <p:cNvGraphicFramePr/>
+          <p:nvPr/>
         </p:nvGraphicFramePr>
         <p:xfrm>
           <a:off x="-219740" y="1280071"/>
@@ -26821,23 +28045,15 @@
         </p:xfrm>
         <a:graphic>
           <a:graphicData uri="http://schemas.openxmlformats.org/drawingml/2006/chart">
-            <c:chart xmlns:c="http://schemas.openxmlformats.org/drawingml/2006/chart" xmlns:r="http://schemas.openxmlformats.org/officeDocument/2006/relationships" r:id="rId5"/>
+            <c:chart xmlns:c="http://schemas.openxmlformats.org/drawingml/2006/chart" xmlns:r="http://schemas.openxmlformats.org/officeDocument/2006/relationships" r:id="rId2"/>
           </a:graphicData>
         </a:graphic>
       </p:graphicFrame>
       <p:graphicFrame>
         <p:nvGraphicFramePr>
           <p:cNvPr id="11" name="Chart 10"/>
-          <p:cNvGraphicFramePr>
-            <a:graphicFrameLocks/>
-          </p:cNvGraphicFramePr>
-          <p:nvPr>
-            <p:extLst>
-              <p:ext uri="{D42A27DB-BD31-4B8C-83A1-F6EECF244321}">
-                <p14:modId xmlns:p14="http://schemas.microsoft.com/office/powerpoint/2010/main" val="1950367213"/>
-              </p:ext>
-            </p:extLst>
-          </p:nvPr>
+          <p:cNvGraphicFramePr/>
+          <p:nvPr/>
         </p:nvGraphicFramePr>
         <p:xfrm>
           <a:off x="4972493" y="1273627"/>
@@ -26845,7 +28061,7 @@
         </p:xfrm>
         <a:graphic>
           <a:graphicData uri="http://schemas.openxmlformats.org/drawingml/2006/chart">
-            <c:chart xmlns:c="http://schemas.openxmlformats.org/drawingml/2006/chart" xmlns:r="http://schemas.openxmlformats.org/officeDocument/2006/relationships" r:id="rId6"/>
+            <c:chart xmlns:c="http://schemas.openxmlformats.org/drawingml/2006/chart" xmlns:r="http://schemas.openxmlformats.org/officeDocument/2006/relationships" r:id="rId3"/>
           </a:graphicData>
         </a:graphic>
       </p:graphicFrame>
@@ -26960,11 +28176,6 @@
         </p:txBody>
       </p:sp>
     </p:spTree>
-    <p:extLst>
-      <p:ext uri="{BB962C8B-B14F-4D97-AF65-F5344CB8AC3E}">
-        <p14:creationId xmlns:p14="http://schemas.microsoft.com/office/powerpoint/2010/main" val="2082098984"/>
-      </p:ext>
-    </p:extLst>
   </p:cSld>
   <p:clrMapOvr>
     <a:masterClrMapping/>
@@ -27230,8 +28441,6 @@
       </a:bgFillStyleLst>
     </a:fmtScheme>
   </a:themeElements>
-  <a:objectDefaults/>
-  <a:extraClrSchemeLst/>
   <a:extLst>
     <a:ext uri="{05A4C25C-085E-4340-85A3-A5531E510DB2}">
       <thm15:themeFamily xmlns:thm15="http://schemas.microsoft.com/office/thememl/2012/main" name="Office Theme" id="{62F939B6-93AF-4DB8-9C6B-D6C7DFDC589F}" vid="{4A3C46E8-61CC-4603-A589-7422A47A8E4A}"/>
@@ -27491,8 +28700,6 @@
       </a:bgFillStyleLst>
     </a:fmtScheme>
   </a:themeElements>
-  <a:objectDefaults/>
-  <a:extraClrSchemeLst/>
   <a:extLst>
     <a:ext uri="{05A4C25C-085E-4340-85A3-A5531E510DB2}">
       <thm15:themeFamily xmlns:thm15="http://schemas.microsoft.com/office/thememl/2012/main" name="Office Theme" id="{62F939B6-93AF-4DB8-9C6B-D6C7DFDC589F}" vid="{4A3C46E8-61CC-4603-A589-7422A47A8E4A}"/>
